--- a/slides.pptx
+++ b/slides.pptx
@@ -7,9 +7,18 @@
   </p:sldMasterIdLst>
   <p:sldIdLst>
     <p:sldId id="256" r:id="rId3"/>
-    <p:sldId id="257" r:id="rId4"/>
-    <p:sldId id="267" r:id="rId5"/>
-    <p:sldId id="269" r:id="rId6"/>
+    <p:sldId id="274" r:id="rId4"/>
+    <p:sldId id="278" r:id="rId5"/>
+    <p:sldId id="279" r:id="rId6"/>
+    <p:sldId id="280" r:id="rId7"/>
+    <p:sldId id="267" r:id="rId8"/>
+    <p:sldId id="273" r:id="rId9"/>
+    <p:sldId id="275" r:id="rId10"/>
+    <p:sldId id="276" r:id="rId11"/>
+    <p:sldId id="277" r:id="rId12"/>
+    <p:sldId id="272" r:id="rId13"/>
+    <p:sldId id="271" r:id="rId14"/>
+    <p:sldId id="269" r:id="rId15"/>
   </p:sldIdLst>
   <p:sldSz cx="11880850" cy="6858000"/>
   <p:notesSz cx="7559675" cy="10691813"/>
@@ -108,6 +117,11 @@
       </a:defRPr>
     </a:lvl9pPr>
   </p:defaultTextStyle>
+  <p:extLst>
+    <p:ext uri="{EFAFB233-063F-42B5-8137-9DF3F51BA10A}">
+      <p15:sldGuideLst xmlns:p15="http://schemas.microsoft.com/office/powerpoint/2012/main"/>
+    </p:ext>
+  </p:extLst>
 </p:presentation>
 </file>
 
@@ -6094,17 +6108,9 @@
 </p:sld>
 </file>
 
-<file path=ppt/slides/slide2.xml><?xml version="1.0" encoding="utf-8"?>
+<file path=ppt/slides/slide10.xml><?xml version="1.0" encoding="utf-8"?>
 <p:sld xmlns:a="http://schemas.openxmlformats.org/drawingml/2006/main" xmlns:r="http://schemas.openxmlformats.org/officeDocument/2006/relationships" xmlns:p="http://schemas.openxmlformats.org/presentationml/2006/main">
   <p:cSld>
-    <p:bg>
-      <p:bgPr>
-        <a:solidFill>
-          <a:srgbClr val="FFFFFF"/>
-        </a:solidFill>
-        <a:effectLst/>
-      </p:bgPr>
-    </p:bg>
     <p:spTree>
       <p:nvGrpSpPr>
         <p:cNvPr id="1" name=""/>
@@ -6121,7 +6127,7 @@
       </p:grpSpPr>
       <p:sp>
         <p:nvSpPr>
-          <p:cNvPr id="84" name="PlaceHolder 1"/>
+          <p:cNvPr id="138" name="PlaceHolder 1"/>
           <p:cNvSpPr>
             <a:spLocks noGrp="1"/>
           </p:cNvSpPr>
@@ -6131,8 +6137,8 @@
         </p:nvSpPr>
         <p:spPr>
           <a:xfrm>
-            <a:off x="701640" y="380880"/>
-            <a:ext cx="10505160" cy="1195560"/>
+            <a:off x="687845" y="119157"/>
+            <a:ext cx="10505160" cy="698412"/>
           </a:xfrm>
           <a:prstGeom prst="rect">
             <a:avLst/>
@@ -6155,14 +6161,14 @@
               <a:buNone/>
             </a:pPr>
             <a:r>
-              <a:rPr lang="fi-FI" sz="3600" b="1" strike="noStrike" spc="-100" dirty="0">
+              <a:rPr lang="en-US" altLang="zh-CN" sz="3600" b="1" strike="noStrike" spc="-100" dirty="0">
                 <a:solidFill>
-                  <a:srgbClr val="C00000"/>
+                  <a:srgbClr val="0065BD"/>
                 </a:solidFill>
                 <a:latin typeface="Arial"/>
                 <a:ea typeface="ＭＳ Ｐゴシック"/>
               </a:rPr>
-              <a:t>OVERVIEW</a:t>
+              <a:t>/var/log/syslog that shows the auth process</a:t>
             </a:r>
             <a:endParaRPr lang="en-US" sz="3600" b="0" strike="noStrike" spc="-1" dirty="0">
               <a:solidFill>
@@ -6175,63 +6181,12 @@
       </p:sp>
       <p:sp>
         <p:nvSpPr>
-          <p:cNvPr id="85" name="PlaceHolder 2"/>
-          <p:cNvSpPr>
-            <a:spLocks noGrp="1"/>
-          </p:cNvSpPr>
-          <p:nvPr>
-            <p:ph/>
-          </p:nvPr>
-        </p:nvSpPr>
-        <p:spPr>
-          <a:xfrm>
-            <a:off x="673560" y="1513080"/>
-            <a:ext cx="10505160" cy="3831120"/>
-          </a:xfrm>
-          <a:prstGeom prst="rect">
-            <a:avLst/>
-          </a:prstGeom>
-          <a:noFill/>
-          <a:ln w="0">
-            <a:noFill/>
-          </a:ln>
-        </p:spPr>
-        <p:txBody>
-          <a:bodyPr lIns="0" tIns="0" rIns="0" bIns="0" anchor="t">
-            <a:noAutofit/>
-          </a:bodyPr>
-          <a:lstStyle/>
-          <a:p>
-            <a:pPr marL="514440" indent="-514440">
-              <a:lnSpc>
-                <a:spcPct val="150000"/>
-              </a:lnSpc>
-              <a:spcBef>
-                <a:spcPts val="561"/>
-              </a:spcBef>
-              <a:buClr>
-                <a:srgbClr val="0070C0"/>
-              </a:buClr>
-              <a:buFont typeface="Arial"/>
-              <a:buAutoNum type="arabicPeriod"/>
-            </a:pPr>
-            <a:endParaRPr lang="en-US" sz="2800" b="0" strike="noStrike" spc="-1" dirty="0">
-              <a:solidFill>
-                <a:srgbClr val="000000"/>
-              </a:solidFill>
-              <a:latin typeface="Arial"/>
-            </a:endParaRPr>
-          </a:p>
-        </p:txBody>
-      </p:sp>
-      <p:sp>
-        <p:nvSpPr>
-          <p:cNvPr id="86" name="PlaceHolder 3"/>
-          <p:cNvSpPr>
-            <a:spLocks noGrp="1"/>
-          </p:cNvSpPr>
-          <p:nvPr>
-            <p:ph type="dt" idx="4"/>
+          <p:cNvPr id="140" name="PlaceHolder 3"/>
+          <p:cNvSpPr>
+            <a:spLocks noGrp="1"/>
+          </p:cNvSpPr>
+          <p:nvPr>
+            <p:ph type="dt" idx="24"/>
           </p:nvPr>
         </p:nvSpPr>
         <p:spPr>
@@ -6273,7 +6228,7 @@
               </a:lnSpc>
               <a:buNone/>
             </a:pPr>
-            <a:fld id="{8E821B66-70B3-43AE-ACBB-8B176DB19926}" type="datetime1">
+            <a:fld id="{76D9D6F8-90AB-433B-A6F7-A114AF302573}" type="datetime1">
               <a:rPr lang="fi-FI" sz="900" b="0" strike="noStrike" spc="-1">
                 <a:solidFill>
                   <a:srgbClr val="8B8B8B"/>
@@ -6281,7 +6236,7 @@
                 <a:latin typeface="Arial"/>
                 <a:ea typeface="ＭＳ Ｐゴシック"/>
               </a:rPr>
-              <a:t>5.12.2022</a:t>
+              <a:t>6.12.2022</a:t>
             </a:fld>
             <a:endParaRPr lang="en-GB" sz="900" b="0" strike="noStrike" spc="-1">
               <a:solidFill>
@@ -6294,12 +6249,12 @@
       </p:sp>
       <p:sp>
         <p:nvSpPr>
-          <p:cNvPr id="87" name="PlaceHolder 4"/>
-          <p:cNvSpPr>
-            <a:spLocks noGrp="1"/>
-          </p:cNvSpPr>
-          <p:nvPr>
-            <p:ph type="sldNum" idx="5"/>
+          <p:cNvPr id="141" name="PlaceHolder 4"/>
+          <p:cNvSpPr>
+            <a:spLocks noGrp="1"/>
+          </p:cNvSpPr>
+          <p:nvPr>
+            <p:ph type="sldNum" idx="25"/>
           </p:nvPr>
         </p:nvSpPr>
         <p:spPr>
@@ -6341,7 +6296,1063 @@
               </a:lnSpc>
               <a:buNone/>
             </a:pPr>
-            <a:fld id="{84D9B508-6B4D-4A6A-A0AC-5F9913E97863}" type="slidenum">
+            <a:fld id="{76B7A404-D330-40B3-92D3-484EE3208746}" type="slidenum">
+              <a:rPr lang="fi-FI" sz="900" b="0" strike="noStrike" spc="-1">
+                <a:solidFill>
+                  <a:srgbClr val="8B8B8B"/>
+                </a:solidFill>
+                <a:latin typeface="Arial"/>
+                <a:ea typeface="ＭＳ Ｐゴシック"/>
+              </a:rPr>
+              <a:t>10</a:t>
+            </a:fld>
+            <a:endParaRPr lang="en-GB" sz="900" b="0" strike="noStrike" spc="-1">
+              <a:solidFill>
+                <a:srgbClr val="000000"/>
+              </a:solidFill>
+              <a:latin typeface="Times New Roman"/>
+            </a:endParaRPr>
+          </a:p>
+        </p:txBody>
+      </p:sp>
+      <p:pic>
+        <p:nvPicPr>
+          <p:cNvPr id="6" name="Picture 5">
+            <a:extLst>
+              <a:ext uri="{FF2B5EF4-FFF2-40B4-BE49-F238E27FC236}">
+                <a16:creationId xmlns:a16="http://schemas.microsoft.com/office/drawing/2014/main" id="{85E5F98C-D99D-30A4-8983-5761E895065A}"/>
+              </a:ext>
+            </a:extLst>
+          </p:cNvPr>
+          <p:cNvPicPr>
+            <a:picLocks noChangeAspect="1"/>
+          </p:cNvPicPr>
+          <p:nvPr/>
+        </p:nvPicPr>
+        <p:blipFill>
+          <a:blip r:embed="rId2"/>
+          <a:stretch>
+            <a:fillRect/>
+          </a:stretch>
+        </p:blipFill>
+        <p:spPr>
+          <a:xfrm>
+            <a:off x="837867" y="817569"/>
+            <a:ext cx="10283253" cy="4881783"/>
+          </a:xfrm>
+          <a:prstGeom prst="rect">
+            <a:avLst/>
+          </a:prstGeom>
+        </p:spPr>
+      </p:pic>
+    </p:spTree>
+    <p:extLst>
+      <p:ext uri="{BB962C8B-B14F-4D97-AF65-F5344CB8AC3E}">
+        <p14:creationId xmlns:p14="http://schemas.microsoft.com/office/powerpoint/2010/main" val="4109278383"/>
+      </p:ext>
+    </p:extLst>
+  </p:cSld>
+  <p:clrMapOvr>
+    <a:masterClrMapping/>
+  </p:clrMapOvr>
+</p:sld>
+</file>
+
+<file path=ppt/slides/slide11.xml><?xml version="1.0" encoding="utf-8"?>
+<p:sld xmlns:a="http://schemas.openxmlformats.org/drawingml/2006/main" xmlns:r="http://schemas.openxmlformats.org/officeDocument/2006/relationships" xmlns:p="http://schemas.openxmlformats.org/presentationml/2006/main">
+  <p:cSld>
+    <p:spTree>
+      <p:nvGrpSpPr>
+        <p:cNvPr id="1" name=""/>
+        <p:cNvGrpSpPr/>
+        <p:nvPr/>
+      </p:nvGrpSpPr>
+      <p:grpSpPr>
+        <a:xfrm>
+          <a:off x="0" y="0"/>
+          <a:ext cx="0" cy="0"/>
+          <a:chOff x="0" y="0"/>
+          <a:chExt cx="0" cy="0"/>
+        </a:xfrm>
+      </p:grpSpPr>
+      <p:sp>
+        <p:nvSpPr>
+          <p:cNvPr id="138" name="PlaceHolder 1"/>
+          <p:cNvSpPr>
+            <a:spLocks noGrp="1"/>
+          </p:cNvSpPr>
+          <p:nvPr>
+            <p:ph type="title"/>
+          </p:nvPr>
+        </p:nvSpPr>
+        <p:spPr>
+          <a:xfrm>
+            <a:off x="701640" y="380880"/>
+            <a:ext cx="10505160" cy="698412"/>
+          </a:xfrm>
+          <a:prstGeom prst="rect">
+            <a:avLst/>
+          </a:prstGeom>
+          <a:noFill/>
+          <a:ln w="0">
+            <a:noFill/>
+          </a:ln>
+        </p:spPr>
+        <p:txBody>
+          <a:bodyPr lIns="0" tIns="0" rIns="0" bIns="0" anchor="t">
+            <a:noAutofit/>
+          </a:bodyPr>
+          <a:lstStyle/>
+          <a:p>
+            <a:pPr indent="0">
+              <a:lnSpc>
+                <a:spcPct val="85000"/>
+              </a:lnSpc>
+              <a:buNone/>
+            </a:pPr>
+            <a:r>
+              <a:rPr lang="en-US" sz="3600" b="1" strike="noStrike" spc="-100" dirty="0">
+                <a:solidFill>
+                  <a:srgbClr val="0065BD"/>
+                </a:solidFill>
+                <a:latin typeface="Arial"/>
+                <a:ea typeface="ＭＳ Ｐゴシック"/>
+              </a:rPr>
+              <a:t>ipsec status</a:t>
+            </a:r>
+            <a:endParaRPr lang="en-US" sz="3600" b="0" strike="noStrike" spc="-1" dirty="0">
+              <a:solidFill>
+                <a:srgbClr val="000000"/>
+              </a:solidFill>
+              <a:latin typeface="Arial"/>
+            </a:endParaRPr>
+          </a:p>
+        </p:txBody>
+      </p:sp>
+      <p:sp>
+        <p:nvSpPr>
+          <p:cNvPr id="140" name="PlaceHolder 3"/>
+          <p:cNvSpPr>
+            <a:spLocks noGrp="1"/>
+          </p:cNvSpPr>
+          <p:nvPr>
+            <p:ph type="dt" idx="24"/>
+          </p:nvPr>
+        </p:nvSpPr>
+        <p:spPr>
+          <a:xfrm>
+            <a:off x="6418800" y="6111720"/>
+            <a:ext cx="4702320" cy="185400"/>
+          </a:xfrm>
+          <a:prstGeom prst="rect">
+            <a:avLst/>
+          </a:prstGeom>
+          <a:noFill/>
+          <a:ln w="0">
+            <a:noFill/>
+          </a:ln>
+        </p:spPr>
+        <p:txBody>
+          <a:bodyPr rIns="0" anchor="ctr">
+            <a:noAutofit/>
+          </a:bodyPr>
+          <a:lstStyle>
+            <a:lvl1pPr indent="0" algn="r">
+              <a:lnSpc>
+                <a:spcPct val="100000"/>
+              </a:lnSpc>
+              <a:buNone/>
+              <a:defRPr lang="fi-FI" sz="900" b="0" strike="noStrike" spc="-1">
+                <a:solidFill>
+                  <a:srgbClr val="8B8B8B"/>
+                </a:solidFill>
+                <a:latin typeface="Arial"/>
+                <a:ea typeface="ＭＳ Ｐゴシック"/>
+              </a:defRPr>
+            </a:lvl1pPr>
+          </a:lstStyle>
+          <a:p>
+            <a:pPr indent="0" algn="r">
+              <a:lnSpc>
+                <a:spcPct val="100000"/>
+              </a:lnSpc>
+              <a:buNone/>
+            </a:pPr>
+            <a:fld id="{76D9D6F8-90AB-433B-A6F7-A114AF302573}" type="datetime1">
+              <a:rPr lang="fi-FI" sz="900" b="0" strike="noStrike" spc="-1">
+                <a:solidFill>
+                  <a:srgbClr val="8B8B8B"/>
+                </a:solidFill>
+                <a:latin typeface="Arial"/>
+                <a:ea typeface="ＭＳ Ｐゴシック"/>
+              </a:rPr>
+              <a:t>6.12.2022</a:t>
+            </a:fld>
+            <a:endParaRPr lang="en-GB" sz="900" b="0" strike="noStrike" spc="-1">
+              <a:solidFill>
+                <a:srgbClr val="000000"/>
+              </a:solidFill>
+              <a:latin typeface="Times New Roman"/>
+            </a:endParaRPr>
+          </a:p>
+        </p:txBody>
+      </p:sp>
+      <p:sp>
+        <p:nvSpPr>
+          <p:cNvPr id="141" name="PlaceHolder 4"/>
+          <p:cNvSpPr>
+            <a:spLocks noGrp="1"/>
+          </p:cNvSpPr>
+          <p:nvPr>
+            <p:ph type="sldNum" idx="25"/>
+          </p:nvPr>
+        </p:nvSpPr>
+        <p:spPr>
+          <a:xfrm>
+            <a:off x="6418800" y="6297480"/>
+            <a:ext cx="4702320" cy="161640"/>
+          </a:xfrm>
+          <a:prstGeom prst="rect">
+            <a:avLst/>
+          </a:prstGeom>
+          <a:noFill/>
+          <a:ln w="0">
+            <a:noFill/>
+          </a:ln>
+        </p:spPr>
+        <p:txBody>
+          <a:bodyPr rIns="0" anchor="ctr">
+            <a:noAutofit/>
+          </a:bodyPr>
+          <a:lstStyle>
+            <a:lvl1pPr indent="0" algn="r">
+              <a:lnSpc>
+                <a:spcPct val="100000"/>
+              </a:lnSpc>
+              <a:buNone/>
+              <a:defRPr lang="fi-FI" sz="900" b="0" strike="noStrike" spc="-1">
+                <a:solidFill>
+                  <a:srgbClr val="8B8B8B"/>
+                </a:solidFill>
+                <a:latin typeface="Arial"/>
+                <a:ea typeface="ＭＳ Ｐゴシック"/>
+              </a:defRPr>
+            </a:lvl1pPr>
+          </a:lstStyle>
+          <a:p>
+            <a:pPr indent="0" algn="r">
+              <a:lnSpc>
+                <a:spcPct val="100000"/>
+              </a:lnSpc>
+              <a:buNone/>
+            </a:pPr>
+            <a:fld id="{76B7A404-D330-40B3-92D3-484EE3208746}" type="slidenum">
+              <a:rPr lang="fi-FI" sz="900" b="0" strike="noStrike" spc="-1">
+                <a:solidFill>
+                  <a:srgbClr val="8B8B8B"/>
+                </a:solidFill>
+                <a:latin typeface="Arial"/>
+                <a:ea typeface="ＭＳ Ｐゴシック"/>
+              </a:rPr>
+              <a:t>11</a:t>
+            </a:fld>
+            <a:endParaRPr lang="en-GB" sz="900" b="0" strike="noStrike" spc="-1">
+              <a:solidFill>
+                <a:srgbClr val="000000"/>
+              </a:solidFill>
+              <a:latin typeface="Times New Roman"/>
+            </a:endParaRPr>
+          </a:p>
+        </p:txBody>
+      </p:sp>
+      <p:pic>
+        <p:nvPicPr>
+          <p:cNvPr id="25" name="Picture 24">
+            <a:extLst>
+              <a:ext uri="{FF2B5EF4-FFF2-40B4-BE49-F238E27FC236}">
+                <a16:creationId xmlns:a16="http://schemas.microsoft.com/office/drawing/2014/main" id="{C090B33A-E96D-F1E1-A25D-91E4B6C26BEB}"/>
+              </a:ext>
+            </a:extLst>
+          </p:cNvPr>
+          <p:cNvPicPr>
+            <a:picLocks noChangeAspect="1"/>
+          </p:cNvPicPr>
+          <p:nvPr/>
+        </p:nvPicPr>
+        <p:blipFill>
+          <a:blip r:embed="rId2"/>
+          <a:stretch>
+            <a:fillRect/>
+          </a:stretch>
+        </p:blipFill>
+        <p:spPr>
+          <a:xfrm>
+            <a:off x="609280" y="1312067"/>
+            <a:ext cx="10597520" cy="1055942"/>
+          </a:xfrm>
+          <a:prstGeom prst="rect">
+            <a:avLst/>
+          </a:prstGeom>
+        </p:spPr>
+      </p:pic>
+      <p:pic>
+        <p:nvPicPr>
+          <p:cNvPr id="27" name="Picture 26">
+            <a:extLst>
+              <a:ext uri="{FF2B5EF4-FFF2-40B4-BE49-F238E27FC236}">
+                <a16:creationId xmlns:a16="http://schemas.microsoft.com/office/drawing/2014/main" id="{907A9073-5D48-1D3F-0F3C-7B30340B4C9D}"/>
+              </a:ext>
+            </a:extLst>
+          </p:cNvPr>
+          <p:cNvPicPr>
+            <a:picLocks noChangeAspect="1"/>
+          </p:cNvPicPr>
+          <p:nvPr/>
+        </p:nvPicPr>
+        <p:blipFill>
+          <a:blip r:embed="rId3"/>
+          <a:stretch>
+            <a:fillRect/>
+          </a:stretch>
+        </p:blipFill>
+        <p:spPr>
+          <a:xfrm>
+            <a:off x="598394" y="2368009"/>
+            <a:ext cx="10608406" cy="1066828"/>
+          </a:xfrm>
+          <a:prstGeom prst="rect">
+            <a:avLst/>
+          </a:prstGeom>
+        </p:spPr>
+      </p:pic>
+      <p:pic>
+        <p:nvPicPr>
+          <p:cNvPr id="29" name="Picture 28">
+            <a:extLst>
+              <a:ext uri="{FF2B5EF4-FFF2-40B4-BE49-F238E27FC236}">
+                <a16:creationId xmlns:a16="http://schemas.microsoft.com/office/drawing/2014/main" id="{76EC035E-552C-F35F-649C-C7B612527FA9}"/>
+              </a:ext>
+            </a:extLst>
+          </p:cNvPr>
+          <p:cNvPicPr>
+            <a:picLocks noChangeAspect="1"/>
+          </p:cNvPicPr>
+          <p:nvPr/>
+        </p:nvPicPr>
+        <p:blipFill>
+          <a:blip r:embed="rId4"/>
+          <a:stretch>
+            <a:fillRect/>
+          </a:stretch>
+        </p:blipFill>
+        <p:spPr>
+          <a:xfrm>
+            <a:off x="598394" y="3431446"/>
+            <a:ext cx="10608406" cy="1796190"/>
+          </a:xfrm>
+          <a:prstGeom prst="rect">
+            <a:avLst/>
+          </a:prstGeom>
+        </p:spPr>
+      </p:pic>
+    </p:spTree>
+    <p:extLst>
+      <p:ext uri="{BB962C8B-B14F-4D97-AF65-F5344CB8AC3E}">
+        <p14:creationId xmlns:p14="http://schemas.microsoft.com/office/powerpoint/2010/main" val="2337717733"/>
+      </p:ext>
+    </p:extLst>
+  </p:cSld>
+  <p:clrMapOvr>
+    <a:masterClrMapping/>
+  </p:clrMapOvr>
+</p:sld>
+</file>
+
+<file path=ppt/slides/slide12.xml><?xml version="1.0" encoding="utf-8"?>
+<p:sld xmlns:a="http://schemas.openxmlformats.org/drawingml/2006/main" xmlns:r="http://schemas.openxmlformats.org/officeDocument/2006/relationships" xmlns:p="http://schemas.openxmlformats.org/presentationml/2006/main">
+  <p:cSld>
+    <p:spTree>
+      <p:nvGrpSpPr>
+        <p:cNvPr id="1" name=""/>
+        <p:cNvGrpSpPr/>
+        <p:nvPr/>
+      </p:nvGrpSpPr>
+      <p:grpSpPr>
+        <a:xfrm>
+          <a:off x="0" y="0"/>
+          <a:ext cx="0" cy="0"/>
+          <a:chOff x="0" y="0"/>
+          <a:chExt cx="0" cy="0"/>
+        </a:xfrm>
+      </p:grpSpPr>
+      <p:sp>
+        <p:nvSpPr>
+          <p:cNvPr id="138" name="PlaceHolder 1"/>
+          <p:cNvSpPr>
+            <a:spLocks noGrp="1"/>
+          </p:cNvSpPr>
+          <p:nvPr>
+            <p:ph type="title"/>
+          </p:nvPr>
+        </p:nvSpPr>
+        <p:spPr>
+          <a:xfrm>
+            <a:off x="701640" y="380880"/>
+            <a:ext cx="10505160" cy="698412"/>
+          </a:xfrm>
+          <a:prstGeom prst="rect">
+            <a:avLst/>
+          </a:prstGeom>
+          <a:noFill/>
+          <a:ln w="0">
+            <a:noFill/>
+          </a:ln>
+        </p:spPr>
+        <p:txBody>
+          <a:bodyPr lIns="0" tIns="0" rIns="0" bIns="0" anchor="t">
+            <a:noAutofit/>
+          </a:bodyPr>
+          <a:lstStyle/>
+          <a:p>
+            <a:pPr indent="0">
+              <a:lnSpc>
+                <a:spcPct val="85000"/>
+              </a:lnSpc>
+              <a:buNone/>
+            </a:pPr>
+            <a:r>
+              <a:rPr lang="en-US" sz="3600" b="1" strike="noStrike" spc="-100" dirty="0">
+                <a:solidFill>
+                  <a:srgbClr val="0065BD"/>
+                </a:solidFill>
+                <a:latin typeface="Arial"/>
+                <a:ea typeface="ＭＳ Ｐゴシック"/>
+              </a:rPr>
+              <a:t>Demo</a:t>
+            </a:r>
+            <a:endParaRPr lang="en-US" sz="3600" b="0" strike="noStrike" spc="-1" dirty="0">
+              <a:solidFill>
+                <a:srgbClr val="000000"/>
+              </a:solidFill>
+              <a:latin typeface="Arial"/>
+            </a:endParaRPr>
+          </a:p>
+        </p:txBody>
+      </p:sp>
+      <p:sp>
+        <p:nvSpPr>
+          <p:cNvPr id="140" name="PlaceHolder 3"/>
+          <p:cNvSpPr>
+            <a:spLocks noGrp="1"/>
+          </p:cNvSpPr>
+          <p:nvPr>
+            <p:ph type="dt" idx="24"/>
+          </p:nvPr>
+        </p:nvSpPr>
+        <p:spPr>
+          <a:xfrm>
+            <a:off x="6418800" y="6111720"/>
+            <a:ext cx="4702320" cy="185400"/>
+          </a:xfrm>
+          <a:prstGeom prst="rect">
+            <a:avLst/>
+          </a:prstGeom>
+          <a:noFill/>
+          <a:ln w="0">
+            <a:noFill/>
+          </a:ln>
+        </p:spPr>
+        <p:txBody>
+          <a:bodyPr rIns="0" anchor="ctr">
+            <a:noAutofit/>
+          </a:bodyPr>
+          <a:lstStyle>
+            <a:lvl1pPr indent="0" algn="r">
+              <a:lnSpc>
+                <a:spcPct val="100000"/>
+              </a:lnSpc>
+              <a:buNone/>
+              <a:defRPr lang="fi-FI" sz="900" b="0" strike="noStrike" spc="-1">
+                <a:solidFill>
+                  <a:srgbClr val="8B8B8B"/>
+                </a:solidFill>
+                <a:latin typeface="Arial"/>
+                <a:ea typeface="ＭＳ Ｐゴシック"/>
+              </a:defRPr>
+            </a:lvl1pPr>
+          </a:lstStyle>
+          <a:p>
+            <a:pPr indent="0" algn="r">
+              <a:lnSpc>
+                <a:spcPct val="100000"/>
+              </a:lnSpc>
+              <a:buNone/>
+            </a:pPr>
+            <a:fld id="{76D9D6F8-90AB-433B-A6F7-A114AF302573}" type="datetime1">
+              <a:rPr lang="fi-FI" sz="900" b="0" strike="noStrike" spc="-1">
+                <a:solidFill>
+                  <a:srgbClr val="8B8B8B"/>
+                </a:solidFill>
+                <a:latin typeface="Arial"/>
+                <a:ea typeface="ＭＳ Ｐゴシック"/>
+              </a:rPr>
+              <a:t>6.12.2022</a:t>
+            </a:fld>
+            <a:endParaRPr lang="en-GB" sz="900" b="0" strike="noStrike" spc="-1">
+              <a:solidFill>
+                <a:srgbClr val="000000"/>
+              </a:solidFill>
+              <a:latin typeface="Times New Roman"/>
+            </a:endParaRPr>
+          </a:p>
+        </p:txBody>
+      </p:sp>
+      <p:sp>
+        <p:nvSpPr>
+          <p:cNvPr id="141" name="PlaceHolder 4"/>
+          <p:cNvSpPr>
+            <a:spLocks noGrp="1"/>
+          </p:cNvSpPr>
+          <p:nvPr>
+            <p:ph type="sldNum" idx="25"/>
+          </p:nvPr>
+        </p:nvSpPr>
+        <p:spPr>
+          <a:xfrm>
+            <a:off x="6418800" y="6297480"/>
+            <a:ext cx="4702320" cy="161640"/>
+          </a:xfrm>
+          <a:prstGeom prst="rect">
+            <a:avLst/>
+          </a:prstGeom>
+          <a:noFill/>
+          <a:ln w="0">
+            <a:noFill/>
+          </a:ln>
+        </p:spPr>
+        <p:txBody>
+          <a:bodyPr rIns="0" anchor="ctr">
+            <a:noAutofit/>
+          </a:bodyPr>
+          <a:lstStyle>
+            <a:lvl1pPr indent="0" algn="r">
+              <a:lnSpc>
+                <a:spcPct val="100000"/>
+              </a:lnSpc>
+              <a:buNone/>
+              <a:defRPr lang="fi-FI" sz="900" b="0" strike="noStrike" spc="-1">
+                <a:solidFill>
+                  <a:srgbClr val="8B8B8B"/>
+                </a:solidFill>
+                <a:latin typeface="Arial"/>
+                <a:ea typeface="ＭＳ Ｐゴシック"/>
+              </a:defRPr>
+            </a:lvl1pPr>
+          </a:lstStyle>
+          <a:p>
+            <a:pPr indent="0" algn="r">
+              <a:lnSpc>
+                <a:spcPct val="100000"/>
+              </a:lnSpc>
+              <a:buNone/>
+            </a:pPr>
+            <a:fld id="{76B7A404-D330-40B3-92D3-484EE3208746}" type="slidenum">
+              <a:rPr lang="fi-FI" sz="900" b="0" strike="noStrike" spc="-1">
+                <a:solidFill>
+                  <a:srgbClr val="8B8B8B"/>
+                </a:solidFill>
+                <a:latin typeface="Arial"/>
+                <a:ea typeface="ＭＳ Ｐゴシック"/>
+              </a:rPr>
+              <a:t>12</a:t>
+            </a:fld>
+            <a:endParaRPr lang="en-GB" sz="900" b="0" strike="noStrike" spc="-1">
+              <a:solidFill>
+                <a:srgbClr val="000000"/>
+              </a:solidFill>
+              <a:latin typeface="Times New Roman"/>
+            </a:endParaRPr>
+          </a:p>
+        </p:txBody>
+      </p:sp>
+      <p:pic>
+        <p:nvPicPr>
+          <p:cNvPr id="3" name="Picture 2">
+            <a:extLst>
+              <a:ext uri="{FF2B5EF4-FFF2-40B4-BE49-F238E27FC236}">
+                <a16:creationId xmlns:a16="http://schemas.microsoft.com/office/drawing/2014/main" id="{72E72DC2-94D1-70E1-C900-B3DE9E04D25F}"/>
+              </a:ext>
+            </a:extLst>
+          </p:cNvPr>
+          <p:cNvPicPr>
+            <a:picLocks noChangeAspect="1"/>
+          </p:cNvPicPr>
+          <p:nvPr/>
+        </p:nvPicPr>
+        <p:blipFill>
+          <a:blip r:embed="rId2"/>
+          <a:stretch>
+            <a:fillRect/>
+          </a:stretch>
+        </p:blipFill>
+        <p:spPr>
+          <a:xfrm>
+            <a:off x="4314" y="1341360"/>
+            <a:ext cx="5943606" cy="3831120"/>
+          </a:xfrm>
+          <a:prstGeom prst="rect">
+            <a:avLst/>
+          </a:prstGeom>
+        </p:spPr>
+      </p:pic>
+      <p:pic>
+        <p:nvPicPr>
+          <p:cNvPr id="13" name="Picture 12">
+            <a:extLst>
+              <a:ext uri="{FF2B5EF4-FFF2-40B4-BE49-F238E27FC236}">
+                <a16:creationId xmlns:a16="http://schemas.microsoft.com/office/drawing/2014/main" id="{AB9F1F52-B8AA-7FC5-AC4D-7B1A807C42C7}"/>
+              </a:ext>
+            </a:extLst>
+          </p:cNvPr>
+          <p:cNvPicPr>
+            <a:picLocks noChangeAspect="1"/>
+          </p:cNvPicPr>
+          <p:nvPr/>
+        </p:nvPicPr>
+        <p:blipFill>
+          <a:blip r:embed="rId3"/>
+          <a:stretch>
+            <a:fillRect/>
+          </a:stretch>
+        </p:blipFill>
+        <p:spPr>
+          <a:xfrm>
+            <a:off x="5937244" y="4253037"/>
+            <a:ext cx="5931626" cy="919443"/>
+          </a:xfrm>
+          <a:prstGeom prst="rect">
+            <a:avLst/>
+          </a:prstGeom>
+        </p:spPr>
+      </p:pic>
+      <p:pic>
+        <p:nvPicPr>
+          <p:cNvPr id="15" name="Picture 14">
+            <a:extLst>
+              <a:ext uri="{FF2B5EF4-FFF2-40B4-BE49-F238E27FC236}">
+                <a16:creationId xmlns:a16="http://schemas.microsoft.com/office/drawing/2014/main" id="{00E6D9AF-B26D-6B13-49E8-D85D202A8BFA}"/>
+              </a:ext>
+            </a:extLst>
+          </p:cNvPr>
+          <p:cNvPicPr>
+            <a:picLocks noChangeAspect="1"/>
+          </p:cNvPicPr>
+          <p:nvPr/>
+        </p:nvPicPr>
+        <p:blipFill>
+          <a:blip r:embed="rId4"/>
+          <a:stretch>
+            <a:fillRect/>
+          </a:stretch>
+        </p:blipFill>
+        <p:spPr>
+          <a:xfrm>
+            <a:off x="5925264" y="3282808"/>
+            <a:ext cx="5943606" cy="970049"/>
+          </a:xfrm>
+          <a:prstGeom prst="rect">
+            <a:avLst/>
+          </a:prstGeom>
+        </p:spPr>
+      </p:pic>
+      <p:pic>
+        <p:nvPicPr>
+          <p:cNvPr id="17" name="Picture 16">
+            <a:extLst>
+              <a:ext uri="{FF2B5EF4-FFF2-40B4-BE49-F238E27FC236}">
+                <a16:creationId xmlns:a16="http://schemas.microsoft.com/office/drawing/2014/main" id="{43159C67-6A9A-9AA4-A546-1853950D6660}"/>
+              </a:ext>
+            </a:extLst>
+          </p:cNvPr>
+          <p:cNvPicPr>
+            <a:picLocks noChangeAspect="1"/>
+          </p:cNvPicPr>
+          <p:nvPr/>
+        </p:nvPicPr>
+        <p:blipFill>
+          <a:blip r:embed="rId5"/>
+          <a:stretch>
+            <a:fillRect/>
+          </a:stretch>
+        </p:blipFill>
+        <p:spPr>
+          <a:xfrm>
+            <a:off x="5932759" y="2308137"/>
+            <a:ext cx="5940425" cy="974312"/>
+          </a:xfrm>
+          <a:prstGeom prst="rect">
+            <a:avLst/>
+          </a:prstGeom>
+        </p:spPr>
+      </p:pic>
+      <p:pic>
+        <p:nvPicPr>
+          <p:cNvPr id="19" name="Picture 18">
+            <a:extLst>
+              <a:ext uri="{FF2B5EF4-FFF2-40B4-BE49-F238E27FC236}">
+                <a16:creationId xmlns:a16="http://schemas.microsoft.com/office/drawing/2014/main" id="{5FE4D3F5-B5C1-6A40-BD65-8A03A16D8DB8}"/>
+              </a:ext>
+            </a:extLst>
+          </p:cNvPr>
+          <p:cNvPicPr>
+            <a:picLocks noChangeAspect="1"/>
+          </p:cNvPicPr>
+          <p:nvPr/>
+        </p:nvPicPr>
+        <p:blipFill>
+          <a:blip r:embed="rId6"/>
+          <a:stretch>
+            <a:fillRect/>
+          </a:stretch>
+        </p:blipFill>
+        <p:spPr>
+          <a:xfrm>
+            <a:off x="5944739" y="1344929"/>
+            <a:ext cx="5928445" cy="1000323"/>
+          </a:xfrm>
+          <a:prstGeom prst="rect">
+            <a:avLst/>
+          </a:prstGeom>
+        </p:spPr>
+      </p:pic>
+    </p:spTree>
+    <p:extLst>
+      <p:ext uri="{BB962C8B-B14F-4D97-AF65-F5344CB8AC3E}">
+        <p14:creationId xmlns:p14="http://schemas.microsoft.com/office/powerpoint/2010/main" val="2429428371"/>
+      </p:ext>
+    </p:extLst>
+  </p:cSld>
+  <p:clrMapOvr>
+    <a:masterClrMapping/>
+  </p:clrMapOvr>
+</p:sld>
+</file>
+
+<file path=ppt/slides/slide13.xml><?xml version="1.0" encoding="utf-8"?>
+<p:sld xmlns:a="http://schemas.openxmlformats.org/drawingml/2006/main" xmlns:r="http://schemas.openxmlformats.org/officeDocument/2006/relationships" xmlns:p="http://schemas.openxmlformats.org/presentationml/2006/main">
+  <p:cSld>
+    <p:spTree>
+      <p:nvGrpSpPr>
+        <p:cNvPr id="1" name=""/>
+        <p:cNvGrpSpPr/>
+        <p:nvPr/>
+      </p:nvGrpSpPr>
+      <p:grpSpPr>
+        <a:xfrm>
+          <a:off x="0" y="0"/>
+          <a:ext cx="0" cy="0"/>
+          <a:chOff x="0" y="0"/>
+          <a:chExt cx="0" cy="0"/>
+        </a:xfrm>
+      </p:grpSpPr>
+      <p:sp>
+        <p:nvSpPr>
+          <p:cNvPr id="144" name="PlaceHolder 1"/>
+          <p:cNvSpPr>
+            <a:spLocks noGrp="1"/>
+          </p:cNvSpPr>
+          <p:nvPr>
+            <p:ph type="title"/>
+          </p:nvPr>
+        </p:nvSpPr>
+        <p:spPr>
+          <a:xfrm>
+            <a:off x="759240" y="1912320"/>
+            <a:ext cx="10362240" cy="2635560"/>
+          </a:xfrm>
+          <a:prstGeom prst="rect">
+            <a:avLst/>
+          </a:prstGeom>
+          <a:noFill/>
+          <a:ln w="0">
+            <a:noFill/>
+          </a:ln>
+        </p:spPr>
+        <p:txBody>
+          <a:bodyPr lIns="0" tIns="0" rIns="0" bIns="0" anchor="t">
+            <a:noAutofit/>
+          </a:bodyPr>
+          <a:lstStyle/>
+          <a:p>
+            <a:pPr indent="0" algn="ctr">
+              <a:lnSpc>
+                <a:spcPct val="80000"/>
+              </a:lnSpc>
+              <a:buNone/>
+            </a:pPr>
+            <a:br>
+              <a:rPr sz="7200"/>
+            </a:br>
+            <a:r>
+              <a:rPr lang="es-ES" sz="7200" b="1" strike="noStrike" spc="-202">
+                <a:solidFill>
+                  <a:srgbClr val="FFFFFF"/>
+                </a:solidFill>
+                <a:latin typeface="Arial Black"/>
+                <a:ea typeface="ＭＳ Ｐゴシック"/>
+              </a:rPr>
+              <a:t>Questions?</a:t>
+            </a:r>
+            <a:br>
+              <a:rPr sz="7200"/>
+            </a:br>
+            <a:endParaRPr lang="en-US" sz="7200" b="0" strike="noStrike" spc="-1">
+              <a:solidFill>
+                <a:srgbClr val="000000"/>
+              </a:solidFill>
+              <a:latin typeface="Arial"/>
+            </a:endParaRPr>
+          </a:p>
+        </p:txBody>
+      </p:sp>
+      <p:sp>
+        <p:nvSpPr>
+          <p:cNvPr id="145" name="PlaceHolder 2"/>
+          <p:cNvSpPr>
+            <a:spLocks noGrp="1"/>
+          </p:cNvSpPr>
+          <p:nvPr>
+            <p:ph type="subTitle"/>
+          </p:nvPr>
+        </p:nvSpPr>
+        <p:spPr>
+          <a:xfrm>
+            <a:off x="759240" y="5454360"/>
+            <a:ext cx="6989040" cy="791640"/>
+          </a:xfrm>
+          <a:prstGeom prst="rect">
+            <a:avLst/>
+          </a:prstGeom>
+          <a:noFill/>
+          <a:ln w="0">
+            <a:noFill/>
+          </a:ln>
+        </p:spPr>
+        <p:txBody>
+          <a:bodyPr lIns="0" tIns="0" rIns="0" bIns="0" anchor="t">
+            <a:noAutofit/>
+          </a:bodyPr>
+          <a:lstStyle/>
+          <a:p>
+            <a:pPr indent="0" algn="ctr">
+              <a:buNone/>
+            </a:pPr>
+            <a:endParaRPr lang="en-GB" sz="1600" b="0" strike="noStrike" spc="-1">
+              <a:solidFill>
+                <a:srgbClr val="000000"/>
+              </a:solidFill>
+              <a:latin typeface="Arial"/>
+            </a:endParaRPr>
+          </a:p>
+        </p:txBody>
+      </p:sp>
+    </p:spTree>
+  </p:cSld>
+  <p:clrMapOvr>
+    <a:masterClrMapping/>
+  </p:clrMapOvr>
+</p:sld>
+</file>
+
+<file path=ppt/slides/slide2.xml><?xml version="1.0" encoding="utf-8"?>
+<p:sld xmlns:a="http://schemas.openxmlformats.org/drawingml/2006/main" xmlns:r="http://schemas.openxmlformats.org/officeDocument/2006/relationships" xmlns:p="http://schemas.openxmlformats.org/presentationml/2006/main">
+  <p:cSld>
+    <p:spTree>
+      <p:nvGrpSpPr>
+        <p:cNvPr id="1" name=""/>
+        <p:cNvGrpSpPr/>
+        <p:nvPr/>
+      </p:nvGrpSpPr>
+      <p:grpSpPr>
+        <a:xfrm>
+          <a:off x="0" y="0"/>
+          <a:ext cx="0" cy="0"/>
+          <a:chOff x="0" y="0"/>
+          <a:chExt cx="0" cy="0"/>
+        </a:xfrm>
+      </p:grpSpPr>
+      <p:sp>
+        <p:nvSpPr>
+          <p:cNvPr id="138" name="PlaceHolder 1"/>
+          <p:cNvSpPr>
+            <a:spLocks noGrp="1"/>
+          </p:cNvSpPr>
+          <p:nvPr>
+            <p:ph type="title"/>
+          </p:nvPr>
+        </p:nvSpPr>
+        <p:spPr>
+          <a:xfrm>
+            <a:off x="701640" y="380880"/>
+            <a:ext cx="10505160" cy="698412"/>
+          </a:xfrm>
+          <a:prstGeom prst="rect">
+            <a:avLst/>
+          </a:prstGeom>
+          <a:noFill/>
+          <a:ln w="0">
+            <a:noFill/>
+          </a:ln>
+        </p:spPr>
+        <p:txBody>
+          <a:bodyPr lIns="0" tIns="0" rIns="0" bIns="0" anchor="t">
+            <a:noAutofit/>
+          </a:bodyPr>
+          <a:lstStyle/>
+          <a:p>
+            <a:pPr indent="0">
+              <a:lnSpc>
+                <a:spcPct val="85000"/>
+              </a:lnSpc>
+              <a:buNone/>
+            </a:pPr>
+            <a:r>
+              <a:rPr lang="en-US" altLang="zh-CN" sz="3600" b="1" strike="noStrike" spc="-100" dirty="0">
+                <a:solidFill>
+                  <a:srgbClr val="0065BD"/>
+                </a:solidFill>
+                <a:latin typeface="Arial"/>
+                <a:ea typeface="ＭＳ Ｐゴシック"/>
+              </a:rPr>
+              <a:t>Topology</a:t>
+            </a:r>
+            <a:endParaRPr lang="en-US" sz="3600" b="0" strike="noStrike" spc="-1" dirty="0">
+              <a:solidFill>
+                <a:srgbClr val="000000"/>
+              </a:solidFill>
+              <a:latin typeface="Arial"/>
+            </a:endParaRPr>
+          </a:p>
+        </p:txBody>
+      </p:sp>
+      <p:sp>
+        <p:nvSpPr>
+          <p:cNvPr id="140" name="PlaceHolder 3"/>
+          <p:cNvSpPr>
+            <a:spLocks noGrp="1"/>
+          </p:cNvSpPr>
+          <p:nvPr>
+            <p:ph type="dt" idx="24"/>
+          </p:nvPr>
+        </p:nvSpPr>
+        <p:spPr>
+          <a:xfrm>
+            <a:off x="6418800" y="6111720"/>
+            <a:ext cx="4702320" cy="185400"/>
+          </a:xfrm>
+          <a:prstGeom prst="rect">
+            <a:avLst/>
+          </a:prstGeom>
+          <a:noFill/>
+          <a:ln w="0">
+            <a:noFill/>
+          </a:ln>
+        </p:spPr>
+        <p:txBody>
+          <a:bodyPr rIns="0" anchor="ctr">
+            <a:noAutofit/>
+          </a:bodyPr>
+          <a:lstStyle>
+            <a:lvl1pPr indent="0" algn="r">
+              <a:lnSpc>
+                <a:spcPct val="100000"/>
+              </a:lnSpc>
+              <a:buNone/>
+              <a:defRPr lang="fi-FI" sz="900" b="0" strike="noStrike" spc="-1">
+                <a:solidFill>
+                  <a:srgbClr val="8B8B8B"/>
+                </a:solidFill>
+                <a:latin typeface="Arial"/>
+                <a:ea typeface="ＭＳ Ｐゴシック"/>
+              </a:defRPr>
+            </a:lvl1pPr>
+          </a:lstStyle>
+          <a:p>
+            <a:pPr indent="0" algn="r">
+              <a:lnSpc>
+                <a:spcPct val="100000"/>
+              </a:lnSpc>
+              <a:buNone/>
+            </a:pPr>
+            <a:fld id="{76D9D6F8-90AB-433B-A6F7-A114AF302573}" type="datetime1">
+              <a:rPr lang="fi-FI" sz="900" b="0" strike="noStrike" spc="-1">
+                <a:solidFill>
+                  <a:srgbClr val="8B8B8B"/>
+                </a:solidFill>
+                <a:latin typeface="Arial"/>
+                <a:ea typeface="ＭＳ Ｐゴシック"/>
+              </a:rPr>
+              <a:t>6.12.2022</a:t>
+            </a:fld>
+            <a:endParaRPr lang="en-GB" sz="900" b="0" strike="noStrike" spc="-1">
+              <a:solidFill>
+                <a:srgbClr val="000000"/>
+              </a:solidFill>
+              <a:latin typeface="Times New Roman"/>
+            </a:endParaRPr>
+          </a:p>
+        </p:txBody>
+      </p:sp>
+      <p:sp>
+        <p:nvSpPr>
+          <p:cNvPr id="141" name="PlaceHolder 4"/>
+          <p:cNvSpPr>
+            <a:spLocks noGrp="1"/>
+          </p:cNvSpPr>
+          <p:nvPr>
+            <p:ph type="sldNum" idx="25"/>
+          </p:nvPr>
+        </p:nvSpPr>
+        <p:spPr>
+          <a:xfrm>
+            <a:off x="6418800" y="6297480"/>
+            <a:ext cx="4702320" cy="161640"/>
+          </a:xfrm>
+          <a:prstGeom prst="rect">
+            <a:avLst/>
+          </a:prstGeom>
+          <a:noFill/>
+          <a:ln w="0">
+            <a:noFill/>
+          </a:ln>
+        </p:spPr>
+        <p:txBody>
+          <a:bodyPr rIns="0" anchor="ctr">
+            <a:noAutofit/>
+          </a:bodyPr>
+          <a:lstStyle>
+            <a:lvl1pPr indent="0" algn="r">
+              <a:lnSpc>
+                <a:spcPct val="100000"/>
+              </a:lnSpc>
+              <a:buNone/>
+              <a:defRPr lang="fi-FI" sz="900" b="0" strike="noStrike" spc="-1">
+                <a:solidFill>
+                  <a:srgbClr val="8B8B8B"/>
+                </a:solidFill>
+                <a:latin typeface="Arial"/>
+                <a:ea typeface="ＭＳ Ｐゴシック"/>
+              </a:defRPr>
+            </a:lvl1pPr>
+          </a:lstStyle>
+          <a:p>
+            <a:pPr indent="0" algn="r">
+              <a:lnSpc>
+                <a:spcPct val="100000"/>
+              </a:lnSpc>
+              <a:buNone/>
+            </a:pPr>
+            <a:fld id="{76B7A404-D330-40B3-92D3-484EE3208746}" type="slidenum">
               <a:rPr lang="fi-FI" sz="900" b="0" strike="noStrike" spc="-1">
                 <a:solidFill>
                   <a:srgbClr val="8B8B8B"/>
@@ -6360,7 +7371,239 @@
           </a:p>
         </p:txBody>
       </p:sp>
+      <p:pic>
+        <p:nvPicPr>
+          <p:cNvPr id="2" name="Picture 1" descr="Diagram&#10;&#10;Description automatically generated">
+            <a:extLst>
+              <a:ext uri="{FF2B5EF4-FFF2-40B4-BE49-F238E27FC236}">
+                <a16:creationId xmlns:a16="http://schemas.microsoft.com/office/drawing/2014/main" id="{28C253D8-6F2A-9C76-FDD2-CE88B2A03881}"/>
+              </a:ext>
+            </a:extLst>
+          </p:cNvPr>
+          <p:cNvPicPr>
+            <a:picLocks noChangeAspect="1"/>
+          </p:cNvPicPr>
+          <p:nvPr/>
+        </p:nvPicPr>
+        <p:blipFill>
+          <a:blip r:embed="rId2">
+            <a:extLst>
+              <a:ext uri="{28A0092B-C50C-407E-A947-70E740481C1C}">
+                <a14:useLocalDpi xmlns:a14="http://schemas.microsoft.com/office/drawing/2010/main" val="0"/>
+              </a:ext>
+            </a:extLst>
+          </a:blip>
+          <a:srcRect/>
+          <a:stretch>
+            <a:fillRect/>
+          </a:stretch>
+        </p:blipFill>
+        <p:spPr bwMode="auto">
+          <a:xfrm>
+            <a:off x="5872970" y="1690401"/>
+            <a:ext cx="5940425" cy="3352023"/>
+          </a:xfrm>
+          <a:prstGeom prst="rect">
+            <a:avLst/>
+          </a:prstGeom>
+          <a:noFill/>
+          <a:ln>
+            <a:noFill/>
+          </a:ln>
+        </p:spPr>
+      </p:pic>
+      <p:pic>
+        <p:nvPicPr>
+          <p:cNvPr id="8" name="Picture 7" descr="Diagram&#10;&#10;Description automatically generated">
+            <a:extLst>
+              <a:ext uri="{FF2B5EF4-FFF2-40B4-BE49-F238E27FC236}">
+                <a16:creationId xmlns:a16="http://schemas.microsoft.com/office/drawing/2014/main" id="{D584B055-54EB-C588-8A6A-97858576FCA5}"/>
+              </a:ext>
+            </a:extLst>
+          </p:cNvPr>
+          <p:cNvPicPr>
+            <a:picLocks noChangeAspect="1"/>
+          </p:cNvPicPr>
+          <p:nvPr/>
+        </p:nvPicPr>
+        <p:blipFill>
+          <a:blip r:embed="rId3" cstate="print">
+            <a:extLst>
+              <a:ext uri="{28A0092B-C50C-407E-A947-70E740481C1C}">
+                <a14:useLocalDpi xmlns:a14="http://schemas.microsoft.com/office/drawing/2010/main" val="0"/>
+              </a:ext>
+            </a:extLst>
+          </a:blip>
+          <a:stretch>
+            <a:fillRect/>
+          </a:stretch>
+        </p:blipFill>
+        <p:spPr>
+          <a:xfrm>
+            <a:off x="112426" y="1690402"/>
+            <a:ext cx="5699658" cy="3352023"/>
+          </a:xfrm>
+          <a:prstGeom prst="rect">
+            <a:avLst/>
+          </a:prstGeom>
+        </p:spPr>
+      </p:pic>
+      <p:sp>
+        <p:nvSpPr>
+          <p:cNvPr id="9" name="PlaceHolder 1">
+            <a:extLst>
+              <a:ext uri="{FF2B5EF4-FFF2-40B4-BE49-F238E27FC236}">
+                <a16:creationId xmlns:a16="http://schemas.microsoft.com/office/drawing/2014/main" id="{5D5B1F84-B937-231C-A971-CB44C9276AAF}"/>
+              </a:ext>
+            </a:extLst>
+          </p:cNvPr>
+          <p:cNvSpPr txBox="1">
+            <a:spLocks/>
+          </p:cNvSpPr>
+          <p:nvPr/>
+        </p:nvSpPr>
+        <p:spPr>
+          <a:xfrm>
+            <a:off x="8206715" y="1194656"/>
+            <a:ext cx="2009081" cy="512164"/>
+          </a:xfrm>
+          <a:prstGeom prst="rect">
+            <a:avLst/>
+          </a:prstGeom>
+          <a:noFill/>
+          <a:ln w="0">
+            <a:noFill/>
+          </a:ln>
+        </p:spPr>
+        <p:txBody>
+          <a:bodyPr lIns="0" tIns="0" rIns="0" bIns="0" anchor="t">
+            <a:noAutofit/>
+          </a:bodyPr>
+          <a:lstStyle>
+            <a:lvl1pPr algn="l" defTabSz="914400" rtl="0" eaLnBrk="1" latinLnBrk="0" hangingPunct="1">
+              <a:lnSpc>
+                <a:spcPct val="90000"/>
+              </a:lnSpc>
+              <a:spcBef>
+                <a:spcPct val="0"/>
+              </a:spcBef>
+              <a:buNone/>
+              <a:defRPr sz="4400" kern="1200">
+                <a:solidFill>
+                  <a:schemeClr val="tx1"/>
+                </a:solidFill>
+                <a:latin typeface="+mj-lt"/>
+                <a:ea typeface="+mj-ea"/>
+                <a:cs typeface="+mj-cs"/>
+              </a:defRPr>
+            </a:lvl1pPr>
+          </a:lstStyle>
+          <a:p>
+            <a:pPr>
+              <a:lnSpc>
+                <a:spcPct val="85000"/>
+              </a:lnSpc>
+            </a:pPr>
+            <a:r>
+              <a:rPr lang="en-US" altLang="zh-CN" sz="3600" b="1" spc="-100" dirty="0">
+                <a:solidFill>
+                  <a:schemeClr val="bg2"/>
+                </a:solidFill>
+                <a:latin typeface="Arial"/>
+                <a:ea typeface="ＭＳ Ｐゴシック"/>
+              </a:rPr>
+              <a:t>After</a:t>
+            </a:r>
+            <a:endParaRPr lang="en-US" sz="3600" spc="-1" dirty="0">
+              <a:solidFill>
+                <a:schemeClr val="bg2"/>
+              </a:solidFill>
+              <a:latin typeface="Arial"/>
+            </a:endParaRPr>
+          </a:p>
+        </p:txBody>
+      </p:sp>
+      <p:sp>
+        <p:nvSpPr>
+          <p:cNvPr id="10" name="PlaceHolder 1">
+            <a:extLst>
+              <a:ext uri="{FF2B5EF4-FFF2-40B4-BE49-F238E27FC236}">
+                <a16:creationId xmlns:a16="http://schemas.microsoft.com/office/drawing/2014/main" id="{B319D209-3974-F9AE-D15F-0CC2E35BEA8B}"/>
+              </a:ext>
+            </a:extLst>
+          </p:cNvPr>
+          <p:cNvSpPr txBox="1">
+            <a:spLocks/>
+          </p:cNvSpPr>
+          <p:nvPr/>
+        </p:nvSpPr>
+        <p:spPr>
+          <a:xfrm>
+            <a:off x="1869120" y="1178237"/>
+            <a:ext cx="2009081" cy="512164"/>
+          </a:xfrm>
+          <a:prstGeom prst="rect">
+            <a:avLst/>
+          </a:prstGeom>
+          <a:noFill/>
+          <a:ln w="0">
+            <a:noFill/>
+          </a:ln>
+        </p:spPr>
+        <p:txBody>
+          <a:bodyPr lIns="0" tIns="0" rIns="0" bIns="0" anchor="t">
+            <a:noAutofit/>
+          </a:bodyPr>
+          <a:lstStyle>
+            <a:lvl1pPr algn="l" defTabSz="914400" rtl="0" eaLnBrk="1" latinLnBrk="0" hangingPunct="1">
+              <a:lnSpc>
+                <a:spcPct val="90000"/>
+              </a:lnSpc>
+              <a:spcBef>
+                <a:spcPct val="0"/>
+              </a:spcBef>
+              <a:buNone/>
+              <a:defRPr sz="4400" kern="1200">
+                <a:solidFill>
+                  <a:schemeClr val="tx1"/>
+                </a:solidFill>
+                <a:latin typeface="+mj-lt"/>
+                <a:ea typeface="+mj-ea"/>
+                <a:cs typeface="+mj-cs"/>
+              </a:defRPr>
+            </a:lvl1pPr>
+          </a:lstStyle>
+          <a:p>
+            <a:pPr>
+              <a:lnSpc>
+                <a:spcPct val="85000"/>
+              </a:lnSpc>
+            </a:pPr>
+            <a:r>
+              <a:rPr lang="en-US" altLang="zh-CN" sz="3600" b="1" spc="-100" dirty="0">
+                <a:solidFill>
+                  <a:schemeClr val="bg2"/>
+                </a:solidFill>
+                <a:latin typeface="Arial"/>
+                <a:ea typeface="ＭＳ Ｐゴシック"/>
+              </a:rPr>
+              <a:t>Before</a:t>
+            </a:r>
+            <a:endParaRPr lang="en-US" sz="3600" spc="-1" dirty="0">
+              <a:solidFill>
+                <a:schemeClr val="bg2"/>
+              </a:solidFill>
+              <a:latin typeface="Arial"/>
+            </a:endParaRPr>
+          </a:p>
+        </p:txBody>
+      </p:sp>
     </p:spTree>
+    <p:extLst>
+      <p:ext uri="{BB962C8B-B14F-4D97-AF65-F5344CB8AC3E}">
+        <p14:creationId xmlns:p14="http://schemas.microsoft.com/office/powerpoint/2010/main" val="2845732479"/>
+      </p:ext>
+    </p:extLst>
   </p:cSld>
   <p:clrMapOvr>
     <a:masterClrMapping/>
@@ -6398,7 +7641,7 @@
         <p:spPr>
           <a:xfrm>
             <a:off x="701640" y="380880"/>
-            <a:ext cx="10505160" cy="1195560"/>
+            <a:ext cx="10505160" cy="698412"/>
           </a:xfrm>
           <a:prstGeom prst="rect">
             <a:avLst/>
@@ -6428,60 +7671,39 @@
                 <a:latin typeface="Arial"/>
                 <a:ea typeface="ＭＳ Ｐゴシック"/>
               </a:rPr>
-              <a:t>Highlight</a:t>
+              <a:t>iptables </a:t>
+            </a:r>
+            <a:r>
+              <a:rPr lang="zh-CN" altLang="en-US" sz="3600" b="1" strike="noStrike" spc="-100" dirty="0">
+                <a:solidFill>
+                  <a:srgbClr val="0065BD"/>
+                </a:solidFill>
+                <a:latin typeface="Arial"/>
+                <a:ea typeface="ＭＳ Ｐゴシック"/>
+              </a:rPr>
+              <a:t>（</a:t>
+            </a:r>
+            <a:r>
+              <a:rPr lang="en-US" altLang="zh-CN" sz="3600" b="1" strike="noStrike" spc="-100" dirty="0">
+                <a:solidFill>
+                  <a:srgbClr val="0065BD"/>
+                </a:solidFill>
+                <a:latin typeface="Arial"/>
+                <a:ea typeface="ＭＳ Ｐゴシック"/>
+              </a:rPr>
+              <a:t>gateway A</a:t>
+            </a:r>
+            <a:r>
+              <a:rPr lang="zh-CN" altLang="en-US" sz="3600" b="1" strike="noStrike" spc="-100" dirty="0">
+                <a:solidFill>
+                  <a:srgbClr val="0065BD"/>
+                </a:solidFill>
+                <a:latin typeface="Arial"/>
+                <a:ea typeface="ＭＳ Ｐゴシック"/>
+              </a:rPr>
+              <a:t>）</a:t>
             </a:r>
             <a:endParaRPr lang="en-US" sz="3600" b="0" strike="noStrike" spc="-1" dirty="0">
-              <a:solidFill>
-                <a:srgbClr val="000000"/>
-              </a:solidFill>
-              <a:latin typeface="Arial"/>
-            </a:endParaRPr>
-          </a:p>
-        </p:txBody>
-      </p:sp>
-      <p:sp>
-        <p:nvSpPr>
-          <p:cNvPr id="139" name="PlaceHolder 2"/>
-          <p:cNvSpPr>
-            <a:spLocks noGrp="1"/>
-          </p:cNvSpPr>
-          <p:nvPr>
-            <p:ph/>
-          </p:nvPr>
-        </p:nvSpPr>
-        <p:spPr>
-          <a:xfrm>
-            <a:off x="701640" y="1685520"/>
-            <a:ext cx="10505160" cy="3831120"/>
-          </a:xfrm>
-          <a:prstGeom prst="rect">
-            <a:avLst/>
-          </a:prstGeom>
-          <a:noFill/>
-          <a:ln w="0">
-            <a:noFill/>
-          </a:ln>
-        </p:spPr>
-        <p:txBody>
-          <a:bodyPr lIns="0" tIns="0" rIns="0" bIns="0" anchor="t">
-            <a:noAutofit/>
-          </a:bodyPr>
-          <a:lstStyle/>
-          <a:p>
-            <a:pPr marL="457200" indent="-457200">
-              <a:lnSpc>
-                <a:spcPct val="150000"/>
-              </a:lnSpc>
-              <a:spcBef>
-                <a:spcPts val="561"/>
-              </a:spcBef>
-              <a:buClr>
-                <a:srgbClr val="000000"/>
-              </a:buClr>
-              <a:buFont typeface="Arial"/>
-              <a:buChar char="•"/>
-            </a:pPr>
-            <a:endParaRPr lang="en-US" sz="2800" b="0" strike="noStrike" spc="-1" dirty="0">
               <a:solidFill>
                 <a:srgbClr val="000000"/>
               </a:solidFill>
@@ -6547,7 +7769,7 @@
                 <a:latin typeface="Arial"/>
                 <a:ea typeface="ＭＳ Ｐゴシック"/>
               </a:rPr>
-              <a:t>5.12.2022</a:t>
+              <a:t>6.12.2022</a:t>
             </a:fld>
             <a:endParaRPr lang="en-GB" sz="900" b="0" strike="noStrike" spc="-1">
               <a:solidFill>
@@ -6626,7 +7848,102 @@
           </a:p>
         </p:txBody>
       </p:sp>
+      <p:pic>
+        <p:nvPicPr>
+          <p:cNvPr id="9" name="Picture 8">
+            <a:extLst>
+              <a:ext uri="{FF2B5EF4-FFF2-40B4-BE49-F238E27FC236}">
+                <a16:creationId xmlns:a16="http://schemas.microsoft.com/office/drawing/2014/main" id="{AA51134D-3131-72FA-1D58-B28508560E0F}"/>
+              </a:ext>
+            </a:extLst>
+          </p:cNvPr>
+          <p:cNvPicPr>
+            <a:picLocks noChangeAspect="1"/>
+          </p:cNvPicPr>
+          <p:nvPr/>
+        </p:nvPicPr>
+        <p:blipFill>
+          <a:blip r:embed="rId2"/>
+          <a:stretch>
+            <a:fillRect/>
+          </a:stretch>
+        </p:blipFill>
+        <p:spPr>
+          <a:xfrm>
+            <a:off x="2333792" y="3160667"/>
+            <a:ext cx="7213262" cy="865289"/>
+          </a:xfrm>
+          <a:prstGeom prst="rect">
+            <a:avLst/>
+          </a:prstGeom>
+        </p:spPr>
+      </p:pic>
+      <p:pic>
+        <p:nvPicPr>
+          <p:cNvPr id="11" name="Picture 10">
+            <a:extLst>
+              <a:ext uri="{FF2B5EF4-FFF2-40B4-BE49-F238E27FC236}">
+                <a16:creationId xmlns:a16="http://schemas.microsoft.com/office/drawing/2014/main" id="{69CCBEC3-76BC-2CAA-E4FD-8B29814A59A5}"/>
+              </a:ext>
+            </a:extLst>
+          </p:cNvPr>
+          <p:cNvPicPr>
+            <a:picLocks noChangeAspect="1"/>
+          </p:cNvPicPr>
+          <p:nvPr/>
+        </p:nvPicPr>
+        <p:blipFill>
+          <a:blip r:embed="rId3"/>
+          <a:stretch>
+            <a:fillRect/>
+          </a:stretch>
+        </p:blipFill>
+        <p:spPr>
+          <a:xfrm>
+            <a:off x="2333792" y="865281"/>
+            <a:ext cx="7213266" cy="2299882"/>
+          </a:xfrm>
+          <a:prstGeom prst="rect">
+            <a:avLst/>
+          </a:prstGeom>
+        </p:spPr>
+      </p:pic>
+      <p:pic>
+        <p:nvPicPr>
+          <p:cNvPr id="13" name="Picture 12">
+            <a:extLst>
+              <a:ext uri="{FF2B5EF4-FFF2-40B4-BE49-F238E27FC236}">
+                <a16:creationId xmlns:a16="http://schemas.microsoft.com/office/drawing/2014/main" id="{DC1DBE7A-407D-35E6-9037-7CD844BD7BD5}"/>
+              </a:ext>
+            </a:extLst>
+          </p:cNvPr>
+          <p:cNvPicPr>
+            <a:picLocks noChangeAspect="1"/>
+          </p:cNvPicPr>
+          <p:nvPr/>
+        </p:nvPicPr>
+        <p:blipFill>
+          <a:blip r:embed="rId4"/>
+          <a:stretch>
+            <a:fillRect/>
+          </a:stretch>
+        </p:blipFill>
+        <p:spPr>
+          <a:xfrm>
+            <a:off x="2333790" y="4003364"/>
+            <a:ext cx="7213265" cy="1694638"/>
+          </a:xfrm>
+          <a:prstGeom prst="rect">
+            <a:avLst/>
+          </a:prstGeom>
+        </p:spPr>
+      </p:pic>
     </p:spTree>
+    <p:extLst>
+      <p:ext uri="{BB962C8B-B14F-4D97-AF65-F5344CB8AC3E}">
+        <p14:creationId xmlns:p14="http://schemas.microsoft.com/office/powerpoint/2010/main" val="2865584388"/>
+      </p:ext>
+    </p:extLst>
   </p:cSld>
   <p:clrMapOvr>
     <a:masterClrMapping/>
@@ -6653,7 +7970,7 @@
       </p:grpSpPr>
       <p:sp>
         <p:nvSpPr>
-          <p:cNvPr id="144" name="PlaceHolder 1"/>
+          <p:cNvPr id="138" name="PlaceHolder 1"/>
           <p:cNvSpPr>
             <a:spLocks noGrp="1"/>
           </p:cNvSpPr>
@@ -6663,8 +7980,8 @@
         </p:nvSpPr>
         <p:spPr>
           <a:xfrm>
-            <a:off x="759240" y="1912320"/>
-            <a:ext cx="10362240" cy="2635560"/>
+            <a:off x="701640" y="380880"/>
+            <a:ext cx="10505160" cy="698412"/>
           </a:xfrm>
           <a:prstGeom prst="rect">
             <a:avLst/>
@@ -6680,29 +7997,53 @@
           </a:bodyPr>
           <a:lstStyle/>
           <a:p>
-            <a:pPr indent="0" algn="ctr">
+            <a:pPr indent="0">
               <a:lnSpc>
-                <a:spcPct val="80000"/>
+                <a:spcPct val="85000"/>
               </a:lnSpc>
               <a:buNone/>
             </a:pPr>
-            <a:br>
-              <a:rPr sz="7200"/>
-            </a:br>
             <a:r>
-              <a:rPr lang="es-ES" sz="7200" b="1" strike="noStrike" spc="-202">
+              <a:rPr lang="en-US" sz="3600" b="1" strike="noStrike" spc="-100" dirty="0">
                 <a:solidFill>
-                  <a:srgbClr val="FFFFFF"/>
+                  <a:srgbClr val="0065BD"/>
                 </a:solidFill>
-                <a:latin typeface="Arial Black"/>
+                <a:latin typeface="Arial"/>
                 <a:ea typeface="ＭＳ Ｐゴシック"/>
               </a:rPr>
-              <a:t>Questions?</a:t>
+              <a:t>iptables </a:t>
             </a:r>
-            <a:br>
-              <a:rPr sz="7200"/>
-            </a:br>
-            <a:endParaRPr lang="en-US" sz="7200" b="0" strike="noStrike" spc="-1">
+            <a:r>
+              <a:rPr lang="zh-CN" altLang="en-US" sz="3600" b="1" strike="noStrike" spc="-100" dirty="0">
+                <a:solidFill>
+                  <a:srgbClr val="0065BD"/>
+                </a:solidFill>
+                <a:latin typeface="Arial"/>
+                <a:ea typeface="ＭＳ Ｐゴシック"/>
+              </a:rPr>
+              <a:t>（</a:t>
+            </a:r>
+            <a:r>
+              <a:rPr lang="en-US" altLang="zh-CN" sz="3600" b="1" strike="noStrike" spc="-100" dirty="0">
+                <a:solidFill>
+                  <a:srgbClr val="0065BD"/>
+                </a:solidFill>
+                <a:latin typeface="Arial"/>
+                <a:ea typeface="ＭＳ Ｐゴシック"/>
+              </a:rPr>
+              <a:t>gateway B</a:t>
+            </a:r>
+            <a:r>
+              <a:rPr lang="zh-CN" altLang="en-US" sz="3600" b="1" strike="noStrike" spc="-100" dirty="0">
+                <a:solidFill>
+                  <a:srgbClr val="0065BD"/>
+                </a:solidFill>
+                <a:latin typeface="Arial"/>
+                <a:ea typeface="ＭＳ Ｐゴシック"/>
+              </a:rPr>
+              <a:t>）</a:t>
+            </a:r>
+            <a:endParaRPr lang="en-US" sz="3600" b="0" strike="noStrike" spc="-1" dirty="0">
               <a:solidFill>
                 <a:srgbClr val="000000"/>
               </a:solidFill>
@@ -6713,18 +8054,274 @@
       </p:sp>
       <p:sp>
         <p:nvSpPr>
-          <p:cNvPr id="145" name="PlaceHolder 2"/>
-          <p:cNvSpPr>
-            <a:spLocks noGrp="1"/>
-          </p:cNvSpPr>
-          <p:nvPr>
-            <p:ph type="subTitle"/>
-          </p:nvPr>
-        </p:nvSpPr>
-        <p:spPr>
-          <a:xfrm>
-            <a:off x="759240" y="5454360"/>
-            <a:ext cx="6989040" cy="791640"/>
+          <p:cNvPr id="140" name="PlaceHolder 3"/>
+          <p:cNvSpPr>
+            <a:spLocks noGrp="1"/>
+          </p:cNvSpPr>
+          <p:nvPr>
+            <p:ph type="dt" idx="24"/>
+          </p:nvPr>
+        </p:nvSpPr>
+        <p:spPr>
+          <a:xfrm>
+            <a:off x="6418800" y="6111720"/>
+            <a:ext cx="4702320" cy="185400"/>
+          </a:xfrm>
+          <a:prstGeom prst="rect">
+            <a:avLst/>
+          </a:prstGeom>
+          <a:noFill/>
+          <a:ln w="0">
+            <a:noFill/>
+          </a:ln>
+        </p:spPr>
+        <p:txBody>
+          <a:bodyPr rIns="0" anchor="ctr">
+            <a:noAutofit/>
+          </a:bodyPr>
+          <a:lstStyle>
+            <a:lvl1pPr indent="0" algn="r">
+              <a:lnSpc>
+                <a:spcPct val="100000"/>
+              </a:lnSpc>
+              <a:buNone/>
+              <a:defRPr lang="fi-FI" sz="900" b="0" strike="noStrike" spc="-1">
+                <a:solidFill>
+                  <a:srgbClr val="8B8B8B"/>
+                </a:solidFill>
+                <a:latin typeface="Arial"/>
+                <a:ea typeface="ＭＳ Ｐゴシック"/>
+              </a:defRPr>
+            </a:lvl1pPr>
+          </a:lstStyle>
+          <a:p>
+            <a:pPr indent="0" algn="r">
+              <a:lnSpc>
+                <a:spcPct val="100000"/>
+              </a:lnSpc>
+              <a:buNone/>
+            </a:pPr>
+            <a:fld id="{76D9D6F8-90AB-433B-A6F7-A114AF302573}" type="datetime1">
+              <a:rPr lang="fi-FI" sz="900" b="0" strike="noStrike" spc="-1">
+                <a:solidFill>
+                  <a:srgbClr val="8B8B8B"/>
+                </a:solidFill>
+                <a:latin typeface="Arial"/>
+                <a:ea typeface="ＭＳ Ｐゴシック"/>
+              </a:rPr>
+              <a:t>6.12.2022</a:t>
+            </a:fld>
+            <a:endParaRPr lang="en-GB" sz="900" b="0" strike="noStrike" spc="-1">
+              <a:solidFill>
+                <a:srgbClr val="000000"/>
+              </a:solidFill>
+              <a:latin typeface="Times New Roman"/>
+            </a:endParaRPr>
+          </a:p>
+        </p:txBody>
+      </p:sp>
+      <p:sp>
+        <p:nvSpPr>
+          <p:cNvPr id="141" name="PlaceHolder 4"/>
+          <p:cNvSpPr>
+            <a:spLocks noGrp="1"/>
+          </p:cNvSpPr>
+          <p:nvPr>
+            <p:ph type="sldNum" idx="25"/>
+          </p:nvPr>
+        </p:nvSpPr>
+        <p:spPr>
+          <a:xfrm>
+            <a:off x="6418800" y="6297480"/>
+            <a:ext cx="4702320" cy="161640"/>
+          </a:xfrm>
+          <a:prstGeom prst="rect">
+            <a:avLst/>
+          </a:prstGeom>
+          <a:noFill/>
+          <a:ln w="0">
+            <a:noFill/>
+          </a:ln>
+        </p:spPr>
+        <p:txBody>
+          <a:bodyPr rIns="0" anchor="ctr">
+            <a:noAutofit/>
+          </a:bodyPr>
+          <a:lstStyle>
+            <a:lvl1pPr indent="0" algn="r">
+              <a:lnSpc>
+                <a:spcPct val="100000"/>
+              </a:lnSpc>
+              <a:buNone/>
+              <a:defRPr lang="fi-FI" sz="900" b="0" strike="noStrike" spc="-1">
+                <a:solidFill>
+                  <a:srgbClr val="8B8B8B"/>
+                </a:solidFill>
+                <a:latin typeface="Arial"/>
+                <a:ea typeface="ＭＳ Ｐゴシック"/>
+              </a:defRPr>
+            </a:lvl1pPr>
+          </a:lstStyle>
+          <a:p>
+            <a:pPr indent="0" algn="r">
+              <a:lnSpc>
+                <a:spcPct val="100000"/>
+              </a:lnSpc>
+              <a:buNone/>
+            </a:pPr>
+            <a:fld id="{76B7A404-D330-40B3-92D3-484EE3208746}" type="slidenum">
+              <a:rPr lang="fi-FI" sz="900" b="0" strike="noStrike" spc="-1">
+                <a:solidFill>
+                  <a:srgbClr val="8B8B8B"/>
+                </a:solidFill>
+                <a:latin typeface="Arial"/>
+                <a:ea typeface="ＭＳ Ｐゴシック"/>
+              </a:rPr>
+              <a:t>4</a:t>
+            </a:fld>
+            <a:endParaRPr lang="en-GB" sz="900" b="0" strike="noStrike" spc="-1">
+              <a:solidFill>
+                <a:srgbClr val="000000"/>
+              </a:solidFill>
+              <a:latin typeface="Times New Roman"/>
+            </a:endParaRPr>
+          </a:p>
+        </p:txBody>
+      </p:sp>
+      <p:pic>
+        <p:nvPicPr>
+          <p:cNvPr id="3" name="Picture 2">
+            <a:extLst>
+              <a:ext uri="{FF2B5EF4-FFF2-40B4-BE49-F238E27FC236}">
+                <a16:creationId xmlns:a16="http://schemas.microsoft.com/office/drawing/2014/main" id="{2AA9FB81-4411-3B04-14D1-0C4997DE6209}"/>
+              </a:ext>
+            </a:extLst>
+          </p:cNvPr>
+          <p:cNvPicPr>
+            <a:picLocks noChangeAspect="1"/>
+          </p:cNvPicPr>
+          <p:nvPr/>
+        </p:nvPicPr>
+        <p:blipFill>
+          <a:blip r:embed="rId2"/>
+          <a:stretch>
+            <a:fillRect/>
+          </a:stretch>
+        </p:blipFill>
+        <p:spPr>
+          <a:xfrm>
+            <a:off x="2304381" y="4047142"/>
+            <a:ext cx="7272084" cy="1706071"/>
+          </a:xfrm>
+          <a:prstGeom prst="rect">
+            <a:avLst/>
+          </a:prstGeom>
+        </p:spPr>
+      </p:pic>
+      <p:pic>
+        <p:nvPicPr>
+          <p:cNvPr id="5" name="Picture 4">
+            <a:extLst>
+              <a:ext uri="{FF2B5EF4-FFF2-40B4-BE49-F238E27FC236}">
+                <a16:creationId xmlns:a16="http://schemas.microsoft.com/office/drawing/2014/main" id="{FFDBAC27-775F-2658-9715-C732CDE58FC5}"/>
+              </a:ext>
+            </a:extLst>
+          </p:cNvPr>
+          <p:cNvPicPr>
+            <a:picLocks noChangeAspect="1"/>
+          </p:cNvPicPr>
+          <p:nvPr/>
+        </p:nvPicPr>
+        <p:blipFill>
+          <a:blip r:embed="rId3"/>
+          <a:stretch>
+            <a:fillRect/>
+          </a:stretch>
+        </p:blipFill>
+        <p:spPr>
+          <a:xfrm>
+            <a:off x="2304383" y="845836"/>
+            <a:ext cx="7272084" cy="2312241"/>
+          </a:xfrm>
+          <a:prstGeom prst="rect">
+            <a:avLst/>
+          </a:prstGeom>
+        </p:spPr>
+      </p:pic>
+      <p:pic>
+        <p:nvPicPr>
+          <p:cNvPr id="7" name="Picture 6">
+            <a:extLst>
+              <a:ext uri="{FF2B5EF4-FFF2-40B4-BE49-F238E27FC236}">
+                <a16:creationId xmlns:a16="http://schemas.microsoft.com/office/drawing/2014/main" id="{83C50FBB-F27E-386B-F29C-E97704182EBD}"/>
+              </a:ext>
+            </a:extLst>
+          </p:cNvPr>
+          <p:cNvPicPr>
+            <a:picLocks noChangeAspect="1"/>
+          </p:cNvPicPr>
+          <p:nvPr/>
+        </p:nvPicPr>
+        <p:blipFill>
+          <a:blip r:embed="rId4"/>
+          <a:stretch>
+            <a:fillRect/>
+          </a:stretch>
+        </p:blipFill>
+        <p:spPr>
+          <a:xfrm>
+            <a:off x="2304382" y="3158077"/>
+            <a:ext cx="7272086" cy="889065"/>
+          </a:xfrm>
+          <a:prstGeom prst="rect">
+            <a:avLst/>
+          </a:prstGeom>
+        </p:spPr>
+      </p:pic>
+    </p:spTree>
+    <p:extLst>
+      <p:ext uri="{BB962C8B-B14F-4D97-AF65-F5344CB8AC3E}">
+        <p14:creationId xmlns:p14="http://schemas.microsoft.com/office/powerpoint/2010/main" val="1435082813"/>
+      </p:ext>
+    </p:extLst>
+  </p:cSld>
+  <p:clrMapOvr>
+    <a:masterClrMapping/>
+  </p:clrMapOvr>
+</p:sld>
+</file>
+
+<file path=ppt/slides/slide5.xml><?xml version="1.0" encoding="utf-8"?>
+<p:sld xmlns:a="http://schemas.openxmlformats.org/drawingml/2006/main" xmlns:r="http://schemas.openxmlformats.org/officeDocument/2006/relationships" xmlns:p="http://schemas.openxmlformats.org/presentationml/2006/main">
+  <p:cSld>
+    <p:spTree>
+      <p:nvGrpSpPr>
+        <p:cNvPr id="1" name=""/>
+        <p:cNvGrpSpPr/>
+        <p:nvPr/>
+      </p:nvGrpSpPr>
+      <p:grpSpPr>
+        <a:xfrm>
+          <a:off x="0" y="0"/>
+          <a:ext cx="0" cy="0"/>
+          <a:chOff x="0" y="0"/>
+          <a:chExt cx="0" cy="0"/>
+        </a:xfrm>
+      </p:grpSpPr>
+      <p:sp>
+        <p:nvSpPr>
+          <p:cNvPr id="138" name="PlaceHolder 1"/>
+          <p:cNvSpPr>
+            <a:spLocks noGrp="1"/>
+          </p:cNvSpPr>
+          <p:nvPr>
+            <p:ph type="title"/>
+          </p:nvPr>
+        </p:nvSpPr>
+        <p:spPr>
+          <a:xfrm>
+            <a:off x="701640" y="380880"/>
+            <a:ext cx="10505160" cy="698412"/>
           </a:xfrm>
           <a:prstGeom prst="rect">
             <a:avLst/>
@@ -6740,10 +8337,53 @@
           </a:bodyPr>
           <a:lstStyle/>
           <a:p>
-            <a:pPr indent="0" algn="ctr">
-              <a:buNone/>
-            </a:pPr>
-            <a:endParaRPr lang="en-GB" sz="1600" b="0" strike="noStrike" spc="-1">
+            <a:pPr indent="0">
+              <a:lnSpc>
+                <a:spcPct val="85000"/>
+              </a:lnSpc>
+              <a:buNone/>
+            </a:pPr>
+            <a:r>
+              <a:rPr lang="en-US" sz="3600" b="1" strike="noStrike" spc="-100" dirty="0">
+                <a:solidFill>
+                  <a:srgbClr val="0065BD"/>
+                </a:solidFill>
+                <a:latin typeface="Arial"/>
+                <a:ea typeface="ＭＳ Ｐゴシック"/>
+              </a:rPr>
+              <a:t>iptables </a:t>
+            </a:r>
+            <a:r>
+              <a:rPr lang="zh-CN" altLang="en-US" sz="3600" b="1" strike="noStrike" spc="-100" dirty="0">
+                <a:solidFill>
+                  <a:srgbClr val="0065BD"/>
+                </a:solidFill>
+                <a:latin typeface="Arial"/>
+                <a:ea typeface="ＭＳ Ｐゴシック"/>
+              </a:rPr>
+              <a:t>（</a:t>
+            </a:r>
+            <a:r>
+              <a:rPr lang="en-US" altLang="zh-CN" sz="3600" b="1" strike="noStrike" spc="-100" dirty="0">
+                <a:solidFill>
+                  <a:srgbClr val="0065BD"/>
+                </a:solidFill>
+                <a:latin typeface="Arial"/>
+                <a:ea typeface="ＭＳ Ｐゴシック"/>
+              </a:rPr>
+              <a:t>gateway S</a:t>
+            </a:r>
+            <a:r>
+              <a:rPr lang="zh-CN" altLang="en-US" sz="3600" b="1" strike="noStrike" spc="-100" dirty="0">
+                <a:solidFill>
+                  <a:srgbClr val="0065BD"/>
+                </a:solidFill>
+                <a:latin typeface="Arial"/>
+                <a:ea typeface="ＭＳ Ｐゴシック"/>
+              </a:rPr>
+              <a:t>）</a:t>
+            </a:r>
+            <a:endParaRPr lang="en-US" sz="3600" b="0" strike="noStrike" spc="-1" dirty="0">
               <a:solidFill>
                 <a:srgbClr val="000000"/>
               </a:solidFill>
@@ -6752,7 +8392,1462 @@
           </a:p>
         </p:txBody>
       </p:sp>
+      <p:sp>
+        <p:nvSpPr>
+          <p:cNvPr id="140" name="PlaceHolder 3"/>
+          <p:cNvSpPr>
+            <a:spLocks noGrp="1"/>
+          </p:cNvSpPr>
+          <p:nvPr>
+            <p:ph type="dt" idx="24"/>
+          </p:nvPr>
+        </p:nvSpPr>
+        <p:spPr>
+          <a:xfrm>
+            <a:off x="6418800" y="6111720"/>
+            <a:ext cx="4702320" cy="185400"/>
+          </a:xfrm>
+          <a:prstGeom prst="rect">
+            <a:avLst/>
+          </a:prstGeom>
+          <a:noFill/>
+          <a:ln w="0">
+            <a:noFill/>
+          </a:ln>
+        </p:spPr>
+        <p:txBody>
+          <a:bodyPr rIns="0" anchor="ctr">
+            <a:noAutofit/>
+          </a:bodyPr>
+          <a:lstStyle>
+            <a:lvl1pPr indent="0" algn="r">
+              <a:lnSpc>
+                <a:spcPct val="100000"/>
+              </a:lnSpc>
+              <a:buNone/>
+              <a:defRPr lang="fi-FI" sz="900" b="0" strike="noStrike" spc="-1">
+                <a:solidFill>
+                  <a:srgbClr val="8B8B8B"/>
+                </a:solidFill>
+                <a:latin typeface="Arial"/>
+                <a:ea typeface="ＭＳ Ｐゴシック"/>
+              </a:defRPr>
+            </a:lvl1pPr>
+          </a:lstStyle>
+          <a:p>
+            <a:pPr indent="0" algn="r">
+              <a:lnSpc>
+                <a:spcPct val="100000"/>
+              </a:lnSpc>
+              <a:buNone/>
+            </a:pPr>
+            <a:fld id="{76D9D6F8-90AB-433B-A6F7-A114AF302573}" type="datetime1">
+              <a:rPr lang="fi-FI" sz="900" b="0" strike="noStrike" spc="-1">
+                <a:solidFill>
+                  <a:srgbClr val="8B8B8B"/>
+                </a:solidFill>
+                <a:latin typeface="Arial"/>
+                <a:ea typeface="ＭＳ Ｐゴシック"/>
+              </a:rPr>
+              <a:t>6.12.2022</a:t>
+            </a:fld>
+            <a:endParaRPr lang="en-GB" sz="900" b="0" strike="noStrike" spc="-1">
+              <a:solidFill>
+                <a:srgbClr val="000000"/>
+              </a:solidFill>
+              <a:latin typeface="Times New Roman"/>
+            </a:endParaRPr>
+          </a:p>
+        </p:txBody>
+      </p:sp>
+      <p:sp>
+        <p:nvSpPr>
+          <p:cNvPr id="141" name="PlaceHolder 4"/>
+          <p:cNvSpPr>
+            <a:spLocks noGrp="1"/>
+          </p:cNvSpPr>
+          <p:nvPr>
+            <p:ph type="sldNum" idx="25"/>
+          </p:nvPr>
+        </p:nvSpPr>
+        <p:spPr>
+          <a:xfrm>
+            <a:off x="6418800" y="6297480"/>
+            <a:ext cx="4702320" cy="161640"/>
+          </a:xfrm>
+          <a:prstGeom prst="rect">
+            <a:avLst/>
+          </a:prstGeom>
+          <a:noFill/>
+          <a:ln w="0">
+            <a:noFill/>
+          </a:ln>
+        </p:spPr>
+        <p:txBody>
+          <a:bodyPr rIns="0" anchor="ctr">
+            <a:noAutofit/>
+          </a:bodyPr>
+          <a:lstStyle>
+            <a:lvl1pPr indent="0" algn="r">
+              <a:lnSpc>
+                <a:spcPct val="100000"/>
+              </a:lnSpc>
+              <a:buNone/>
+              <a:defRPr lang="fi-FI" sz="900" b="0" strike="noStrike" spc="-1">
+                <a:solidFill>
+                  <a:srgbClr val="8B8B8B"/>
+                </a:solidFill>
+                <a:latin typeface="Arial"/>
+                <a:ea typeface="ＭＳ Ｐゴシック"/>
+              </a:defRPr>
+            </a:lvl1pPr>
+          </a:lstStyle>
+          <a:p>
+            <a:pPr indent="0" algn="r">
+              <a:lnSpc>
+                <a:spcPct val="100000"/>
+              </a:lnSpc>
+              <a:buNone/>
+            </a:pPr>
+            <a:fld id="{76B7A404-D330-40B3-92D3-484EE3208746}" type="slidenum">
+              <a:rPr lang="fi-FI" sz="900" b="0" strike="noStrike" spc="-1">
+                <a:solidFill>
+                  <a:srgbClr val="8B8B8B"/>
+                </a:solidFill>
+                <a:latin typeface="Arial"/>
+                <a:ea typeface="ＭＳ Ｐゴシック"/>
+              </a:rPr>
+              <a:t>5</a:t>
+            </a:fld>
+            <a:endParaRPr lang="en-GB" sz="900" b="0" strike="noStrike" spc="-1">
+              <a:solidFill>
+                <a:srgbClr val="000000"/>
+              </a:solidFill>
+              <a:latin typeface="Times New Roman"/>
+            </a:endParaRPr>
+          </a:p>
+        </p:txBody>
+      </p:sp>
+      <p:pic>
+        <p:nvPicPr>
+          <p:cNvPr id="2" name="Picture 1">
+            <a:extLst>
+              <a:ext uri="{FF2B5EF4-FFF2-40B4-BE49-F238E27FC236}">
+                <a16:creationId xmlns:a16="http://schemas.microsoft.com/office/drawing/2014/main" id="{DDE7A110-D48B-CDE9-05EE-1538A27A2401}"/>
+              </a:ext>
+            </a:extLst>
+          </p:cNvPr>
+          <p:cNvPicPr>
+            <a:picLocks noChangeAspect="1"/>
+          </p:cNvPicPr>
+          <p:nvPr/>
+        </p:nvPicPr>
+        <p:blipFill>
+          <a:blip r:embed="rId2"/>
+          <a:stretch>
+            <a:fillRect/>
+          </a:stretch>
+        </p:blipFill>
+        <p:spPr>
+          <a:xfrm>
+            <a:off x="2593262" y="2985516"/>
+            <a:ext cx="6694328" cy="1021875"/>
+          </a:xfrm>
+          <a:prstGeom prst="rect">
+            <a:avLst/>
+          </a:prstGeom>
+        </p:spPr>
+      </p:pic>
+      <p:pic>
+        <p:nvPicPr>
+          <p:cNvPr id="3" name="Picture 2">
+            <a:extLst>
+              <a:ext uri="{FF2B5EF4-FFF2-40B4-BE49-F238E27FC236}">
+                <a16:creationId xmlns:a16="http://schemas.microsoft.com/office/drawing/2014/main" id="{DFAA3ACF-31D2-B55A-6777-3D595ED1110D}"/>
+              </a:ext>
+            </a:extLst>
+          </p:cNvPr>
+          <p:cNvPicPr>
+            <a:picLocks noChangeAspect="1"/>
+          </p:cNvPicPr>
+          <p:nvPr/>
+        </p:nvPicPr>
+        <p:blipFill>
+          <a:blip r:embed="rId3"/>
+          <a:stretch>
+            <a:fillRect/>
+          </a:stretch>
+        </p:blipFill>
+        <p:spPr>
+          <a:xfrm>
+            <a:off x="2593262" y="850040"/>
+            <a:ext cx="6694325" cy="2142611"/>
+          </a:xfrm>
+          <a:prstGeom prst="rect">
+            <a:avLst/>
+          </a:prstGeom>
+        </p:spPr>
+      </p:pic>
+      <p:pic>
+        <p:nvPicPr>
+          <p:cNvPr id="4" name="Picture 3">
+            <a:extLst>
+              <a:ext uri="{FF2B5EF4-FFF2-40B4-BE49-F238E27FC236}">
+                <a16:creationId xmlns:a16="http://schemas.microsoft.com/office/drawing/2014/main" id="{E7BB83D7-7711-BB9A-AD45-60757F962CD9}"/>
+              </a:ext>
+            </a:extLst>
+          </p:cNvPr>
+          <p:cNvPicPr>
+            <a:picLocks noChangeAspect="1"/>
+          </p:cNvPicPr>
+          <p:nvPr/>
+        </p:nvPicPr>
+        <p:blipFill>
+          <a:blip r:embed="rId4"/>
+          <a:stretch>
+            <a:fillRect/>
+          </a:stretch>
+        </p:blipFill>
+        <p:spPr>
+          <a:xfrm>
+            <a:off x="2593261" y="4003355"/>
+            <a:ext cx="6694326" cy="1759295"/>
+          </a:xfrm>
+          <a:prstGeom prst="rect">
+            <a:avLst/>
+          </a:prstGeom>
+        </p:spPr>
+      </p:pic>
     </p:spTree>
+    <p:extLst>
+      <p:ext uri="{BB962C8B-B14F-4D97-AF65-F5344CB8AC3E}">
+        <p14:creationId xmlns:p14="http://schemas.microsoft.com/office/powerpoint/2010/main" val="2858541899"/>
+      </p:ext>
+    </p:extLst>
+  </p:cSld>
+  <p:clrMapOvr>
+    <a:masterClrMapping/>
+  </p:clrMapOvr>
+</p:sld>
+</file>
+
+<file path=ppt/slides/slide6.xml><?xml version="1.0" encoding="utf-8"?>
+<p:sld xmlns:a="http://schemas.openxmlformats.org/drawingml/2006/main" xmlns:r="http://schemas.openxmlformats.org/officeDocument/2006/relationships" xmlns:p="http://schemas.openxmlformats.org/presentationml/2006/main">
+  <p:cSld>
+    <p:spTree>
+      <p:nvGrpSpPr>
+        <p:cNvPr id="1" name=""/>
+        <p:cNvGrpSpPr/>
+        <p:nvPr/>
+      </p:nvGrpSpPr>
+      <p:grpSpPr>
+        <a:xfrm>
+          <a:off x="0" y="0"/>
+          <a:ext cx="0" cy="0"/>
+          <a:chOff x="0" y="0"/>
+          <a:chExt cx="0" cy="0"/>
+        </a:xfrm>
+      </p:grpSpPr>
+      <p:sp>
+        <p:nvSpPr>
+          <p:cNvPr id="138" name="PlaceHolder 1"/>
+          <p:cNvSpPr>
+            <a:spLocks noGrp="1"/>
+          </p:cNvSpPr>
+          <p:nvPr>
+            <p:ph type="title"/>
+          </p:nvPr>
+        </p:nvSpPr>
+        <p:spPr>
+          <a:xfrm>
+            <a:off x="701640" y="380880"/>
+            <a:ext cx="10505160" cy="698412"/>
+          </a:xfrm>
+          <a:prstGeom prst="rect">
+            <a:avLst/>
+          </a:prstGeom>
+          <a:noFill/>
+          <a:ln w="0">
+            <a:noFill/>
+          </a:ln>
+        </p:spPr>
+        <p:txBody>
+          <a:bodyPr lIns="0" tIns="0" rIns="0" bIns="0" anchor="t">
+            <a:noAutofit/>
+          </a:bodyPr>
+          <a:lstStyle/>
+          <a:p>
+            <a:pPr indent="0">
+              <a:lnSpc>
+                <a:spcPct val="85000"/>
+              </a:lnSpc>
+              <a:buNone/>
+            </a:pPr>
+            <a:r>
+              <a:rPr lang="en-US" sz="3600" b="1" strike="noStrike" spc="-100" dirty="0">
+                <a:solidFill>
+                  <a:srgbClr val="0065BD"/>
+                </a:solidFill>
+                <a:latin typeface="Arial"/>
+                <a:ea typeface="ＭＳ Ｐゴシック"/>
+              </a:rPr>
+              <a:t>ipsec </a:t>
+            </a:r>
+            <a:r>
+              <a:rPr lang="en-US" sz="3600" b="1" strike="noStrike" spc="-100" dirty="0" err="1">
+                <a:solidFill>
+                  <a:srgbClr val="0065BD"/>
+                </a:solidFill>
+                <a:latin typeface="Arial"/>
+                <a:ea typeface="ＭＳ Ｐゴシック"/>
+              </a:rPr>
+              <a:t>listcerts</a:t>
+            </a:r>
+            <a:r>
+              <a:rPr lang="en-US" sz="3600" b="1" strike="noStrike" spc="-100" dirty="0">
+                <a:solidFill>
+                  <a:srgbClr val="0065BD"/>
+                </a:solidFill>
+                <a:latin typeface="Arial"/>
+                <a:ea typeface="ＭＳ Ｐゴシック"/>
+              </a:rPr>
+              <a:t> </a:t>
+            </a:r>
+            <a:r>
+              <a:rPr lang="zh-CN" altLang="en-US" sz="3600" b="1" strike="noStrike" spc="-100" dirty="0">
+                <a:solidFill>
+                  <a:srgbClr val="0065BD"/>
+                </a:solidFill>
+                <a:latin typeface="Arial"/>
+                <a:ea typeface="ＭＳ Ｐゴシック"/>
+              </a:rPr>
+              <a:t>（</a:t>
+            </a:r>
+            <a:r>
+              <a:rPr lang="en-US" altLang="zh-CN" sz="3600" b="1" strike="noStrike" spc="-100" dirty="0">
+                <a:solidFill>
+                  <a:srgbClr val="0065BD"/>
+                </a:solidFill>
+                <a:latin typeface="Arial"/>
+                <a:ea typeface="ＭＳ Ｐゴシック"/>
+              </a:rPr>
+              <a:t>site A and site B</a:t>
+            </a:r>
+            <a:r>
+              <a:rPr lang="zh-CN" altLang="en-US" sz="3600" b="1" strike="noStrike" spc="-100" dirty="0">
+                <a:solidFill>
+                  <a:srgbClr val="0065BD"/>
+                </a:solidFill>
+                <a:latin typeface="Arial"/>
+                <a:ea typeface="ＭＳ Ｐゴシック"/>
+              </a:rPr>
+              <a:t>）</a:t>
+            </a:r>
+            <a:endParaRPr lang="en-US" sz="3600" b="0" strike="noStrike" spc="-1" dirty="0">
+              <a:solidFill>
+                <a:srgbClr val="000000"/>
+              </a:solidFill>
+              <a:latin typeface="Arial"/>
+            </a:endParaRPr>
+          </a:p>
+        </p:txBody>
+      </p:sp>
+      <p:sp>
+        <p:nvSpPr>
+          <p:cNvPr id="140" name="PlaceHolder 3"/>
+          <p:cNvSpPr>
+            <a:spLocks noGrp="1"/>
+          </p:cNvSpPr>
+          <p:nvPr>
+            <p:ph type="dt" idx="24"/>
+          </p:nvPr>
+        </p:nvSpPr>
+        <p:spPr>
+          <a:xfrm>
+            <a:off x="6418800" y="6111720"/>
+            <a:ext cx="4702320" cy="185400"/>
+          </a:xfrm>
+          <a:prstGeom prst="rect">
+            <a:avLst/>
+          </a:prstGeom>
+          <a:noFill/>
+          <a:ln w="0">
+            <a:noFill/>
+          </a:ln>
+        </p:spPr>
+        <p:txBody>
+          <a:bodyPr rIns="0" anchor="ctr">
+            <a:noAutofit/>
+          </a:bodyPr>
+          <a:lstStyle>
+            <a:lvl1pPr indent="0" algn="r">
+              <a:lnSpc>
+                <a:spcPct val="100000"/>
+              </a:lnSpc>
+              <a:buNone/>
+              <a:defRPr lang="fi-FI" sz="900" b="0" strike="noStrike" spc="-1">
+                <a:solidFill>
+                  <a:srgbClr val="8B8B8B"/>
+                </a:solidFill>
+                <a:latin typeface="Arial"/>
+                <a:ea typeface="ＭＳ Ｐゴシック"/>
+              </a:defRPr>
+            </a:lvl1pPr>
+          </a:lstStyle>
+          <a:p>
+            <a:pPr indent="0" algn="r">
+              <a:lnSpc>
+                <a:spcPct val="100000"/>
+              </a:lnSpc>
+              <a:buNone/>
+            </a:pPr>
+            <a:fld id="{76D9D6F8-90AB-433B-A6F7-A114AF302573}" type="datetime1">
+              <a:rPr lang="fi-FI" sz="900" b="0" strike="noStrike" spc="-1">
+                <a:solidFill>
+                  <a:srgbClr val="8B8B8B"/>
+                </a:solidFill>
+                <a:latin typeface="Arial"/>
+                <a:ea typeface="ＭＳ Ｐゴシック"/>
+              </a:rPr>
+              <a:t>6.12.2022</a:t>
+            </a:fld>
+            <a:endParaRPr lang="en-GB" sz="900" b="0" strike="noStrike" spc="-1">
+              <a:solidFill>
+                <a:srgbClr val="000000"/>
+              </a:solidFill>
+              <a:latin typeface="Times New Roman"/>
+            </a:endParaRPr>
+          </a:p>
+        </p:txBody>
+      </p:sp>
+      <p:sp>
+        <p:nvSpPr>
+          <p:cNvPr id="141" name="PlaceHolder 4"/>
+          <p:cNvSpPr>
+            <a:spLocks noGrp="1"/>
+          </p:cNvSpPr>
+          <p:nvPr>
+            <p:ph type="sldNum" idx="25"/>
+          </p:nvPr>
+        </p:nvSpPr>
+        <p:spPr>
+          <a:xfrm>
+            <a:off x="6418800" y="6297480"/>
+            <a:ext cx="4702320" cy="161640"/>
+          </a:xfrm>
+          <a:prstGeom prst="rect">
+            <a:avLst/>
+          </a:prstGeom>
+          <a:noFill/>
+          <a:ln w="0">
+            <a:noFill/>
+          </a:ln>
+        </p:spPr>
+        <p:txBody>
+          <a:bodyPr rIns="0" anchor="ctr">
+            <a:noAutofit/>
+          </a:bodyPr>
+          <a:lstStyle>
+            <a:lvl1pPr indent="0" algn="r">
+              <a:lnSpc>
+                <a:spcPct val="100000"/>
+              </a:lnSpc>
+              <a:buNone/>
+              <a:defRPr lang="fi-FI" sz="900" b="0" strike="noStrike" spc="-1">
+                <a:solidFill>
+                  <a:srgbClr val="8B8B8B"/>
+                </a:solidFill>
+                <a:latin typeface="Arial"/>
+                <a:ea typeface="ＭＳ Ｐゴシック"/>
+              </a:defRPr>
+            </a:lvl1pPr>
+          </a:lstStyle>
+          <a:p>
+            <a:pPr indent="0" algn="r">
+              <a:lnSpc>
+                <a:spcPct val="100000"/>
+              </a:lnSpc>
+              <a:buNone/>
+            </a:pPr>
+            <a:fld id="{76B7A404-D330-40B3-92D3-484EE3208746}" type="slidenum">
+              <a:rPr lang="fi-FI" sz="900" b="0" strike="noStrike" spc="-1">
+                <a:solidFill>
+                  <a:srgbClr val="8B8B8B"/>
+                </a:solidFill>
+                <a:latin typeface="Arial"/>
+                <a:ea typeface="ＭＳ Ｐゴシック"/>
+              </a:rPr>
+              <a:t>6</a:t>
+            </a:fld>
+            <a:endParaRPr lang="en-GB" sz="900" b="0" strike="noStrike" spc="-1">
+              <a:solidFill>
+                <a:srgbClr val="000000"/>
+              </a:solidFill>
+              <a:latin typeface="Times New Roman"/>
+            </a:endParaRPr>
+          </a:p>
+        </p:txBody>
+      </p:sp>
+      <p:pic>
+        <p:nvPicPr>
+          <p:cNvPr id="31" name="Picture 30">
+            <a:extLst>
+              <a:ext uri="{FF2B5EF4-FFF2-40B4-BE49-F238E27FC236}">
+                <a16:creationId xmlns:a16="http://schemas.microsoft.com/office/drawing/2014/main" id="{21938DA4-E9FE-DC0B-CDBB-834446260C21}"/>
+              </a:ext>
+            </a:extLst>
+          </p:cNvPr>
+          <p:cNvPicPr>
+            <a:picLocks noChangeAspect="1"/>
+          </p:cNvPicPr>
+          <p:nvPr/>
+        </p:nvPicPr>
+        <p:blipFill>
+          <a:blip r:embed="rId2"/>
+          <a:stretch>
+            <a:fillRect/>
+          </a:stretch>
+        </p:blipFill>
+        <p:spPr>
+          <a:xfrm>
+            <a:off x="26551" y="884417"/>
+            <a:ext cx="5913873" cy="4841826"/>
+          </a:xfrm>
+          <a:prstGeom prst="rect">
+            <a:avLst/>
+          </a:prstGeom>
+        </p:spPr>
+      </p:pic>
+      <p:pic>
+        <p:nvPicPr>
+          <p:cNvPr id="33" name="Picture 32">
+            <a:extLst>
+              <a:ext uri="{FF2B5EF4-FFF2-40B4-BE49-F238E27FC236}">
+                <a16:creationId xmlns:a16="http://schemas.microsoft.com/office/drawing/2014/main" id="{69C3BD4F-49F2-CC99-D770-E3ECAC2A7363}"/>
+              </a:ext>
+            </a:extLst>
+          </p:cNvPr>
+          <p:cNvPicPr>
+            <a:picLocks noChangeAspect="1"/>
+          </p:cNvPicPr>
+          <p:nvPr/>
+        </p:nvPicPr>
+        <p:blipFill rotWithShape="1">
+          <a:blip r:embed="rId3"/>
+          <a:srcRect l="700" r="4313"/>
+          <a:stretch/>
+        </p:blipFill>
+        <p:spPr>
+          <a:xfrm>
+            <a:off x="5940424" y="884057"/>
+            <a:ext cx="5874694" cy="4841826"/>
+          </a:xfrm>
+          <a:prstGeom prst="rect">
+            <a:avLst/>
+          </a:prstGeom>
+        </p:spPr>
+      </p:pic>
+    </p:spTree>
+  </p:cSld>
+  <p:clrMapOvr>
+    <a:masterClrMapping/>
+  </p:clrMapOvr>
+</p:sld>
+</file>
+
+<file path=ppt/slides/slide7.xml><?xml version="1.0" encoding="utf-8"?>
+<p:sld xmlns:a="http://schemas.openxmlformats.org/drawingml/2006/main" xmlns:r="http://schemas.openxmlformats.org/officeDocument/2006/relationships" xmlns:p="http://schemas.openxmlformats.org/presentationml/2006/main">
+  <p:cSld>
+    <p:spTree>
+      <p:nvGrpSpPr>
+        <p:cNvPr id="1" name=""/>
+        <p:cNvGrpSpPr/>
+        <p:nvPr/>
+      </p:nvGrpSpPr>
+      <p:grpSpPr>
+        <a:xfrm>
+          <a:off x="0" y="0"/>
+          <a:ext cx="0" cy="0"/>
+          <a:chOff x="0" y="0"/>
+          <a:chExt cx="0" cy="0"/>
+        </a:xfrm>
+      </p:grpSpPr>
+      <p:sp>
+        <p:nvSpPr>
+          <p:cNvPr id="138" name="PlaceHolder 1"/>
+          <p:cNvSpPr>
+            <a:spLocks noGrp="1"/>
+          </p:cNvSpPr>
+          <p:nvPr>
+            <p:ph type="title"/>
+          </p:nvPr>
+        </p:nvSpPr>
+        <p:spPr>
+          <a:xfrm>
+            <a:off x="701640" y="380880"/>
+            <a:ext cx="10505160" cy="698412"/>
+          </a:xfrm>
+          <a:prstGeom prst="rect">
+            <a:avLst/>
+          </a:prstGeom>
+          <a:noFill/>
+          <a:ln w="0">
+            <a:noFill/>
+          </a:ln>
+        </p:spPr>
+        <p:txBody>
+          <a:bodyPr lIns="0" tIns="0" rIns="0" bIns="0" anchor="t">
+            <a:noAutofit/>
+          </a:bodyPr>
+          <a:lstStyle/>
+          <a:p>
+            <a:pPr indent="0">
+              <a:lnSpc>
+                <a:spcPct val="85000"/>
+              </a:lnSpc>
+              <a:buNone/>
+            </a:pPr>
+            <a:r>
+              <a:rPr lang="en-US" sz="3600" b="1" strike="noStrike" spc="-100" dirty="0">
+                <a:solidFill>
+                  <a:srgbClr val="0065BD"/>
+                </a:solidFill>
+                <a:latin typeface="Arial"/>
+                <a:ea typeface="ＭＳ Ｐゴシック"/>
+              </a:rPr>
+              <a:t>ipsec </a:t>
+            </a:r>
+            <a:r>
+              <a:rPr lang="en-US" sz="3600" b="1" strike="noStrike" spc="-100" dirty="0" err="1">
+                <a:solidFill>
+                  <a:srgbClr val="0065BD"/>
+                </a:solidFill>
+                <a:latin typeface="Arial"/>
+                <a:ea typeface="ＭＳ Ｐゴシック"/>
+              </a:rPr>
+              <a:t>listcerts</a:t>
+            </a:r>
+            <a:r>
+              <a:rPr lang="en-US" sz="3600" b="1" strike="noStrike" spc="-100" dirty="0">
+                <a:solidFill>
+                  <a:srgbClr val="0065BD"/>
+                </a:solidFill>
+                <a:latin typeface="Arial"/>
+                <a:ea typeface="ＭＳ Ｐゴシック"/>
+              </a:rPr>
+              <a:t> </a:t>
+            </a:r>
+            <a:r>
+              <a:rPr lang="zh-CN" altLang="en-US" sz="3600" b="1" strike="noStrike" spc="-100" dirty="0">
+                <a:solidFill>
+                  <a:srgbClr val="0065BD"/>
+                </a:solidFill>
+                <a:latin typeface="Arial"/>
+                <a:ea typeface="ＭＳ Ｐゴシック"/>
+              </a:rPr>
+              <a:t>（</a:t>
+            </a:r>
+            <a:r>
+              <a:rPr lang="en-US" altLang="zh-CN" sz="3600" b="1" strike="noStrike" spc="-100" dirty="0">
+                <a:solidFill>
+                  <a:srgbClr val="0065BD"/>
+                </a:solidFill>
+                <a:latin typeface="Arial"/>
+                <a:ea typeface="ＭＳ Ｐゴシック"/>
+              </a:rPr>
+              <a:t>Cloud</a:t>
+            </a:r>
+            <a:r>
+              <a:rPr lang="zh-CN" altLang="en-US" sz="3600" b="1" strike="noStrike" spc="-100" dirty="0">
+                <a:solidFill>
+                  <a:srgbClr val="0065BD"/>
+                </a:solidFill>
+                <a:latin typeface="Arial"/>
+                <a:ea typeface="ＭＳ Ｐゴシック"/>
+              </a:rPr>
+              <a:t>）</a:t>
+            </a:r>
+            <a:endParaRPr lang="en-US" sz="3600" b="0" strike="noStrike" spc="-1" dirty="0">
+              <a:solidFill>
+                <a:srgbClr val="000000"/>
+              </a:solidFill>
+              <a:latin typeface="Arial"/>
+            </a:endParaRPr>
+          </a:p>
+        </p:txBody>
+      </p:sp>
+      <p:sp>
+        <p:nvSpPr>
+          <p:cNvPr id="140" name="PlaceHolder 3"/>
+          <p:cNvSpPr>
+            <a:spLocks noGrp="1"/>
+          </p:cNvSpPr>
+          <p:nvPr>
+            <p:ph type="dt" idx="24"/>
+          </p:nvPr>
+        </p:nvSpPr>
+        <p:spPr>
+          <a:xfrm>
+            <a:off x="6418800" y="6111720"/>
+            <a:ext cx="4702320" cy="185400"/>
+          </a:xfrm>
+          <a:prstGeom prst="rect">
+            <a:avLst/>
+          </a:prstGeom>
+          <a:noFill/>
+          <a:ln w="0">
+            <a:noFill/>
+          </a:ln>
+        </p:spPr>
+        <p:txBody>
+          <a:bodyPr rIns="0" anchor="ctr">
+            <a:noAutofit/>
+          </a:bodyPr>
+          <a:lstStyle>
+            <a:lvl1pPr indent="0" algn="r">
+              <a:lnSpc>
+                <a:spcPct val="100000"/>
+              </a:lnSpc>
+              <a:buNone/>
+              <a:defRPr lang="fi-FI" sz="900" b="0" strike="noStrike" spc="-1">
+                <a:solidFill>
+                  <a:srgbClr val="8B8B8B"/>
+                </a:solidFill>
+                <a:latin typeface="Arial"/>
+                <a:ea typeface="ＭＳ Ｐゴシック"/>
+              </a:defRPr>
+            </a:lvl1pPr>
+          </a:lstStyle>
+          <a:p>
+            <a:pPr indent="0" algn="r">
+              <a:lnSpc>
+                <a:spcPct val="100000"/>
+              </a:lnSpc>
+              <a:buNone/>
+            </a:pPr>
+            <a:fld id="{76D9D6F8-90AB-433B-A6F7-A114AF302573}" type="datetime1">
+              <a:rPr lang="fi-FI" sz="900" b="0" strike="noStrike" spc="-1">
+                <a:solidFill>
+                  <a:srgbClr val="8B8B8B"/>
+                </a:solidFill>
+                <a:latin typeface="Arial"/>
+                <a:ea typeface="ＭＳ Ｐゴシック"/>
+              </a:rPr>
+              <a:t>6.12.2022</a:t>
+            </a:fld>
+            <a:endParaRPr lang="en-GB" sz="900" b="0" strike="noStrike" spc="-1">
+              <a:solidFill>
+                <a:srgbClr val="000000"/>
+              </a:solidFill>
+              <a:latin typeface="Times New Roman"/>
+            </a:endParaRPr>
+          </a:p>
+        </p:txBody>
+      </p:sp>
+      <p:sp>
+        <p:nvSpPr>
+          <p:cNvPr id="141" name="PlaceHolder 4"/>
+          <p:cNvSpPr>
+            <a:spLocks noGrp="1"/>
+          </p:cNvSpPr>
+          <p:nvPr>
+            <p:ph type="sldNum" idx="25"/>
+          </p:nvPr>
+        </p:nvSpPr>
+        <p:spPr>
+          <a:xfrm>
+            <a:off x="6418800" y="6297480"/>
+            <a:ext cx="4702320" cy="161640"/>
+          </a:xfrm>
+          <a:prstGeom prst="rect">
+            <a:avLst/>
+          </a:prstGeom>
+          <a:noFill/>
+          <a:ln w="0">
+            <a:noFill/>
+          </a:ln>
+        </p:spPr>
+        <p:txBody>
+          <a:bodyPr rIns="0" anchor="ctr">
+            <a:noAutofit/>
+          </a:bodyPr>
+          <a:lstStyle>
+            <a:lvl1pPr indent="0" algn="r">
+              <a:lnSpc>
+                <a:spcPct val="100000"/>
+              </a:lnSpc>
+              <a:buNone/>
+              <a:defRPr lang="fi-FI" sz="900" b="0" strike="noStrike" spc="-1">
+                <a:solidFill>
+                  <a:srgbClr val="8B8B8B"/>
+                </a:solidFill>
+                <a:latin typeface="Arial"/>
+                <a:ea typeface="ＭＳ Ｐゴシック"/>
+              </a:defRPr>
+            </a:lvl1pPr>
+          </a:lstStyle>
+          <a:p>
+            <a:pPr indent="0" algn="r">
+              <a:lnSpc>
+                <a:spcPct val="100000"/>
+              </a:lnSpc>
+              <a:buNone/>
+            </a:pPr>
+            <a:fld id="{76B7A404-D330-40B3-92D3-484EE3208746}" type="slidenum">
+              <a:rPr lang="fi-FI" sz="900" b="0" strike="noStrike" spc="-1">
+                <a:solidFill>
+                  <a:srgbClr val="8B8B8B"/>
+                </a:solidFill>
+                <a:latin typeface="Arial"/>
+                <a:ea typeface="ＭＳ Ｐゴシック"/>
+              </a:rPr>
+              <a:t>7</a:t>
+            </a:fld>
+            <a:endParaRPr lang="en-GB" sz="900" b="0" strike="noStrike" spc="-1">
+              <a:solidFill>
+                <a:srgbClr val="000000"/>
+              </a:solidFill>
+              <a:latin typeface="Times New Roman"/>
+            </a:endParaRPr>
+          </a:p>
+        </p:txBody>
+      </p:sp>
+      <p:pic>
+        <p:nvPicPr>
+          <p:cNvPr id="5" name="Picture 4">
+            <a:extLst>
+              <a:ext uri="{FF2B5EF4-FFF2-40B4-BE49-F238E27FC236}">
+                <a16:creationId xmlns:a16="http://schemas.microsoft.com/office/drawing/2014/main" id="{42775773-55DF-0865-3499-14CED9805846}"/>
+              </a:ext>
+            </a:extLst>
+          </p:cNvPr>
+          <p:cNvPicPr>
+            <a:picLocks noChangeAspect="1"/>
+          </p:cNvPicPr>
+          <p:nvPr/>
+        </p:nvPicPr>
+        <p:blipFill>
+          <a:blip r:embed="rId2"/>
+          <a:stretch>
+            <a:fillRect/>
+          </a:stretch>
+        </p:blipFill>
+        <p:spPr>
+          <a:xfrm>
+            <a:off x="7165298" y="1690291"/>
+            <a:ext cx="4572000" cy="1618158"/>
+          </a:xfrm>
+          <a:prstGeom prst="rect">
+            <a:avLst/>
+          </a:prstGeom>
+        </p:spPr>
+      </p:pic>
+      <p:pic>
+        <p:nvPicPr>
+          <p:cNvPr id="7" name="Picture 6">
+            <a:extLst>
+              <a:ext uri="{FF2B5EF4-FFF2-40B4-BE49-F238E27FC236}">
+                <a16:creationId xmlns:a16="http://schemas.microsoft.com/office/drawing/2014/main" id="{68C213EE-EC42-CC28-8F9D-CEE083045563}"/>
+              </a:ext>
+            </a:extLst>
+          </p:cNvPr>
+          <p:cNvPicPr>
+            <a:picLocks noChangeAspect="1"/>
+          </p:cNvPicPr>
+          <p:nvPr/>
+        </p:nvPicPr>
+        <p:blipFill>
+          <a:blip r:embed="rId3"/>
+          <a:stretch>
+            <a:fillRect/>
+          </a:stretch>
+        </p:blipFill>
+        <p:spPr>
+          <a:xfrm>
+            <a:off x="7165298" y="3308448"/>
+            <a:ext cx="4572000" cy="1641436"/>
+          </a:xfrm>
+          <a:prstGeom prst="rect">
+            <a:avLst/>
+          </a:prstGeom>
+        </p:spPr>
+      </p:pic>
+      <p:pic>
+        <p:nvPicPr>
+          <p:cNvPr id="9" name="Picture 8">
+            <a:extLst>
+              <a:ext uri="{FF2B5EF4-FFF2-40B4-BE49-F238E27FC236}">
+                <a16:creationId xmlns:a16="http://schemas.microsoft.com/office/drawing/2014/main" id="{58282EA4-D9D0-10C9-0B5F-B6E8D3C093C8}"/>
+              </a:ext>
+            </a:extLst>
+          </p:cNvPr>
+          <p:cNvPicPr>
+            <a:picLocks noChangeAspect="1"/>
+          </p:cNvPicPr>
+          <p:nvPr/>
+        </p:nvPicPr>
+        <p:blipFill>
+          <a:blip r:embed="rId4"/>
+          <a:stretch>
+            <a:fillRect/>
+          </a:stretch>
+        </p:blipFill>
+        <p:spPr>
+          <a:xfrm>
+            <a:off x="179882" y="1683944"/>
+            <a:ext cx="6985416" cy="3270664"/>
+          </a:xfrm>
+          <a:prstGeom prst="rect">
+            <a:avLst/>
+          </a:prstGeom>
+        </p:spPr>
+      </p:pic>
+    </p:spTree>
+    <p:extLst>
+      <p:ext uri="{BB962C8B-B14F-4D97-AF65-F5344CB8AC3E}">
+        <p14:creationId xmlns:p14="http://schemas.microsoft.com/office/powerpoint/2010/main" val="1505653956"/>
+      </p:ext>
+    </p:extLst>
+  </p:cSld>
+  <p:clrMapOvr>
+    <a:masterClrMapping/>
+  </p:clrMapOvr>
+</p:sld>
+</file>
+
+<file path=ppt/slides/slide8.xml><?xml version="1.0" encoding="utf-8"?>
+<p:sld xmlns:a="http://schemas.openxmlformats.org/drawingml/2006/main" xmlns:r="http://schemas.openxmlformats.org/officeDocument/2006/relationships" xmlns:p="http://schemas.openxmlformats.org/presentationml/2006/main">
+  <p:cSld>
+    <p:spTree>
+      <p:nvGrpSpPr>
+        <p:cNvPr id="1" name=""/>
+        <p:cNvGrpSpPr/>
+        <p:nvPr/>
+      </p:nvGrpSpPr>
+      <p:grpSpPr>
+        <a:xfrm>
+          <a:off x="0" y="0"/>
+          <a:ext cx="0" cy="0"/>
+          <a:chOff x="0" y="0"/>
+          <a:chExt cx="0" cy="0"/>
+        </a:xfrm>
+      </p:grpSpPr>
+      <p:sp>
+        <p:nvSpPr>
+          <p:cNvPr id="138" name="PlaceHolder 1"/>
+          <p:cNvSpPr>
+            <a:spLocks noGrp="1"/>
+          </p:cNvSpPr>
+          <p:nvPr>
+            <p:ph type="title"/>
+          </p:nvPr>
+        </p:nvSpPr>
+        <p:spPr>
+          <a:xfrm>
+            <a:off x="687845" y="119157"/>
+            <a:ext cx="10505160" cy="698412"/>
+          </a:xfrm>
+          <a:prstGeom prst="rect">
+            <a:avLst/>
+          </a:prstGeom>
+          <a:noFill/>
+          <a:ln w="0">
+            <a:noFill/>
+          </a:ln>
+        </p:spPr>
+        <p:txBody>
+          <a:bodyPr lIns="0" tIns="0" rIns="0" bIns="0" anchor="t">
+            <a:noAutofit/>
+          </a:bodyPr>
+          <a:lstStyle/>
+          <a:p>
+            <a:pPr indent="0">
+              <a:lnSpc>
+                <a:spcPct val="85000"/>
+              </a:lnSpc>
+              <a:buNone/>
+            </a:pPr>
+            <a:r>
+              <a:rPr lang="en-US" sz="3600" b="1" strike="noStrike" spc="-100" dirty="0">
+                <a:solidFill>
+                  <a:srgbClr val="0065BD"/>
+                </a:solidFill>
+                <a:latin typeface="Arial"/>
+                <a:ea typeface="ＭＳ Ｐゴシック"/>
+              </a:rPr>
+              <a:t>/var/log/syslog </a:t>
+            </a:r>
+            <a:r>
+              <a:rPr lang="en-US" altLang="zh-CN" sz="3600" b="1" strike="noStrike" spc="-100" dirty="0">
+                <a:solidFill>
+                  <a:srgbClr val="0065BD"/>
+                </a:solidFill>
+                <a:latin typeface="Arial"/>
+                <a:ea typeface="ＭＳ Ｐゴシック"/>
+              </a:rPr>
+              <a:t>that shows the auth process</a:t>
+            </a:r>
+            <a:endParaRPr lang="en-US" sz="3600" b="0" strike="noStrike" spc="-1" dirty="0">
+              <a:solidFill>
+                <a:srgbClr val="000000"/>
+              </a:solidFill>
+              <a:latin typeface="Arial"/>
+            </a:endParaRPr>
+          </a:p>
+        </p:txBody>
+      </p:sp>
+      <p:sp>
+        <p:nvSpPr>
+          <p:cNvPr id="140" name="PlaceHolder 3"/>
+          <p:cNvSpPr>
+            <a:spLocks noGrp="1"/>
+          </p:cNvSpPr>
+          <p:nvPr>
+            <p:ph type="dt" idx="24"/>
+          </p:nvPr>
+        </p:nvSpPr>
+        <p:spPr>
+          <a:xfrm>
+            <a:off x="6418800" y="6111720"/>
+            <a:ext cx="4702320" cy="185400"/>
+          </a:xfrm>
+          <a:prstGeom prst="rect">
+            <a:avLst/>
+          </a:prstGeom>
+          <a:noFill/>
+          <a:ln w="0">
+            <a:noFill/>
+          </a:ln>
+        </p:spPr>
+        <p:txBody>
+          <a:bodyPr rIns="0" anchor="ctr">
+            <a:noAutofit/>
+          </a:bodyPr>
+          <a:lstStyle>
+            <a:lvl1pPr indent="0" algn="r">
+              <a:lnSpc>
+                <a:spcPct val="100000"/>
+              </a:lnSpc>
+              <a:buNone/>
+              <a:defRPr lang="fi-FI" sz="900" b="0" strike="noStrike" spc="-1">
+                <a:solidFill>
+                  <a:srgbClr val="8B8B8B"/>
+                </a:solidFill>
+                <a:latin typeface="Arial"/>
+                <a:ea typeface="ＭＳ Ｐゴシック"/>
+              </a:defRPr>
+            </a:lvl1pPr>
+          </a:lstStyle>
+          <a:p>
+            <a:pPr indent="0" algn="r">
+              <a:lnSpc>
+                <a:spcPct val="100000"/>
+              </a:lnSpc>
+              <a:buNone/>
+            </a:pPr>
+            <a:fld id="{76D9D6F8-90AB-433B-A6F7-A114AF302573}" type="datetime1">
+              <a:rPr lang="fi-FI" sz="900" b="0" strike="noStrike" spc="-1">
+                <a:solidFill>
+                  <a:srgbClr val="8B8B8B"/>
+                </a:solidFill>
+                <a:latin typeface="Arial"/>
+                <a:ea typeface="ＭＳ Ｐゴシック"/>
+              </a:rPr>
+              <a:t>6.12.2022</a:t>
+            </a:fld>
+            <a:endParaRPr lang="en-GB" sz="900" b="0" strike="noStrike" spc="-1">
+              <a:solidFill>
+                <a:srgbClr val="000000"/>
+              </a:solidFill>
+              <a:latin typeface="Times New Roman"/>
+            </a:endParaRPr>
+          </a:p>
+        </p:txBody>
+      </p:sp>
+      <p:sp>
+        <p:nvSpPr>
+          <p:cNvPr id="141" name="PlaceHolder 4"/>
+          <p:cNvSpPr>
+            <a:spLocks noGrp="1"/>
+          </p:cNvSpPr>
+          <p:nvPr>
+            <p:ph type="sldNum" idx="25"/>
+          </p:nvPr>
+        </p:nvSpPr>
+        <p:spPr>
+          <a:xfrm>
+            <a:off x="6418800" y="6297480"/>
+            <a:ext cx="4702320" cy="161640"/>
+          </a:xfrm>
+          <a:prstGeom prst="rect">
+            <a:avLst/>
+          </a:prstGeom>
+          <a:noFill/>
+          <a:ln w="0">
+            <a:noFill/>
+          </a:ln>
+        </p:spPr>
+        <p:txBody>
+          <a:bodyPr rIns="0" anchor="ctr">
+            <a:noAutofit/>
+          </a:bodyPr>
+          <a:lstStyle>
+            <a:lvl1pPr indent="0" algn="r">
+              <a:lnSpc>
+                <a:spcPct val="100000"/>
+              </a:lnSpc>
+              <a:buNone/>
+              <a:defRPr lang="fi-FI" sz="900" b="0" strike="noStrike" spc="-1">
+                <a:solidFill>
+                  <a:srgbClr val="8B8B8B"/>
+                </a:solidFill>
+                <a:latin typeface="Arial"/>
+                <a:ea typeface="ＭＳ Ｐゴシック"/>
+              </a:defRPr>
+            </a:lvl1pPr>
+          </a:lstStyle>
+          <a:p>
+            <a:pPr indent="0" algn="r">
+              <a:lnSpc>
+                <a:spcPct val="100000"/>
+              </a:lnSpc>
+              <a:buNone/>
+            </a:pPr>
+            <a:fld id="{76B7A404-D330-40B3-92D3-484EE3208746}" type="slidenum">
+              <a:rPr lang="fi-FI" sz="900" b="0" strike="noStrike" spc="-1">
+                <a:solidFill>
+                  <a:srgbClr val="8B8B8B"/>
+                </a:solidFill>
+                <a:latin typeface="Arial"/>
+                <a:ea typeface="ＭＳ Ｐゴシック"/>
+              </a:rPr>
+              <a:t>8</a:t>
+            </a:fld>
+            <a:endParaRPr lang="en-GB" sz="900" b="0" strike="noStrike" spc="-1">
+              <a:solidFill>
+                <a:srgbClr val="000000"/>
+              </a:solidFill>
+              <a:latin typeface="Times New Roman"/>
+            </a:endParaRPr>
+          </a:p>
+        </p:txBody>
+      </p:sp>
+      <p:pic>
+        <p:nvPicPr>
+          <p:cNvPr id="3" name="Picture 2">
+            <a:extLst>
+              <a:ext uri="{FF2B5EF4-FFF2-40B4-BE49-F238E27FC236}">
+                <a16:creationId xmlns:a16="http://schemas.microsoft.com/office/drawing/2014/main" id="{736509D7-2764-0ADC-A2CA-5DA108A39C9C}"/>
+              </a:ext>
+            </a:extLst>
+          </p:cNvPr>
+          <p:cNvPicPr>
+            <a:picLocks noChangeAspect="1"/>
+          </p:cNvPicPr>
+          <p:nvPr/>
+        </p:nvPicPr>
+        <p:blipFill>
+          <a:blip r:embed="rId2"/>
+          <a:stretch>
+            <a:fillRect/>
+          </a:stretch>
+        </p:blipFill>
+        <p:spPr>
+          <a:xfrm>
+            <a:off x="2016748" y="616555"/>
+            <a:ext cx="7847351" cy="1209069"/>
+          </a:xfrm>
+          <a:prstGeom prst="rect">
+            <a:avLst/>
+          </a:prstGeom>
+        </p:spPr>
+      </p:pic>
+      <p:pic>
+        <p:nvPicPr>
+          <p:cNvPr id="5" name="Picture 4">
+            <a:extLst>
+              <a:ext uri="{FF2B5EF4-FFF2-40B4-BE49-F238E27FC236}">
+                <a16:creationId xmlns:a16="http://schemas.microsoft.com/office/drawing/2014/main" id="{2940A346-4FC6-55FD-03A9-3B2DB0292EA7}"/>
+              </a:ext>
+            </a:extLst>
+          </p:cNvPr>
+          <p:cNvPicPr>
+            <a:picLocks noChangeAspect="1"/>
+          </p:cNvPicPr>
+          <p:nvPr/>
+        </p:nvPicPr>
+        <p:blipFill>
+          <a:blip r:embed="rId3"/>
+          <a:stretch>
+            <a:fillRect/>
+          </a:stretch>
+        </p:blipFill>
+        <p:spPr>
+          <a:xfrm>
+            <a:off x="2016749" y="1825624"/>
+            <a:ext cx="7847351" cy="3914318"/>
+          </a:xfrm>
+          <a:prstGeom prst="rect">
+            <a:avLst/>
+          </a:prstGeom>
+        </p:spPr>
+      </p:pic>
+    </p:spTree>
+    <p:extLst>
+      <p:ext uri="{BB962C8B-B14F-4D97-AF65-F5344CB8AC3E}">
+        <p14:creationId xmlns:p14="http://schemas.microsoft.com/office/powerpoint/2010/main" val="438651729"/>
+      </p:ext>
+    </p:extLst>
+  </p:cSld>
+  <p:clrMapOvr>
+    <a:masterClrMapping/>
+  </p:clrMapOvr>
+</p:sld>
+</file>
+
+<file path=ppt/slides/slide9.xml><?xml version="1.0" encoding="utf-8"?>
+<p:sld xmlns:a="http://schemas.openxmlformats.org/drawingml/2006/main" xmlns:r="http://schemas.openxmlformats.org/officeDocument/2006/relationships" xmlns:p="http://schemas.openxmlformats.org/presentationml/2006/main">
+  <p:cSld>
+    <p:spTree>
+      <p:nvGrpSpPr>
+        <p:cNvPr id="1" name=""/>
+        <p:cNvGrpSpPr/>
+        <p:nvPr/>
+      </p:nvGrpSpPr>
+      <p:grpSpPr>
+        <a:xfrm>
+          <a:off x="0" y="0"/>
+          <a:ext cx="0" cy="0"/>
+          <a:chOff x="0" y="0"/>
+          <a:chExt cx="0" cy="0"/>
+        </a:xfrm>
+      </p:grpSpPr>
+      <p:sp>
+        <p:nvSpPr>
+          <p:cNvPr id="138" name="PlaceHolder 1"/>
+          <p:cNvSpPr>
+            <a:spLocks noGrp="1"/>
+          </p:cNvSpPr>
+          <p:nvPr>
+            <p:ph type="title"/>
+          </p:nvPr>
+        </p:nvSpPr>
+        <p:spPr>
+          <a:xfrm>
+            <a:off x="687845" y="119157"/>
+            <a:ext cx="10505160" cy="698412"/>
+          </a:xfrm>
+          <a:prstGeom prst="rect">
+            <a:avLst/>
+          </a:prstGeom>
+          <a:noFill/>
+          <a:ln w="0">
+            <a:noFill/>
+          </a:ln>
+        </p:spPr>
+        <p:txBody>
+          <a:bodyPr lIns="0" tIns="0" rIns="0" bIns="0" anchor="t">
+            <a:noAutofit/>
+          </a:bodyPr>
+          <a:lstStyle/>
+          <a:p>
+            <a:pPr indent="0">
+              <a:lnSpc>
+                <a:spcPct val="85000"/>
+              </a:lnSpc>
+              <a:buNone/>
+            </a:pPr>
+            <a:r>
+              <a:rPr lang="en-US" altLang="zh-CN" sz="3600" b="1" strike="noStrike" spc="-100" dirty="0">
+                <a:solidFill>
+                  <a:srgbClr val="0065BD"/>
+                </a:solidFill>
+                <a:latin typeface="Arial"/>
+                <a:ea typeface="ＭＳ Ｐゴシック"/>
+              </a:rPr>
+              <a:t>/var/log/syslog that shows the auth process</a:t>
+            </a:r>
+            <a:endParaRPr lang="en-US" sz="3600" b="0" strike="noStrike" spc="-1" dirty="0">
+              <a:solidFill>
+                <a:srgbClr val="000000"/>
+              </a:solidFill>
+              <a:latin typeface="Arial"/>
+            </a:endParaRPr>
+          </a:p>
+        </p:txBody>
+      </p:sp>
+      <p:sp>
+        <p:nvSpPr>
+          <p:cNvPr id="140" name="PlaceHolder 3"/>
+          <p:cNvSpPr>
+            <a:spLocks noGrp="1"/>
+          </p:cNvSpPr>
+          <p:nvPr>
+            <p:ph type="dt" idx="24"/>
+          </p:nvPr>
+        </p:nvSpPr>
+        <p:spPr>
+          <a:xfrm>
+            <a:off x="6418800" y="6111720"/>
+            <a:ext cx="4702320" cy="185400"/>
+          </a:xfrm>
+          <a:prstGeom prst="rect">
+            <a:avLst/>
+          </a:prstGeom>
+          <a:noFill/>
+          <a:ln w="0">
+            <a:noFill/>
+          </a:ln>
+        </p:spPr>
+        <p:txBody>
+          <a:bodyPr rIns="0" anchor="ctr">
+            <a:noAutofit/>
+          </a:bodyPr>
+          <a:lstStyle>
+            <a:lvl1pPr indent="0" algn="r">
+              <a:lnSpc>
+                <a:spcPct val="100000"/>
+              </a:lnSpc>
+              <a:buNone/>
+              <a:defRPr lang="fi-FI" sz="900" b="0" strike="noStrike" spc="-1">
+                <a:solidFill>
+                  <a:srgbClr val="8B8B8B"/>
+                </a:solidFill>
+                <a:latin typeface="Arial"/>
+                <a:ea typeface="ＭＳ Ｐゴシック"/>
+              </a:defRPr>
+            </a:lvl1pPr>
+          </a:lstStyle>
+          <a:p>
+            <a:pPr indent="0" algn="r">
+              <a:lnSpc>
+                <a:spcPct val="100000"/>
+              </a:lnSpc>
+              <a:buNone/>
+            </a:pPr>
+            <a:fld id="{76D9D6F8-90AB-433B-A6F7-A114AF302573}" type="datetime1">
+              <a:rPr lang="fi-FI" sz="900" b="0" strike="noStrike" spc="-1">
+                <a:solidFill>
+                  <a:srgbClr val="8B8B8B"/>
+                </a:solidFill>
+                <a:latin typeface="Arial"/>
+                <a:ea typeface="ＭＳ Ｐゴシック"/>
+              </a:rPr>
+              <a:t>6.12.2022</a:t>
+            </a:fld>
+            <a:endParaRPr lang="en-GB" sz="900" b="0" strike="noStrike" spc="-1">
+              <a:solidFill>
+                <a:srgbClr val="000000"/>
+              </a:solidFill>
+              <a:latin typeface="Times New Roman"/>
+            </a:endParaRPr>
+          </a:p>
+        </p:txBody>
+      </p:sp>
+      <p:sp>
+        <p:nvSpPr>
+          <p:cNvPr id="141" name="PlaceHolder 4"/>
+          <p:cNvSpPr>
+            <a:spLocks noGrp="1"/>
+          </p:cNvSpPr>
+          <p:nvPr>
+            <p:ph type="sldNum" idx="25"/>
+          </p:nvPr>
+        </p:nvSpPr>
+        <p:spPr>
+          <a:xfrm>
+            <a:off x="6418800" y="6297480"/>
+            <a:ext cx="4702320" cy="161640"/>
+          </a:xfrm>
+          <a:prstGeom prst="rect">
+            <a:avLst/>
+          </a:prstGeom>
+          <a:noFill/>
+          <a:ln w="0">
+            <a:noFill/>
+          </a:ln>
+        </p:spPr>
+        <p:txBody>
+          <a:bodyPr rIns="0" anchor="ctr">
+            <a:noAutofit/>
+          </a:bodyPr>
+          <a:lstStyle>
+            <a:lvl1pPr indent="0" algn="r">
+              <a:lnSpc>
+                <a:spcPct val="100000"/>
+              </a:lnSpc>
+              <a:buNone/>
+              <a:defRPr lang="fi-FI" sz="900" b="0" strike="noStrike" spc="-1">
+                <a:solidFill>
+                  <a:srgbClr val="8B8B8B"/>
+                </a:solidFill>
+                <a:latin typeface="Arial"/>
+                <a:ea typeface="ＭＳ Ｐゴシック"/>
+              </a:defRPr>
+            </a:lvl1pPr>
+          </a:lstStyle>
+          <a:p>
+            <a:pPr indent="0" algn="r">
+              <a:lnSpc>
+                <a:spcPct val="100000"/>
+              </a:lnSpc>
+              <a:buNone/>
+            </a:pPr>
+            <a:fld id="{76B7A404-D330-40B3-92D3-484EE3208746}" type="slidenum">
+              <a:rPr lang="fi-FI" sz="900" b="0" strike="noStrike" spc="-1">
+                <a:solidFill>
+                  <a:srgbClr val="8B8B8B"/>
+                </a:solidFill>
+                <a:latin typeface="Arial"/>
+                <a:ea typeface="ＭＳ Ｐゴシック"/>
+              </a:rPr>
+              <a:t>9</a:t>
+            </a:fld>
+            <a:endParaRPr lang="en-GB" sz="900" b="0" strike="noStrike" spc="-1">
+              <a:solidFill>
+                <a:srgbClr val="000000"/>
+              </a:solidFill>
+              <a:latin typeface="Times New Roman"/>
+            </a:endParaRPr>
+          </a:p>
+        </p:txBody>
+      </p:sp>
+      <p:pic>
+        <p:nvPicPr>
+          <p:cNvPr id="4" name="Picture 3">
+            <a:extLst>
+              <a:ext uri="{FF2B5EF4-FFF2-40B4-BE49-F238E27FC236}">
+                <a16:creationId xmlns:a16="http://schemas.microsoft.com/office/drawing/2014/main" id="{CB561BD0-89DF-EB4C-7CEC-8E04686CAB01}"/>
+              </a:ext>
+            </a:extLst>
+          </p:cNvPr>
+          <p:cNvPicPr>
+            <a:picLocks noChangeAspect="1"/>
+          </p:cNvPicPr>
+          <p:nvPr/>
+        </p:nvPicPr>
+        <p:blipFill>
+          <a:blip r:embed="rId2"/>
+          <a:stretch>
+            <a:fillRect/>
+          </a:stretch>
+        </p:blipFill>
+        <p:spPr>
+          <a:xfrm>
+            <a:off x="828670" y="583365"/>
+            <a:ext cx="10292450" cy="5160582"/>
+          </a:xfrm>
+          <a:prstGeom prst="rect">
+            <a:avLst/>
+          </a:prstGeom>
+        </p:spPr>
+      </p:pic>
+    </p:spTree>
+    <p:extLst>
+      <p:ext uri="{BB962C8B-B14F-4D97-AF65-F5344CB8AC3E}">
+        <p14:creationId xmlns:p14="http://schemas.microsoft.com/office/powerpoint/2010/main" val="35294710"/>
+      </p:ext>
+    </p:extLst>
   </p:cSld>
   <p:clrMapOvr>
     <a:masterClrMapping/>

--- a/slides.pptx
+++ b/slides.pptx
@@ -6877,10 +6877,10 @@
       </p:sp>
       <p:pic>
         <p:nvPicPr>
-          <p:cNvPr id="3" name="Picture 2">
+          <p:cNvPr id="4" name="Picture 3">
             <a:extLst>
               <a:ext uri="{FF2B5EF4-FFF2-40B4-BE49-F238E27FC236}">
-                <a16:creationId xmlns:a16="http://schemas.microsoft.com/office/drawing/2014/main" id="{72E72DC2-94D1-70E1-C900-B3DE9E04D25F}"/>
+                <a16:creationId xmlns:a16="http://schemas.microsoft.com/office/drawing/2014/main" id="{5C79F5F5-0C3F-9B83-1689-8C9ABD0C7A32}"/>
               </a:ext>
             </a:extLst>
           </p:cNvPr>
@@ -6897,8 +6897,8 @@
         </p:blipFill>
         <p:spPr>
           <a:xfrm>
-            <a:off x="4314" y="1341360"/>
-            <a:ext cx="5943606" cy="3831120"/>
+            <a:off x="3108612" y="766976"/>
+            <a:ext cx="5691216" cy="1578060"/>
           </a:xfrm>
           <a:prstGeom prst="rect">
             <a:avLst/>
@@ -6907,10 +6907,10 @@
       </p:pic>
       <p:pic>
         <p:nvPicPr>
-          <p:cNvPr id="13" name="Picture 12">
+          <p:cNvPr id="6" name="Picture 5">
             <a:extLst>
               <a:ext uri="{FF2B5EF4-FFF2-40B4-BE49-F238E27FC236}">
-                <a16:creationId xmlns:a16="http://schemas.microsoft.com/office/drawing/2014/main" id="{AB9F1F52-B8AA-7FC5-AC4D-7B1A807C42C7}"/>
+                <a16:creationId xmlns:a16="http://schemas.microsoft.com/office/drawing/2014/main" id="{0E097F0C-DAB4-AAD3-487B-800417449319}"/>
               </a:ext>
             </a:extLst>
           </p:cNvPr>
@@ -6927,8 +6927,8 @@
         </p:blipFill>
         <p:spPr>
           <a:xfrm>
-            <a:off x="5937244" y="4253037"/>
-            <a:ext cx="5931626" cy="919443"/>
+            <a:off x="3108612" y="2345036"/>
+            <a:ext cx="5691216" cy="767578"/>
           </a:xfrm>
           <a:prstGeom prst="rect">
             <a:avLst/>
@@ -6937,10 +6937,10 @@
       </p:pic>
       <p:pic>
         <p:nvPicPr>
-          <p:cNvPr id="15" name="Picture 14">
+          <p:cNvPr id="8" name="Picture 7">
             <a:extLst>
               <a:ext uri="{FF2B5EF4-FFF2-40B4-BE49-F238E27FC236}">
-                <a16:creationId xmlns:a16="http://schemas.microsoft.com/office/drawing/2014/main" id="{00E6D9AF-B26D-6B13-49E8-D85D202A8BFA}"/>
+                <a16:creationId xmlns:a16="http://schemas.microsoft.com/office/drawing/2014/main" id="{5247FE1B-5C6A-4BB6-9F82-4DC15199910C}"/>
               </a:ext>
             </a:extLst>
           </p:cNvPr>
@@ -6957,8 +6957,8 @@
         </p:blipFill>
         <p:spPr>
           <a:xfrm>
-            <a:off x="5925264" y="3282808"/>
-            <a:ext cx="5943606" cy="970049"/>
+            <a:off x="3115711" y="3109453"/>
+            <a:ext cx="5687239" cy="776075"/>
           </a:xfrm>
           <a:prstGeom prst="rect">
             <a:avLst/>
@@ -6967,10 +6967,10 @@
       </p:pic>
       <p:pic>
         <p:nvPicPr>
-          <p:cNvPr id="17" name="Picture 16">
+          <p:cNvPr id="10" name="Picture 9">
             <a:extLst>
               <a:ext uri="{FF2B5EF4-FFF2-40B4-BE49-F238E27FC236}">
-                <a16:creationId xmlns:a16="http://schemas.microsoft.com/office/drawing/2014/main" id="{43159C67-6A9A-9AA4-A546-1853950D6660}"/>
+                <a16:creationId xmlns:a16="http://schemas.microsoft.com/office/drawing/2014/main" id="{2B2EF03A-0601-6246-A08E-EE685CC7BC85}"/>
               </a:ext>
             </a:extLst>
           </p:cNvPr>
@@ -6987,8 +6987,8 @@
         </p:blipFill>
         <p:spPr>
           <a:xfrm>
-            <a:off x="5932759" y="2308137"/>
-            <a:ext cx="5940425" cy="974312"/>
+            <a:off x="3115711" y="3885425"/>
+            <a:ext cx="5691216" cy="779510"/>
           </a:xfrm>
           <a:prstGeom prst="rect">
             <a:avLst/>
@@ -6997,10 +6997,10 @@
       </p:pic>
       <p:pic>
         <p:nvPicPr>
-          <p:cNvPr id="19" name="Picture 18">
+          <p:cNvPr id="12" name="Picture 11">
             <a:extLst>
               <a:ext uri="{FF2B5EF4-FFF2-40B4-BE49-F238E27FC236}">
-                <a16:creationId xmlns:a16="http://schemas.microsoft.com/office/drawing/2014/main" id="{5FE4D3F5-B5C1-6A40-BD65-8A03A16D8DB8}"/>
+                <a16:creationId xmlns:a16="http://schemas.microsoft.com/office/drawing/2014/main" id="{B5129BCC-D650-2E4E-DF60-8CE4279C324C}"/>
               </a:ext>
             </a:extLst>
           </p:cNvPr>
@@ -7017,8 +7017,8 @@
         </p:blipFill>
         <p:spPr>
           <a:xfrm>
-            <a:off x="5944739" y="1344929"/>
-            <a:ext cx="5928445" cy="1000323"/>
+            <a:off x="3123206" y="4662601"/>
+            <a:ext cx="5687239" cy="747693"/>
           </a:xfrm>
           <a:prstGeom prst="rect">
             <a:avLst/>
@@ -7870,38 +7870,8 @@
         </p:blipFill>
         <p:spPr>
           <a:xfrm>
-            <a:off x="2333792" y="3160667"/>
-            <a:ext cx="7213262" cy="865289"/>
-          </a:xfrm>
-          <a:prstGeom prst="rect">
-            <a:avLst/>
-          </a:prstGeom>
-        </p:spPr>
-      </p:pic>
-      <p:pic>
-        <p:nvPicPr>
-          <p:cNvPr id="11" name="Picture 10">
-            <a:extLst>
-              <a:ext uri="{FF2B5EF4-FFF2-40B4-BE49-F238E27FC236}">
-                <a16:creationId xmlns:a16="http://schemas.microsoft.com/office/drawing/2014/main" id="{69CCBEC3-76BC-2CAA-E4FD-8B29814A59A5}"/>
-              </a:ext>
-            </a:extLst>
-          </p:cNvPr>
-          <p:cNvPicPr>
-            <a:picLocks noChangeAspect="1"/>
-          </p:cNvPicPr>
-          <p:nvPr/>
-        </p:nvPicPr>
-        <p:blipFill>
-          <a:blip r:embed="rId3"/>
-          <a:stretch>
-            <a:fillRect/>
-          </a:stretch>
-        </p:blipFill>
-        <p:spPr>
-          <a:xfrm>
-            <a:off x="2333792" y="865281"/>
-            <a:ext cx="7213266" cy="2299882"/>
+            <a:off x="3170454" y="3839924"/>
+            <a:ext cx="7295391" cy="875141"/>
           </a:xfrm>
           <a:prstGeom prst="rect">
             <a:avLst/>
@@ -7923,6 +7893,36 @@
           <p:nvPr/>
         </p:nvPicPr>
         <p:blipFill>
+          <a:blip r:embed="rId3"/>
+          <a:stretch>
+            <a:fillRect/>
+          </a:stretch>
+        </p:blipFill>
+        <p:spPr>
+          <a:xfrm>
+            <a:off x="3170455" y="4710601"/>
+            <a:ext cx="7295396" cy="1713934"/>
+          </a:xfrm>
+          <a:prstGeom prst="rect">
+            <a:avLst/>
+          </a:prstGeom>
+        </p:spPr>
+      </p:pic>
+      <p:pic>
+        <p:nvPicPr>
+          <p:cNvPr id="14" name="Picture 13">
+            <a:extLst>
+              <a:ext uri="{FF2B5EF4-FFF2-40B4-BE49-F238E27FC236}">
+                <a16:creationId xmlns:a16="http://schemas.microsoft.com/office/drawing/2014/main" id="{AE73447D-5588-9642-812A-D55B420968AE}"/>
+              </a:ext>
+            </a:extLst>
+          </p:cNvPr>
+          <p:cNvPicPr>
+            <a:picLocks noChangeAspect="1"/>
+          </p:cNvPicPr>
+          <p:nvPr/>
+        </p:nvPicPr>
+        <p:blipFill>
           <a:blip r:embed="rId4"/>
           <a:stretch>
             <a:fillRect/>
@@ -7930,8 +7930,8 @@
         </p:blipFill>
         <p:spPr>
           <a:xfrm>
-            <a:off x="2333790" y="4003364"/>
-            <a:ext cx="7213265" cy="1694638"/>
+            <a:off x="3170455" y="891922"/>
+            <a:ext cx="7295392" cy="2953218"/>
           </a:xfrm>
           <a:prstGeom prst="rect">
             <a:avLst/>
@@ -8210,38 +8210,8 @@
         </p:blipFill>
         <p:spPr>
           <a:xfrm>
-            <a:off x="2304381" y="4047142"/>
-            <a:ext cx="7272084" cy="1706071"/>
-          </a:xfrm>
-          <a:prstGeom prst="rect">
-            <a:avLst/>
-          </a:prstGeom>
-        </p:spPr>
-      </p:pic>
-      <p:pic>
-        <p:nvPicPr>
-          <p:cNvPr id="5" name="Picture 4">
-            <a:extLst>
-              <a:ext uri="{FF2B5EF4-FFF2-40B4-BE49-F238E27FC236}">
-                <a16:creationId xmlns:a16="http://schemas.microsoft.com/office/drawing/2014/main" id="{FFDBAC27-775F-2658-9715-C732CDE58FC5}"/>
-              </a:ext>
-            </a:extLst>
-          </p:cNvPr>
-          <p:cNvPicPr>
-            <a:picLocks noChangeAspect="1"/>
-          </p:cNvPicPr>
-          <p:nvPr/>
-        </p:nvPicPr>
-        <p:blipFill>
-          <a:blip r:embed="rId3"/>
-          <a:stretch>
-            <a:fillRect/>
-          </a:stretch>
-        </p:blipFill>
-        <p:spPr>
-          <a:xfrm>
-            <a:off x="2304383" y="845836"/>
-            <a:ext cx="7272084" cy="2312241"/>
+            <a:off x="3188798" y="4677885"/>
+            <a:ext cx="7236861" cy="1697807"/>
           </a:xfrm>
           <a:prstGeom prst="rect">
             <a:avLst/>
@@ -8263,6 +8233,36 @@
           <p:nvPr/>
         </p:nvPicPr>
         <p:blipFill>
+          <a:blip r:embed="rId3"/>
+          <a:stretch>
+            <a:fillRect/>
+          </a:stretch>
+        </p:blipFill>
+        <p:spPr>
+          <a:xfrm>
+            <a:off x="3188798" y="3806555"/>
+            <a:ext cx="7236861" cy="884759"/>
+          </a:xfrm>
+          <a:prstGeom prst="rect">
+            <a:avLst/>
+          </a:prstGeom>
+        </p:spPr>
+      </p:pic>
+      <p:pic>
+        <p:nvPicPr>
+          <p:cNvPr id="8" name="Picture 7">
+            <a:extLst>
+              <a:ext uri="{FF2B5EF4-FFF2-40B4-BE49-F238E27FC236}">
+                <a16:creationId xmlns:a16="http://schemas.microsoft.com/office/drawing/2014/main" id="{EE2C076E-F85A-1FAE-27BC-426DBF58C629}"/>
+              </a:ext>
+            </a:extLst>
+          </p:cNvPr>
+          <p:cNvPicPr>
+            <a:picLocks noChangeAspect="1"/>
+          </p:cNvPicPr>
+          <p:nvPr/>
+        </p:nvPicPr>
+        <p:blipFill>
           <a:blip r:embed="rId4"/>
           <a:stretch>
             <a:fillRect/>
@@ -8270,8 +8270,8 @@
         </p:blipFill>
         <p:spPr>
           <a:xfrm>
-            <a:off x="2304382" y="3158077"/>
-            <a:ext cx="7272086" cy="889065"/>
+            <a:off x="3188798" y="868113"/>
+            <a:ext cx="7236861" cy="2938442"/>
           </a:xfrm>
           <a:prstGeom prst="rect">
             <a:avLst/>
@@ -8550,38 +8550,8 @@
         </p:blipFill>
         <p:spPr>
           <a:xfrm>
-            <a:off x="2593262" y="2985516"/>
-            <a:ext cx="6694328" cy="1021875"/>
-          </a:xfrm>
-          <a:prstGeom prst="rect">
-            <a:avLst/>
-          </a:prstGeom>
-        </p:spPr>
-      </p:pic>
-      <p:pic>
-        <p:nvPicPr>
-          <p:cNvPr id="3" name="Picture 2">
-            <a:extLst>
-              <a:ext uri="{FF2B5EF4-FFF2-40B4-BE49-F238E27FC236}">
-                <a16:creationId xmlns:a16="http://schemas.microsoft.com/office/drawing/2014/main" id="{DFAA3ACF-31D2-B55A-6777-3D595ED1110D}"/>
-              </a:ext>
-            </a:extLst>
-          </p:cNvPr>
-          <p:cNvPicPr>
-            <a:picLocks noChangeAspect="1"/>
-          </p:cNvPicPr>
-          <p:nvPr/>
-        </p:nvPicPr>
-        <p:blipFill>
-          <a:blip r:embed="rId3"/>
-          <a:stretch>
-            <a:fillRect/>
-          </a:stretch>
-        </p:blipFill>
-        <p:spPr>
-          <a:xfrm>
-            <a:off x="2593262" y="850040"/>
-            <a:ext cx="6694325" cy="2142611"/>
+            <a:off x="2995442" y="3312724"/>
+            <a:ext cx="7519375" cy="1147817"/>
           </a:xfrm>
           <a:prstGeom prst="rect">
             <a:avLst/>
@@ -8603,6 +8573,36 @@
           <p:nvPr/>
         </p:nvPicPr>
         <p:blipFill>
+          <a:blip r:embed="rId3"/>
+          <a:stretch>
+            <a:fillRect/>
+          </a:stretch>
+        </p:blipFill>
+        <p:spPr>
+          <a:xfrm>
+            <a:off x="2995441" y="4460603"/>
+            <a:ext cx="7520159" cy="1976327"/>
+          </a:xfrm>
+          <a:prstGeom prst="rect">
+            <a:avLst/>
+          </a:prstGeom>
+        </p:spPr>
+      </p:pic>
+      <p:pic>
+        <p:nvPicPr>
+          <p:cNvPr id="8" name="Picture 7">
+            <a:extLst>
+              <a:ext uri="{FF2B5EF4-FFF2-40B4-BE49-F238E27FC236}">
+                <a16:creationId xmlns:a16="http://schemas.microsoft.com/office/drawing/2014/main" id="{5094978B-132B-4FE4-71F2-ED1963F8C95E}"/>
+              </a:ext>
+            </a:extLst>
+          </p:cNvPr>
+          <p:cNvPicPr>
+            <a:picLocks noChangeAspect="1"/>
+          </p:cNvPicPr>
+          <p:nvPr/>
+        </p:nvPicPr>
+        <p:blipFill>
           <a:blip r:embed="rId4"/>
           <a:stretch>
             <a:fillRect/>
@@ -8610,8 +8610,8 @@
         </p:blipFill>
         <p:spPr>
           <a:xfrm>
-            <a:off x="2593261" y="4003355"/>
-            <a:ext cx="6694326" cy="1759295"/>
+            <a:off x="2995442" y="902939"/>
+            <a:ext cx="7519375" cy="2409702"/>
           </a:xfrm>
           <a:prstGeom prst="rect">
             <a:avLst/>

--- a/slides.pptx
+++ b/slides.pptx
@@ -8,14 +8,14 @@
   <p:sldIdLst>
     <p:sldId id="256" r:id="rId3"/>
     <p:sldId id="274" r:id="rId4"/>
-    <p:sldId id="278" r:id="rId5"/>
-    <p:sldId id="279" r:id="rId6"/>
-    <p:sldId id="280" r:id="rId7"/>
-    <p:sldId id="267" r:id="rId8"/>
-    <p:sldId id="273" r:id="rId9"/>
-    <p:sldId id="275" r:id="rId10"/>
-    <p:sldId id="276" r:id="rId11"/>
-    <p:sldId id="277" r:id="rId12"/>
+    <p:sldId id="267" r:id="rId5"/>
+    <p:sldId id="273" r:id="rId6"/>
+    <p:sldId id="275" r:id="rId7"/>
+    <p:sldId id="276" r:id="rId8"/>
+    <p:sldId id="277" r:id="rId9"/>
+    <p:sldId id="278" r:id="rId10"/>
+    <p:sldId id="279" r:id="rId11"/>
+    <p:sldId id="280" r:id="rId12"/>
     <p:sldId id="272" r:id="rId13"/>
     <p:sldId id="271" r:id="rId14"/>
     <p:sldId id="269" r:id="rId15"/>
@@ -6137,7 +6137,7 @@
         </p:nvSpPr>
         <p:spPr>
           <a:xfrm>
-            <a:off x="687845" y="119157"/>
+            <a:off x="701640" y="380880"/>
             <a:ext cx="10505160" cy="698412"/>
           </a:xfrm>
           <a:prstGeom prst="rect">
@@ -6161,14 +6161,44 @@
               <a:buNone/>
             </a:pPr>
             <a:r>
-              <a:rPr lang="en-US" altLang="zh-CN" sz="3600" b="1" strike="noStrike" spc="-100" dirty="0">
+              <a:rPr lang="en-US" sz="3600" b="1" strike="noStrike" spc="-100" dirty="0">
                 <a:solidFill>
                   <a:srgbClr val="0065BD"/>
                 </a:solidFill>
                 <a:latin typeface="Arial"/>
                 <a:ea typeface="ＭＳ Ｐゴシック"/>
               </a:rPr>
-              <a:t>/var/log/syslog that shows the auth process</a:t>
+              <a:t>iptables </a:t>
+            </a:r>
+            <a:r>
+              <a:rPr lang="zh-CN" altLang="en-US" sz="3600" b="1" strike="noStrike" spc="-100" dirty="0">
+                <a:solidFill>
+                  <a:srgbClr val="0065BD"/>
+                </a:solidFill>
+                <a:latin typeface="Arial"/>
+                <a:ea typeface="ＭＳ Ｐゴシック"/>
+              </a:rPr>
+              <a:t>（</a:t>
+            </a:r>
+            <a:r>
+              <a:rPr lang="en-US" altLang="zh-CN" sz="3600" b="1" strike="noStrike" spc="-100" dirty="0">
+                <a:solidFill>
+                  <a:srgbClr val="0065BD"/>
+                </a:solidFill>
+                <a:latin typeface="Arial"/>
+                <a:ea typeface="ＭＳ Ｐゴシック"/>
+              </a:rPr>
+              <a:t>gateway S</a:t>
+            </a:r>
+            <a:r>
+              <a:rPr lang="zh-CN" altLang="en-US" sz="3600" b="1" strike="noStrike" spc="-100" dirty="0">
+                <a:solidFill>
+                  <a:srgbClr val="0065BD"/>
+                </a:solidFill>
+                <a:latin typeface="Arial"/>
+                <a:ea typeface="ＭＳ Ｐゴシック"/>
+              </a:rPr>
+              <a:t>）</a:t>
             </a:r>
             <a:endParaRPr lang="en-US" sz="3600" b="0" strike="noStrike" spc="-1" dirty="0">
               <a:solidFill>
@@ -6236,7 +6266,7 @@
                 <a:latin typeface="Arial"/>
                 <a:ea typeface="ＭＳ Ｐゴシック"/>
               </a:rPr>
-              <a:t>6.12.2022</a:t>
+              <a:t>7.12.2022</a:t>
             </a:fld>
             <a:endParaRPr lang="en-GB" sz="900" b="0" strike="noStrike" spc="-1">
               <a:solidFill>
@@ -6317,10 +6347,10 @@
       </p:sp>
       <p:pic>
         <p:nvPicPr>
-          <p:cNvPr id="6" name="Picture 5">
+          <p:cNvPr id="4" name="Picture 3">
             <a:extLst>
               <a:ext uri="{FF2B5EF4-FFF2-40B4-BE49-F238E27FC236}">
-                <a16:creationId xmlns:a16="http://schemas.microsoft.com/office/drawing/2014/main" id="{85E5F98C-D99D-30A4-8983-5761E895065A}"/>
+                <a16:creationId xmlns:a16="http://schemas.microsoft.com/office/drawing/2014/main" id="{E7BB83D7-7711-BB9A-AD45-60757F962CD9}"/>
               </a:ext>
             </a:extLst>
           </p:cNvPr>
@@ -6337,8 +6367,8 @@
         </p:blipFill>
         <p:spPr>
           <a:xfrm>
-            <a:off x="837867" y="817569"/>
-            <a:ext cx="10283253" cy="4881783"/>
+            <a:off x="702684" y="2052501"/>
+            <a:ext cx="10475481" cy="2752997"/>
           </a:xfrm>
           <a:prstGeom prst="rect">
             <a:avLst/>
@@ -6348,7 +6378,7 @@
     </p:spTree>
     <p:extLst>
       <p:ext uri="{BB962C8B-B14F-4D97-AF65-F5344CB8AC3E}">
-        <p14:creationId xmlns:p14="http://schemas.microsoft.com/office/powerpoint/2010/main" val="4109278383"/>
+        <p14:creationId xmlns:p14="http://schemas.microsoft.com/office/powerpoint/2010/main" val="2858541899"/>
       </p:ext>
     </p:extLst>
   </p:cSld>
@@ -6486,7 +6516,7 @@
                 <a:latin typeface="Arial"/>
                 <a:ea typeface="ＭＳ Ｐゴシック"/>
               </a:rPr>
-              <a:t>6.12.2022</a:t>
+              <a:t>7.12.2022</a:t>
             </a:fld>
             <a:endParaRPr lang="en-GB" sz="900" b="0" strike="noStrike" spc="-1">
               <a:solidFill>
@@ -6796,7 +6826,7 @@
                 <a:latin typeface="Arial"/>
                 <a:ea typeface="ＭＳ Ｐゴシック"/>
               </a:rPr>
-              <a:t>6.12.2022</a:t>
+              <a:t>7.12.2022</a:t>
             </a:fld>
             <a:endParaRPr lang="en-GB" sz="900" b="0" strike="noStrike" spc="-1">
               <a:solidFill>
@@ -7292,7 +7322,7 @@
                 <a:latin typeface="Arial"/>
                 <a:ea typeface="ＭＳ Ｐゴシック"/>
               </a:rPr>
-              <a:t>6.12.2022</a:t>
+              <a:t>7.12.2022</a:t>
             </a:fld>
             <a:endParaRPr lang="en-GB" sz="900" b="0" strike="noStrike" spc="-1">
               <a:solidFill>
@@ -7373,10 +7403,10 @@
       </p:sp>
       <p:pic>
         <p:nvPicPr>
-          <p:cNvPr id="2" name="Picture 1" descr="Diagram&#10;&#10;Description automatically generated">
+          <p:cNvPr id="8" name="Picture 7" descr="Diagram&#10;&#10;Description automatically generated">
             <a:extLst>
               <a:ext uri="{FF2B5EF4-FFF2-40B4-BE49-F238E27FC236}">
-                <a16:creationId xmlns:a16="http://schemas.microsoft.com/office/drawing/2014/main" id="{28C253D8-6F2A-9C76-FDD2-CE88B2A03881}"/>
+                <a16:creationId xmlns:a16="http://schemas.microsoft.com/office/drawing/2014/main" id="{D584B055-54EB-C588-8A6A-97858576FCA5}"/>
               </a:ext>
             </a:extLst>
           </p:cNvPr>
@@ -7386,38 +7416,183 @@
           <p:nvPr/>
         </p:nvPicPr>
         <p:blipFill>
-          <a:blip r:embed="rId2">
+          <a:blip r:embed="rId2" cstate="print">
             <a:extLst>
               <a:ext uri="{28A0092B-C50C-407E-A947-70E740481C1C}">
                 <a14:useLocalDpi xmlns:a14="http://schemas.microsoft.com/office/drawing/2010/main" val="0"/>
               </a:ext>
             </a:extLst>
           </a:blip>
-          <a:srcRect/>
           <a:stretch>
             <a:fillRect/>
           </a:stretch>
         </p:blipFill>
-        <p:spPr bwMode="auto">
-          <a:xfrm>
-            <a:off x="5872970" y="1690401"/>
-            <a:ext cx="5940425" cy="3352023"/>
-          </a:xfrm>
-          <a:prstGeom prst="rect">
-            <a:avLst/>
-          </a:prstGeom>
-          <a:noFill/>
-          <a:ln>
-            <a:noFill/>
-          </a:ln>
+        <p:spPr>
+          <a:xfrm>
+            <a:off x="112426" y="1690402"/>
+            <a:ext cx="5699658" cy="3352023"/>
+          </a:xfrm>
+          <a:prstGeom prst="rect">
+            <a:avLst/>
+          </a:prstGeom>
         </p:spPr>
       </p:pic>
+      <p:sp>
+        <p:nvSpPr>
+          <p:cNvPr id="9" name="PlaceHolder 1">
+            <a:extLst>
+              <a:ext uri="{FF2B5EF4-FFF2-40B4-BE49-F238E27FC236}">
+                <a16:creationId xmlns:a16="http://schemas.microsoft.com/office/drawing/2014/main" id="{5D5B1F84-B937-231C-A971-CB44C9276AAF}"/>
+              </a:ext>
+            </a:extLst>
+          </p:cNvPr>
+          <p:cNvSpPr txBox="1">
+            <a:spLocks/>
+          </p:cNvSpPr>
+          <p:nvPr/>
+        </p:nvSpPr>
+        <p:spPr>
+          <a:xfrm>
+            <a:off x="8206715" y="1194656"/>
+            <a:ext cx="2009081" cy="512164"/>
+          </a:xfrm>
+          <a:prstGeom prst="rect">
+            <a:avLst/>
+          </a:prstGeom>
+          <a:noFill/>
+          <a:ln w="0">
+            <a:noFill/>
+          </a:ln>
+        </p:spPr>
+        <p:txBody>
+          <a:bodyPr lIns="0" tIns="0" rIns="0" bIns="0" anchor="t">
+            <a:noAutofit/>
+          </a:bodyPr>
+          <a:lstStyle>
+            <a:lvl1pPr algn="l" defTabSz="914400" rtl="0" eaLnBrk="1" latinLnBrk="0" hangingPunct="1">
+              <a:lnSpc>
+                <a:spcPct val="90000"/>
+              </a:lnSpc>
+              <a:spcBef>
+                <a:spcPct val="0"/>
+              </a:spcBef>
+              <a:buNone/>
+              <a:defRPr sz="4400" kern="1200">
+                <a:solidFill>
+                  <a:schemeClr val="tx1"/>
+                </a:solidFill>
+                <a:latin typeface="+mj-lt"/>
+                <a:ea typeface="+mj-ea"/>
+                <a:cs typeface="+mj-cs"/>
+              </a:defRPr>
+            </a:lvl1pPr>
+          </a:lstStyle>
+          <a:p>
+            <a:pPr>
+              <a:lnSpc>
+                <a:spcPct val="85000"/>
+              </a:lnSpc>
+            </a:pPr>
+            <a:r>
+              <a:rPr lang="en-US" altLang="zh-CN" sz="3600" b="1" spc="-100" dirty="0">
+                <a:solidFill>
+                  <a:schemeClr val="bg2"/>
+                </a:solidFill>
+                <a:latin typeface="Arial"/>
+                <a:ea typeface="ＭＳ Ｐゴシック"/>
+              </a:rPr>
+              <a:t>After</a:t>
+            </a:r>
+            <a:endParaRPr lang="en-US" sz="3600" spc="-1" dirty="0">
+              <a:solidFill>
+                <a:schemeClr val="bg2"/>
+              </a:solidFill>
+              <a:latin typeface="Arial"/>
+            </a:endParaRPr>
+          </a:p>
+        </p:txBody>
+      </p:sp>
+      <p:sp>
+        <p:nvSpPr>
+          <p:cNvPr id="10" name="PlaceHolder 1">
+            <a:extLst>
+              <a:ext uri="{FF2B5EF4-FFF2-40B4-BE49-F238E27FC236}">
+                <a16:creationId xmlns:a16="http://schemas.microsoft.com/office/drawing/2014/main" id="{B319D209-3974-F9AE-D15F-0CC2E35BEA8B}"/>
+              </a:ext>
+            </a:extLst>
+          </p:cNvPr>
+          <p:cNvSpPr txBox="1">
+            <a:spLocks/>
+          </p:cNvSpPr>
+          <p:nvPr/>
+        </p:nvSpPr>
+        <p:spPr>
+          <a:xfrm>
+            <a:off x="1869120" y="1178237"/>
+            <a:ext cx="2009081" cy="512164"/>
+          </a:xfrm>
+          <a:prstGeom prst="rect">
+            <a:avLst/>
+          </a:prstGeom>
+          <a:noFill/>
+          <a:ln w="0">
+            <a:noFill/>
+          </a:ln>
+        </p:spPr>
+        <p:txBody>
+          <a:bodyPr lIns="0" tIns="0" rIns="0" bIns="0" anchor="t">
+            <a:noAutofit/>
+          </a:bodyPr>
+          <a:lstStyle>
+            <a:lvl1pPr algn="l" defTabSz="914400" rtl="0" eaLnBrk="1" latinLnBrk="0" hangingPunct="1">
+              <a:lnSpc>
+                <a:spcPct val="90000"/>
+              </a:lnSpc>
+              <a:spcBef>
+                <a:spcPct val="0"/>
+              </a:spcBef>
+              <a:buNone/>
+              <a:defRPr sz="4400" kern="1200">
+                <a:solidFill>
+                  <a:schemeClr val="tx1"/>
+                </a:solidFill>
+                <a:latin typeface="+mj-lt"/>
+                <a:ea typeface="+mj-ea"/>
+                <a:cs typeface="+mj-cs"/>
+              </a:defRPr>
+            </a:lvl1pPr>
+          </a:lstStyle>
+          <a:p>
+            <a:pPr>
+              <a:lnSpc>
+                <a:spcPct val="85000"/>
+              </a:lnSpc>
+            </a:pPr>
+            <a:r>
+              <a:rPr lang="en-US" altLang="zh-CN" sz="3600" b="1" spc="-100" dirty="0">
+                <a:solidFill>
+                  <a:schemeClr val="bg2"/>
+                </a:solidFill>
+                <a:latin typeface="Arial"/>
+                <a:ea typeface="ＭＳ Ｐゴシック"/>
+              </a:rPr>
+              <a:t>Before</a:t>
+            </a:r>
+            <a:endParaRPr lang="en-US" sz="3600" spc="-1" dirty="0">
+              <a:solidFill>
+                <a:schemeClr val="bg2"/>
+              </a:solidFill>
+              <a:latin typeface="Arial"/>
+            </a:endParaRPr>
+          </a:p>
+        </p:txBody>
+      </p:sp>
       <p:pic>
         <p:nvPicPr>
-          <p:cNvPr id="8" name="Picture 7" descr="Diagram&#10;&#10;Description automatically generated">
+          <p:cNvPr id="15" name="Picture 14" descr="Diagram&#10;&#10;Description automatically generated">
             <a:extLst>
               <a:ext uri="{FF2B5EF4-FFF2-40B4-BE49-F238E27FC236}">
-                <a16:creationId xmlns:a16="http://schemas.microsoft.com/office/drawing/2014/main" id="{D584B055-54EB-C588-8A6A-97858576FCA5}"/>
+                <a16:creationId xmlns:a16="http://schemas.microsoft.com/office/drawing/2014/main" id="{C2313702-3906-758C-960E-D41C9BD160B2}"/>
               </a:ext>
             </a:extLst>
           </p:cNvPr>
@@ -7440,164 +7615,14 @@
         </p:blipFill>
         <p:spPr>
           <a:xfrm>
-            <a:off x="112426" y="1690402"/>
-            <a:ext cx="5699658" cy="3352023"/>
+            <a:off x="5956340" y="1706820"/>
+            <a:ext cx="5812084" cy="3340397"/>
           </a:xfrm>
           <a:prstGeom prst="rect">
             <a:avLst/>
           </a:prstGeom>
         </p:spPr>
       </p:pic>
-      <p:sp>
-        <p:nvSpPr>
-          <p:cNvPr id="9" name="PlaceHolder 1">
-            <a:extLst>
-              <a:ext uri="{FF2B5EF4-FFF2-40B4-BE49-F238E27FC236}">
-                <a16:creationId xmlns:a16="http://schemas.microsoft.com/office/drawing/2014/main" id="{5D5B1F84-B937-231C-A971-CB44C9276AAF}"/>
-              </a:ext>
-            </a:extLst>
-          </p:cNvPr>
-          <p:cNvSpPr txBox="1">
-            <a:spLocks/>
-          </p:cNvSpPr>
-          <p:nvPr/>
-        </p:nvSpPr>
-        <p:spPr>
-          <a:xfrm>
-            <a:off x="8206715" y="1194656"/>
-            <a:ext cx="2009081" cy="512164"/>
-          </a:xfrm>
-          <a:prstGeom prst="rect">
-            <a:avLst/>
-          </a:prstGeom>
-          <a:noFill/>
-          <a:ln w="0">
-            <a:noFill/>
-          </a:ln>
-        </p:spPr>
-        <p:txBody>
-          <a:bodyPr lIns="0" tIns="0" rIns="0" bIns="0" anchor="t">
-            <a:noAutofit/>
-          </a:bodyPr>
-          <a:lstStyle>
-            <a:lvl1pPr algn="l" defTabSz="914400" rtl="0" eaLnBrk="1" latinLnBrk="0" hangingPunct="1">
-              <a:lnSpc>
-                <a:spcPct val="90000"/>
-              </a:lnSpc>
-              <a:spcBef>
-                <a:spcPct val="0"/>
-              </a:spcBef>
-              <a:buNone/>
-              <a:defRPr sz="4400" kern="1200">
-                <a:solidFill>
-                  <a:schemeClr val="tx1"/>
-                </a:solidFill>
-                <a:latin typeface="+mj-lt"/>
-                <a:ea typeface="+mj-ea"/>
-                <a:cs typeface="+mj-cs"/>
-              </a:defRPr>
-            </a:lvl1pPr>
-          </a:lstStyle>
-          <a:p>
-            <a:pPr>
-              <a:lnSpc>
-                <a:spcPct val="85000"/>
-              </a:lnSpc>
-            </a:pPr>
-            <a:r>
-              <a:rPr lang="en-US" altLang="zh-CN" sz="3600" b="1" spc="-100" dirty="0">
-                <a:solidFill>
-                  <a:schemeClr val="bg2"/>
-                </a:solidFill>
-                <a:latin typeface="Arial"/>
-                <a:ea typeface="ＭＳ Ｐゴシック"/>
-              </a:rPr>
-              <a:t>After</a:t>
-            </a:r>
-            <a:endParaRPr lang="en-US" sz="3600" spc="-1" dirty="0">
-              <a:solidFill>
-                <a:schemeClr val="bg2"/>
-              </a:solidFill>
-              <a:latin typeface="Arial"/>
-            </a:endParaRPr>
-          </a:p>
-        </p:txBody>
-      </p:sp>
-      <p:sp>
-        <p:nvSpPr>
-          <p:cNvPr id="10" name="PlaceHolder 1">
-            <a:extLst>
-              <a:ext uri="{FF2B5EF4-FFF2-40B4-BE49-F238E27FC236}">
-                <a16:creationId xmlns:a16="http://schemas.microsoft.com/office/drawing/2014/main" id="{B319D209-3974-F9AE-D15F-0CC2E35BEA8B}"/>
-              </a:ext>
-            </a:extLst>
-          </p:cNvPr>
-          <p:cNvSpPr txBox="1">
-            <a:spLocks/>
-          </p:cNvSpPr>
-          <p:nvPr/>
-        </p:nvSpPr>
-        <p:spPr>
-          <a:xfrm>
-            <a:off x="1869120" y="1178237"/>
-            <a:ext cx="2009081" cy="512164"/>
-          </a:xfrm>
-          <a:prstGeom prst="rect">
-            <a:avLst/>
-          </a:prstGeom>
-          <a:noFill/>
-          <a:ln w="0">
-            <a:noFill/>
-          </a:ln>
-        </p:spPr>
-        <p:txBody>
-          <a:bodyPr lIns="0" tIns="0" rIns="0" bIns="0" anchor="t">
-            <a:noAutofit/>
-          </a:bodyPr>
-          <a:lstStyle>
-            <a:lvl1pPr algn="l" defTabSz="914400" rtl="0" eaLnBrk="1" latinLnBrk="0" hangingPunct="1">
-              <a:lnSpc>
-                <a:spcPct val="90000"/>
-              </a:lnSpc>
-              <a:spcBef>
-                <a:spcPct val="0"/>
-              </a:spcBef>
-              <a:buNone/>
-              <a:defRPr sz="4400" kern="1200">
-                <a:solidFill>
-                  <a:schemeClr val="tx1"/>
-                </a:solidFill>
-                <a:latin typeface="+mj-lt"/>
-                <a:ea typeface="+mj-ea"/>
-                <a:cs typeface="+mj-cs"/>
-              </a:defRPr>
-            </a:lvl1pPr>
-          </a:lstStyle>
-          <a:p>
-            <a:pPr>
-              <a:lnSpc>
-                <a:spcPct val="85000"/>
-              </a:lnSpc>
-            </a:pPr>
-            <a:r>
-              <a:rPr lang="en-US" altLang="zh-CN" sz="3600" b="1" spc="-100" dirty="0">
-                <a:solidFill>
-                  <a:schemeClr val="bg2"/>
-                </a:solidFill>
-                <a:latin typeface="Arial"/>
-                <a:ea typeface="ＭＳ Ｐゴシック"/>
-              </a:rPr>
-              <a:t>Before</a:t>
-            </a:r>
-            <a:endParaRPr lang="en-US" sz="3600" spc="-1" dirty="0">
-              <a:solidFill>
-                <a:schemeClr val="bg2"/>
-              </a:solidFill>
-              <a:latin typeface="Arial"/>
-            </a:endParaRPr>
-          </a:p>
-        </p:txBody>
-      </p:sp>
     </p:spTree>
     <p:extLst>
       <p:ext uri="{BB962C8B-B14F-4D97-AF65-F5344CB8AC3E}">
@@ -7671,7 +7696,27 @@
                 <a:latin typeface="Arial"/>
                 <a:ea typeface="ＭＳ Ｐゴシック"/>
               </a:rPr>
-              <a:t>iptables </a:t>
+              <a:t>ipsec </a:t>
+            </a:r>
+            <a:r>
+              <a:rPr lang="en-US" sz="3600" b="1" strike="noStrike" spc="-100" dirty="0" err="1">
+                <a:solidFill>
+                  <a:srgbClr val="0065BD"/>
+                </a:solidFill>
+                <a:latin typeface="Arial"/>
+                <a:ea typeface="ＭＳ Ｐゴシック"/>
+              </a:rPr>
+              <a:t>listcerts</a:t>
+            </a:r>
+            <a:r>
+              <a:rPr lang="en-US" sz="3600" b="1" strike="noStrike" spc="-100" dirty="0">
+                <a:solidFill>
+                  <a:srgbClr val="0065BD"/>
+                </a:solidFill>
+                <a:latin typeface="Arial"/>
+                <a:ea typeface="ＭＳ Ｐゴシック"/>
+              </a:rPr>
+              <a:t> </a:t>
             </a:r>
             <a:r>
               <a:rPr lang="zh-CN" altLang="en-US" sz="3600" b="1" strike="noStrike" spc="-100" dirty="0">
@@ -7691,7 +7736,7 @@
                 <a:latin typeface="Arial"/>
                 <a:ea typeface="ＭＳ Ｐゴシック"/>
               </a:rPr>
-              <a:t>gateway A</a:t>
+              <a:t>site A and site B</a:t>
             </a:r>
             <a:r>
               <a:rPr lang="zh-CN" altLang="en-US" sz="3600" b="1" strike="noStrike" spc="-100" dirty="0">
@@ -7769,7 +7814,7 @@
                 <a:latin typeface="Arial"/>
                 <a:ea typeface="ＭＳ Ｐゴシック"/>
               </a:rPr>
-              <a:t>6.12.2022</a:t>
+              <a:t>7.12.2022</a:t>
             </a:fld>
             <a:endParaRPr lang="en-GB" sz="900" b="0" strike="noStrike" spc="-1">
               <a:solidFill>
@@ -7850,10 +7895,10 @@
       </p:sp>
       <p:pic>
         <p:nvPicPr>
-          <p:cNvPr id="9" name="Picture 8">
+          <p:cNvPr id="31" name="Picture 30">
             <a:extLst>
               <a:ext uri="{FF2B5EF4-FFF2-40B4-BE49-F238E27FC236}">
-                <a16:creationId xmlns:a16="http://schemas.microsoft.com/office/drawing/2014/main" id="{AA51134D-3131-72FA-1D58-B28508560E0F}"/>
+                <a16:creationId xmlns:a16="http://schemas.microsoft.com/office/drawing/2014/main" id="{21938DA4-E9FE-DC0B-CDBB-834446260C21}"/>
               </a:ext>
             </a:extLst>
           </p:cNvPr>
@@ -7870,8 +7915,8 @@
         </p:blipFill>
         <p:spPr>
           <a:xfrm>
-            <a:off x="3170454" y="3839924"/>
-            <a:ext cx="7295391" cy="875141"/>
+            <a:off x="26551" y="884417"/>
+            <a:ext cx="5913873" cy="4841826"/>
           </a:xfrm>
           <a:prstGeom prst="rect">
             <a:avLst/>
@@ -7880,10 +7925,10 @@
       </p:pic>
       <p:pic>
         <p:nvPicPr>
-          <p:cNvPr id="13" name="Picture 12">
+          <p:cNvPr id="33" name="Picture 32">
             <a:extLst>
               <a:ext uri="{FF2B5EF4-FFF2-40B4-BE49-F238E27FC236}">
-                <a16:creationId xmlns:a16="http://schemas.microsoft.com/office/drawing/2014/main" id="{DC1DBE7A-407D-35E6-9037-7CD844BD7BD5}"/>
+                <a16:creationId xmlns:a16="http://schemas.microsoft.com/office/drawing/2014/main" id="{69C3BD4F-49F2-CC99-D770-E3ECAC2A7363}"/>
               </a:ext>
             </a:extLst>
           </p:cNvPr>
@@ -7892,46 +7937,15 @@
           </p:cNvPicPr>
           <p:nvPr/>
         </p:nvPicPr>
-        <p:blipFill>
+        <p:blipFill rotWithShape="1">
           <a:blip r:embed="rId3"/>
-          <a:stretch>
-            <a:fillRect/>
-          </a:stretch>
+          <a:srcRect l="700" r="4313"/>
+          <a:stretch/>
         </p:blipFill>
         <p:spPr>
           <a:xfrm>
-            <a:off x="3170455" y="4710601"/>
-            <a:ext cx="7295396" cy="1713934"/>
-          </a:xfrm>
-          <a:prstGeom prst="rect">
-            <a:avLst/>
-          </a:prstGeom>
-        </p:spPr>
-      </p:pic>
-      <p:pic>
-        <p:nvPicPr>
-          <p:cNvPr id="14" name="Picture 13">
-            <a:extLst>
-              <a:ext uri="{FF2B5EF4-FFF2-40B4-BE49-F238E27FC236}">
-                <a16:creationId xmlns:a16="http://schemas.microsoft.com/office/drawing/2014/main" id="{AE73447D-5588-9642-812A-D55B420968AE}"/>
-              </a:ext>
-            </a:extLst>
-          </p:cNvPr>
-          <p:cNvPicPr>
-            <a:picLocks noChangeAspect="1"/>
-          </p:cNvPicPr>
-          <p:nvPr/>
-        </p:nvPicPr>
-        <p:blipFill>
-          <a:blip r:embed="rId4"/>
-          <a:stretch>
-            <a:fillRect/>
-          </a:stretch>
-        </p:blipFill>
-        <p:spPr>
-          <a:xfrm>
-            <a:off x="3170455" y="891922"/>
-            <a:ext cx="7295392" cy="2953218"/>
+            <a:off x="5940424" y="884057"/>
+            <a:ext cx="5874694" cy="4841826"/>
           </a:xfrm>
           <a:prstGeom prst="rect">
             <a:avLst/>
@@ -7939,11 +7953,6 @@
         </p:spPr>
       </p:pic>
     </p:spTree>
-    <p:extLst>
-      <p:ext uri="{BB962C8B-B14F-4D97-AF65-F5344CB8AC3E}">
-        <p14:creationId xmlns:p14="http://schemas.microsoft.com/office/powerpoint/2010/main" val="2865584388"/>
-      </p:ext>
-    </p:extLst>
   </p:cSld>
   <p:clrMapOvr>
     <a:masterClrMapping/>
@@ -8011,7 +8020,27 @@
                 <a:latin typeface="Arial"/>
                 <a:ea typeface="ＭＳ Ｐゴシック"/>
               </a:rPr>
-              <a:t>iptables </a:t>
+              <a:t>ipsec </a:t>
+            </a:r>
+            <a:r>
+              <a:rPr lang="en-US" sz="3600" b="1" strike="noStrike" spc="-100" dirty="0" err="1">
+                <a:solidFill>
+                  <a:srgbClr val="0065BD"/>
+                </a:solidFill>
+                <a:latin typeface="Arial"/>
+                <a:ea typeface="ＭＳ Ｐゴシック"/>
+              </a:rPr>
+              <a:t>listcerts</a:t>
+            </a:r>
+            <a:r>
+              <a:rPr lang="en-US" sz="3600" b="1" strike="noStrike" spc="-100" dirty="0">
+                <a:solidFill>
+                  <a:srgbClr val="0065BD"/>
+                </a:solidFill>
+                <a:latin typeface="Arial"/>
+                <a:ea typeface="ＭＳ Ｐゴシック"/>
+              </a:rPr>
+              <a:t> </a:t>
             </a:r>
             <a:r>
               <a:rPr lang="zh-CN" altLang="en-US" sz="3600" b="1" strike="noStrike" spc="-100" dirty="0">
@@ -8031,7 +8060,7 @@
                 <a:latin typeface="Arial"/>
                 <a:ea typeface="ＭＳ Ｐゴシック"/>
               </a:rPr>
-              <a:t>gateway B</a:t>
+              <a:t>Cloud</a:t>
             </a:r>
             <a:r>
               <a:rPr lang="zh-CN" altLang="en-US" sz="3600" b="1" strike="noStrike" spc="-100" dirty="0">
@@ -8109,7 +8138,7 @@
                 <a:latin typeface="Arial"/>
                 <a:ea typeface="ＭＳ Ｐゴシック"/>
               </a:rPr>
-              <a:t>6.12.2022</a:t>
+              <a:t>7.12.2022</a:t>
             </a:fld>
             <a:endParaRPr lang="en-GB" sz="900" b="0" strike="noStrike" spc="-1">
               <a:solidFill>
@@ -8190,10 +8219,10 @@
       </p:sp>
       <p:pic>
         <p:nvPicPr>
-          <p:cNvPr id="3" name="Picture 2">
+          <p:cNvPr id="5" name="Picture 4">
             <a:extLst>
               <a:ext uri="{FF2B5EF4-FFF2-40B4-BE49-F238E27FC236}">
-                <a16:creationId xmlns:a16="http://schemas.microsoft.com/office/drawing/2014/main" id="{2AA9FB81-4411-3B04-14D1-0C4997DE6209}"/>
+                <a16:creationId xmlns:a16="http://schemas.microsoft.com/office/drawing/2014/main" id="{42775773-55DF-0865-3499-14CED9805846}"/>
               </a:ext>
             </a:extLst>
           </p:cNvPr>
@@ -8210,8 +8239,8 @@
         </p:blipFill>
         <p:spPr>
           <a:xfrm>
-            <a:off x="3188798" y="4677885"/>
-            <a:ext cx="7236861" cy="1697807"/>
+            <a:off x="7165298" y="1690291"/>
+            <a:ext cx="4572000" cy="1618158"/>
           </a:xfrm>
           <a:prstGeom prst="rect">
             <a:avLst/>
@@ -8223,7 +8252,7 @@
           <p:cNvPr id="7" name="Picture 6">
             <a:extLst>
               <a:ext uri="{FF2B5EF4-FFF2-40B4-BE49-F238E27FC236}">
-                <a16:creationId xmlns:a16="http://schemas.microsoft.com/office/drawing/2014/main" id="{83C50FBB-F27E-386B-F29C-E97704182EBD}"/>
+                <a16:creationId xmlns:a16="http://schemas.microsoft.com/office/drawing/2014/main" id="{68C213EE-EC42-CC28-8F9D-CEE083045563}"/>
               </a:ext>
             </a:extLst>
           </p:cNvPr>
@@ -8240,8 +8269,8 @@
         </p:blipFill>
         <p:spPr>
           <a:xfrm>
-            <a:off x="3188798" y="3806555"/>
-            <a:ext cx="7236861" cy="884759"/>
+            <a:off x="7165298" y="3308448"/>
+            <a:ext cx="4572000" cy="1641436"/>
           </a:xfrm>
           <a:prstGeom prst="rect">
             <a:avLst/>
@@ -8250,10 +8279,10 @@
       </p:pic>
       <p:pic>
         <p:nvPicPr>
-          <p:cNvPr id="8" name="Picture 7">
+          <p:cNvPr id="9" name="Picture 8">
             <a:extLst>
               <a:ext uri="{FF2B5EF4-FFF2-40B4-BE49-F238E27FC236}">
-                <a16:creationId xmlns:a16="http://schemas.microsoft.com/office/drawing/2014/main" id="{EE2C076E-F85A-1FAE-27BC-426DBF58C629}"/>
+                <a16:creationId xmlns:a16="http://schemas.microsoft.com/office/drawing/2014/main" id="{58282EA4-D9D0-10C9-0B5F-B6E8D3C093C8}"/>
               </a:ext>
             </a:extLst>
           </p:cNvPr>
@@ -8270,8 +8299,8 @@
         </p:blipFill>
         <p:spPr>
           <a:xfrm>
-            <a:off x="3188798" y="868113"/>
-            <a:ext cx="7236861" cy="2938442"/>
+            <a:off x="179882" y="1683944"/>
+            <a:ext cx="6985416" cy="3270664"/>
           </a:xfrm>
           <a:prstGeom prst="rect">
             <a:avLst/>
@@ -8281,7 +8310,7 @@
     </p:spTree>
     <p:extLst>
       <p:ext uri="{BB962C8B-B14F-4D97-AF65-F5344CB8AC3E}">
-        <p14:creationId xmlns:p14="http://schemas.microsoft.com/office/powerpoint/2010/main" val="1435082813"/>
+        <p14:creationId xmlns:p14="http://schemas.microsoft.com/office/powerpoint/2010/main" val="1505653956"/>
       </p:ext>
     </p:extLst>
   </p:cSld>
@@ -8320,7 +8349,7 @@
         </p:nvSpPr>
         <p:spPr>
           <a:xfrm>
-            <a:off x="701640" y="380880"/>
+            <a:off x="687845" y="119157"/>
             <a:ext cx="10505160" cy="698412"/>
           </a:xfrm>
           <a:prstGeom prst="rect">
@@ -8351,37 +8380,17 @@
                 <a:latin typeface="Arial"/>
                 <a:ea typeface="ＭＳ Ｐゴシック"/>
               </a:rPr>
-              <a:t>iptables </a:t>
+              <a:t>/var/log/syslog </a:t>
             </a:r>
             <a:r>
-              <a:rPr lang="zh-CN" altLang="en-US" sz="3600" b="1" strike="noStrike" spc="-100" dirty="0">
+              <a:rPr lang="en-US" altLang="zh-CN" sz="3600" b="1" strike="noStrike" spc="-100" dirty="0">
                 <a:solidFill>
                   <a:srgbClr val="0065BD"/>
                 </a:solidFill>
                 <a:latin typeface="Arial"/>
                 <a:ea typeface="ＭＳ Ｐゴシック"/>
               </a:rPr>
-              <a:t>（</a:t>
-            </a:r>
-            <a:r>
-              <a:rPr lang="en-US" altLang="zh-CN" sz="3600" b="1" strike="noStrike" spc="-100" dirty="0">
-                <a:solidFill>
-                  <a:srgbClr val="0065BD"/>
-                </a:solidFill>
-                <a:latin typeface="Arial"/>
-                <a:ea typeface="ＭＳ Ｐゴシック"/>
-              </a:rPr>
-              <a:t>gateway S</a:t>
-            </a:r>
-            <a:r>
-              <a:rPr lang="zh-CN" altLang="en-US" sz="3600" b="1" strike="noStrike" spc="-100" dirty="0">
-                <a:solidFill>
-                  <a:srgbClr val="0065BD"/>
-                </a:solidFill>
-                <a:latin typeface="Arial"/>
-                <a:ea typeface="ＭＳ Ｐゴシック"/>
-              </a:rPr>
-              <a:t>）</a:t>
+              <a:t>that shows the auth process</a:t>
             </a:r>
             <a:endParaRPr lang="en-US" sz="3600" b="0" strike="noStrike" spc="-1" dirty="0">
               <a:solidFill>
@@ -8449,7 +8458,7 @@
                 <a:latin typeface="Arial"/>
                 <a:ea typeface="ＭＳ Ｐゴシック"/>
               </a:rPr>
-              <a:t>6.12.2022</a:t>
+              <a:t>7.12.2022</a:t>
             </a:fld>
             <a:endParaRPr lang="en-GB" sz="900" b="0" strike="noStrike" spc="-1">
               <a:solidFill>
@@ -8530,10 +8539,10 @@
       </p:sp>
       <p:pic>
         <p:nvPicPr>
-          <p:cNvPr id="2" name="Picture 1">
+          <p:cNvPr id="3" name="Picture 2">
             <a:extLst>
               <a:ext uri="{FF2B5EF4-FFF2-40B4-BE49-F238E27FC236}">
-                <a16:creationId xmlns:a16="http://schemas.microsoft.com/office/drawing/2014/main" id="{DDE7A110-D48B-CDE9-05EE-1538A27A2401}"/>
+                <a16:creationId xmlns:a16="http://schemas.microsoft.com/office/drawing/2014/main" id="{736509D7-2764-0ADC-A2CA-5DA108A39C9C}"/>
               </a:ext>
             </a:extLst>
           </p:cNvPr>
@@ -8550,8 +8559,8 @@
         </p:blipFill>
         <p:spPr>
           <a:xfrm>
-            <a:off x="2995442" y="3312724"/>
-            <a:ext cx="7519375" cy="1147817"/>
+            <a:off x="2016748" y="616555"/>
+            <a:ext cx="7847351" cy="1209069"/>
           </a:xfrm>
           <a:prstGeom prst="rect">
             <a:avLst/>
@@ -8560,10 +8569,10 @@
       </p:pic>
       <p:pic>
         <p:nvPicPr>
-          <p:cNvPr id="4" name="Picture 3">
+          <p:cNvPr id="5" name="Picture 4">
             <a:extLst>
               <a:ext uri="{FF2B5EF4-FFF2-40B4-BE49-F238E27FC236}">
-                <a16:creationId xmlns:a16="http://schemas.microsoft.com/office/drawing/2014/main" id="{E7BB83D7-7711-BB9A-AD45-60757F962CD9}"/>
+                <a16:creationId xmlns:a16="http://schemas.microsoft.com/office/drawing/2014/main" id="{2940A346-4FC6-55FD-03A9-3B2DB0292EA7}"/>
               </a:ext>
             </a:extLst>
           </p:cNvPr>
@@ -8580,38 +8589,8 @@
         </p:blipFill>
         <p:spPr>
           <a:xfrm>
-            <a:off x="2995441" y="4460603"/>
-            <a:ext cx="7520159" cy="1976327"/>
-          </a:xfrm>
-          <a:prstGeom prst="rect">
-            <a:avLst/>
-          </a:prstGeom>
-        </p:spPr>
-      </p:pic>
-      <p:pic>
-        <p:nvPicPr>
-          <p:cNvPr id="8" name="Picture 7">
-            <a:extLst>
-              <a:ext uri="{FF2B5EF4-FFF2-40B4-BE49-F238E27FC236}">
-                <a16:creationId xmlns:a16="http://schemas.microsoft.com/office/drawing/2014/main" id="{5094978B-132B-4FE4-71F2-ED1963F8C95E}"/>
-              </a:ext>
-            </a:extLst>
-          </p:cNvPr>
-          <p:cNvPicPr>
-            <a:picLocks noChangeAspect="1"/>
-          </p:cNvPicPr>
-          <p:nvPr/>
-        </p:nvPicPr>
-        <p:blipFill>
-          <a:blip r:embed="rId4"/>
-          <a:stretch>
-            <a:fillRect/>
-          </a:stretch>
-        </p:blipFill>
-        <p:spPr>
-          <a:xfrm>
-            <a:off x="2995442" y="902939"/>
-            <a:ext cx="7519375" cy="2409702"/>
+            <a:off x="2016749" y="1825624"/>
+            <a:ext cx="7847351" cy="3914318"/>
           </a:xfrm>
           <a:prstGeom prst="rect">
             <a:avLst/>
@@ -8621,7 +8600,7 @@
     </p:spTree>
     <p:extLst>
       <p:ext uri="{BB962C8B-B14F-4D97-AF65-F5344CB8AC3E}">
-        <p14:creationId xmlns:p14="http://schemas.microsoft.com/office/powerpoint/2010/main" val="2858541899"/>
+        <p14:creationId xmlns:p14="http://schemas.microsoft.com/office/powerpoint/2010/main" val="438651729"/>
       </p:ext>
     </p:extLst>
   </p:cSld>
@@ -8660,7 +8639,7 @@
         </p:nvSpPr>
         <p:spPr>
           <a:xfrm>
-            <a:off x="701640" y="380880"/>
+            <a:off x="687845" y="119157"/>
             <a:ext cx="10505160" cy="698412"/>
           </a:xfrm>
           <a:prstGeom prst="rect">
@@ -8684,64 +8663,14 @@
               <a:buNone/>
             </a:pPr>
             <a:r>
-              <a:rPr lang="en-US" sz="3600" b="1" strike="noStrike" spc="-100" dirty="0">
+              <a:rPr lang="en-US" altLang="zh-CN" sz="3600" b="1" strike="noStrike" spc="-100" dirty="0">
                 <a:solidFill>
                   <a:srgbClr val="0065BD"/>
                 </a:solidFill>
                 <a:latin typeface="Arial"/>
                 <a:ea typeface="ＭＳ Ｐゴシック"/>
               </a:rPr>
-              <a:t>ipsec </a:t>
-            </a:r>
-            <a:r>
-              <a:rPr lang="en-US" sz="3600" b="1" strike="noStrike" spc="-100" dirty="0" err="1">
-                <a:solidFill>
-                  <a:srgbClr val="0065BD"/>
-                </a:solidFill>
-                <a:latin typeface="Arial"/>
-                <a:ea typeface="ＭＳ Ｐゴシック"/>
-              </a:rPr>
-              <a:t>listcerts</a:t>
-            </a:r>
-            <a:r>
-              <a:rPr lang="en-US" sz="3600" b="1" strike="noStrike" spc="-100" dirty="0">
-                <a:solidFill>
-                  <a:srgbClr val="0065BD"/>
-                </a:solidFill>
-                <a:latin typeface="Arial"/>
-                <a:ea typeface="ＭＳ Ｐゴシック"/>
-              </a:rPr>
-              <a:t> </a:t>
-            </a:r>
-            <a:r>
-              <a:rPr lang="zh-CN" altLang="en-US" sz="3600" b="1" strike="noStrike" spc="-100" dirty="0">
-                <a:solidFill>
-                  <a:srgbClr val="0065BD"/>
-                </a:solidFill>
-                <a:latin typeface="Arial"/>
-                <a:ea typeface="ＭＳ Ｐゴシック"/>
-              </a:rPr>
-              <a:t>（</a:t>
-            </a:r>
-            <a:r>
-              <a:rPr lang="en-US" altLang="zh-CN" sz="3600" b="1" strike="noStrike" spc="-100" dirty="0">
-                <a:solidFill>
-                  <a:srgbClr val="0065BD"/>
-                </a:solidFill>
-                <a:latin typeface="Arial"/>
-                <a:ea typeface="ＭＳ Ｐゴシック"/>
-              </a:rPr>
-              <a:t>site A and site B</a:t>
-            </a:r>
-            <a:r>
-              <a:rPr lang="zh-CN" altLang="en-US" sz="3600" b="1" strike="noStrike" spc="-100" dirty="0">
-                <a:solidFill>
-                  <a:srgbClr val="0065BD"/>
-                </a:solidFill>
-                <a:latin typeface="Arial"/>
-                <a:ea typeface="ＭＳ Ｐゴシック"/>
-              </a:rPr>
-              <a:t>）</a:t>
+              <a:t>/var/log/syslog that shows the auth process</a:t>
             </a:r>
             <a:endParaRPr lang="en-US" sz="3600" b="0" strike="noStrike" spc="-1" dirty="0">
               <a:solidFill>
@@ -8809,7 +8738,7 @@
                 <a:latin typeface="Arial"/>
                 <a:ea typeface="ＭＳ Ｐゴシック"/>
               </a:rPr>
-              <a:t>6.12.2022</a:t>
+              <a:t>7.12.2022</a:t>
             </a:fld>
             <a:endParaRPr lang="en-GB" sz="900" b="0" strike="noStrike" spc="-1">
               <a:solidFill>
@@ -8890,10 +8819,10 @@
       </p:sp>
       <p:pic>
         <p:nvPicPr>
-          <p:cNvPr id="31" name="Picture 30">
+          <p:cNvPr id="4" name="Picture 3">
             <a:extLst>
               <a:ext uri="{FF2B5EF4-FFF2-40B4-BE49-F238E27FC236}">
-                <a16:creationId xmlns:a16="http://schemas.microsoft.com/office/drawing/2014/main" id="{21938DA4-E9FE-DC0B-CDBB-834446260C21}"/>
+                <a16:creationId xmlns:a16="http://schemas.microsoft.com/office/drawing/2014/main" id="{CB561BD0-89DF-EB4C-7CEC-8E04686CAB01}"/>
               </a:ext>
             </a:extLst>
           </p:cNvPr>
@@ -8910,37 +8839,8 @@
         </p:blipFill>
         <p:spPr>
           <a:xfrm>
-            <a:off x="26551" y="884417"/>
-            <a:ext cx="5913873" cy="4841826"/>
-          </a:xfrm>
-          <a:prstGeom prst="rect">
-            <a:avLst/>
-          </a:prstGeom>
-        </p:spPr>
-      </p:pic>
-      <p:pic>
-        <p:nvPicPr>
-          <p:cNvPr id="33" name="Picture 32">
-            <a:extLst>
-              <a:ext uri="{FF2B5EF4-FFF2-40B4-BE49-F238E27FC236}">
-                <a16:creationId xmlns:a16="http://schemas.microsoft.com/office/drawing/2014/main" id="{69C3BD4F-49F2-CC99-D770-E3ECAC2A7363}"/>
-              </a:ext>
-            </a:extLst>
-          </p:cNvPr>
-          <p:cNvPicPr>
-            <a:picLocks noChangeAspect="1"/>
-          </p:cNvPicPr>
-          <p:nvPr/>
-        </p:nvPicPr>
-        <p:blipFill rotWithShape="1">
-          <a:blip r:embed="rId3"/>
-          <a:srcRect l="700" r="4313"/>
-          <a:stretch/>
-        </p:blipFill>
-        <p:spPr>
-          <a:xfrm>
-            <a:off x="5940424" y="884057"/>
-            <a:ext cx="5874694" cy="4841826"/>
+            <a:off x="828670" y="583365"/>
+            <a:ext cx="10292450" cy="5160582"/>
           </a:xfrm>
           <a:prstGeom prst="rect">
             <a:avLst/>
@@ -8948,6 +8848,11 @@
         </p:spPr>
       </p:pic>
     </p:spTree>
+    <p:extLst>
+      <p:ext uri="{BB962C8B-B14F-4D97-AF65-F5344CB8AC3E}">
+        <p14:creationId xmlns:p14="http://schemas.microsoft.com/office/powerpoint/2010/main" val="35294710"/>
+      </p:ext>
+    </p:extLst>
   </p:cSld>
   <p:clrMapOvr>
     <a:masterClrMapping/>
@@ -8984,7 +8889,7 @@
         </p:nvSpPr>
         <p:spPr>
           <a:xfrm>
-            <a:off x="701640" y="380880"/>
+            <a:off x="687845" y="119157"/>
             <a:ext cx="10505160" cy="698412"/>
           </a:xfrm>
           <a:prstGeom prst="rect">
@@ -9008,64 +8913,14 @@
               <a:buNone/>
             </a:pPr>
             <a:r>
-              <a:rPr lang="en-US" sz="3600" b="1" strike="noStrike" spc="-100" dirty="0">
+              <a:rPr lang="en-US" altLang="zh-CN" sz="3600" b="1" strike="noStrike" spc="-100" dirty="0">
                 <a:solidFill>
                   <a:srgbClr val="0065BD"/>
                 </a:solidFill>
                 <a:latin typeface="Arial"/>
                 <a:ea typeface="ＭＳ Ｐゴシック"/>
               </a:rPr>
-              <a:t>ipsec </a:t>
-            </a:r>
-            <a:r>
-              <a:rPr lang="en-US" sz="3600" b="1" strike="noStrike" spc="-100" dirty="0" err="1">
-                <a:solidFill>
-                  <a:srgbClr val="0065BD"/>
-                </a:solidFill>
-                <a:latin typeface="Arial"/>
-                <a:ea typeface="ＭＳ Ｐゴシック"/>
-              </a:rPr>
-              <a:t>listcerts</a:t>
-            </a:r>
-            <a:r>
-              <a:rPr lang="en-US" sz="3600" b="1" strike="noStrike" spc="-100" dirty="0">
-                <a:solidFill>
-                  <a:srgbClr val="0065BD"/>
-                </a:solidFill>
-                <a:latin typeface="Arial"/>
-                <a:ea typeface="ＭＳ Ｐゴシック"/>
-              </a:rPr>
-              <a:t> </a:t>
-            </a:r>
-            <a:r>
-              <a:rPr lang="zh-CN" altLang="en-US" sz="3600" b="1" strike="noStrike" spc="-100" dirty="0">
-                <a:solidFill>
-                  <a:srgbClr val="0065BD"/>
-                </a:solidFill>
-                <a:latin typeface="Arial"/>
-                <a:ea typeface="ＭＳ Ｐゴシック"/>
-              </a:rPr>
-              <a:t>（</a:t>
-            </a:r>
-            <a:r>
-              <a:rPr lang="en-US" altLang="zh-CN" sz="3600" b="1" strike="noStrike" spc="-100" dirty="0">
-                <a:solidFill>
-                  <a:srgbClr val="0065BD"/>
-                </a:solidFill>
-                <a:latin typeface="Arial"/>
-                <a:ea typeface="ＭＳ Ｐゴシック"/>
-              </a:rPr>
-              <a:t>Cloud</a:t>
-            </a:r>
-            <a:r>
-              <a:rPr lang="zh-CN" altLang="en-US" sz="3600" b="1" strike="noStrike" spc="-100" dirty="0">
-                <a:solidFill>
-                  <a:srgbClr val="0065BD"/>
-                </a:solidFill>
-                <a:latin typeface="Arial"/>
-                <a:ea typeface="ＭＳ Ｐゴシック"/>
-              </a:rPr>
-              <a:t>）</a:t>
+              <a:t>/var/log/syslog that shows the auth process</a:t>
             </a:r>
             <a:endParaRPr lang="en-US" sz="3600" b="0" strike="noStrike" spc="-1" dirty="0">
               <a:solidFill>
@@ -9133,7 +8988,7 @@
                 <a:latin typeface="Arial"/>
                 <a:ea typeface="ＭＳ Ｐゴシック"/>
               </a:rPr>
-              <a:t>6.12.2022</a:t>
+              <a:t>7.12.2022</a:t>
             </a:fld>
             <a:endParaRPr lang="en-GB" sz="900" b="0" strike="noStrike" spc="-1">
               <a:solidFill>
@@ -9214,10 +9069,10 @@
       </p:sp>
       <p:pic>
         <p:nvPicPr>
-          <p:cNvPr id="5" name="Picture 4">
+          <p:cNvPr id="6" name="Picture 5">
             <a:extLst>
               <a:ext uri="{FF2B5EF4-FFF2-40B4-BE49-F238E27FC236}">
-                <a16:creationId xmlns:a16="http://schemas.microsoft.com/office/drawing/2014/main" id="{42775773-55DF-0865-3499-14CED9805846}"/>
+                <a16:creationId xmlns:a16="http://schemas.microsoft.com/office/drawing/2014/main" id="{85E5F98C-D99D-30A4-8983-5761E895065A}"/>
               </a:ext>
             </a:extLst>
           </p:cNvPr>
@@ -9234,68 +9089,8 @@
         </p:blipFill>
         <p:spPr>
           <a:xfrm>
-            <a:off x="7165298" y="1690291"/>
-            <a:ext cx="4572000" cy="1618158"/>
-          </a:xfrm>
-          <a:prstGeom prst="rect">
-            <a:avLst/>
-          </a:prstGeom>
-        </p:spPr>
-      </p:pic>
-      <p:pic>
-        <p:nvPicPr>
-          <p:cNvPr id="7" name="Picture 6">
-            <a:extLst>
-              <a:ext uri="{FF2B5EF4-FFF2-40B4-BE49-F238E27FC236}">
-                <a16:creationId xmlns:a16="http://schemas.microsoft.com/office/drawing/2014/main" id="{68C213EE-EC42-CC28-8F9D-CEE083045563}"/>
-              </a:ext>
-            </a:extLst>
-          </p:cNvPr>
-          <p:cNvPicPr>
-            <a:picLocks noChangeAspect="1"/>
-          </p:cNvPicPr>
-          <p:nvPr/>
-        </p:nvPicPr>
-        <p:blipFill>
-          <a:blip r:embed="rId3"/>
-          <a:stretch>
-            <a:fillRect/>
-          </a:stretch>
-        </p:blipFill>
-        <p:spPr>
-          <a:xfrm>
-            <a:off x="7165298" y="3308448"/>
-            <a:ext cx="4572000" cy="1641436"/>
-          </a:xfrm>
-          <a:prstGeom prst="rect">
-            <a:avLst/>
-          </a:prstGeom>
-        </p:spPr>
-      </p:pic>
-      <p:pic>
-        <p:nvPicPr>
-          <p:cNvPr id="9" name="Picture 8">
-            <a:extLst>
-              <a:ext uri="{FF2B5EF4-FFF2-40B4-BE49-F238E27FC236}">
-                <a16:creationId xmlns:a16="http://schemas.microsoft.com/office/drawing/2014/main" id="{58282EA4-D9D0-10C9-0B5F-B6E8D3C093C8}"/>
-              </a:ext>
-            </a:extLst>
-          </p:cNvPr>
-          <p:cNvPicPr>
-            <a:picLocks noChangeAspect="1"/>
-          </p:cNvPicPr>
-          <p:nvPr/>
-        </p:nvPicPr>
-        <p:blipFill>
-          <a:blip r:embed="rId4"/>
-          <a:stretch>
-            <a:fillRect/>
-          </a:stretch>
-        </p:blipFill>
-        <p:spPr>
-          <a:xfrm>
-            <a:off x="179882" y="1683944"/>
-            <a:ext cx="6985416" cy="3270664"/>
+            <a:off x="837867" y="817569"/>
+            <a:ext cx="10283253" cy="4881783"/>
           </a:xfrm>
           <a:prstGeom prst="rect">
             <a:avLst/>
@@ -9305,7 +9100,7 @@
     </p:spTree>
     <p:extLst>
       <p:ext uri="{BB962C8B-B14F-4D97-AF65-F5344CB8AC3E}">
-        <p14:creationId xmlns:p14="http://schemas.microsoft.com/office/powerpoint/2010/main" val="1505653956"/>
+        <p14:creationId xmlns:p14="http://schemas.microsoft.com/office/powerpoint/2010/main" val="4109278383"/>
       </p:ext>
     </p:extLst>
   </p:cSld>
@@ -9344,7 +9139,7 @@
         </p:nvSpPr>
         <p:spPr>
           <a:xfrm>
-            <a:off x="687845" y="119157"/>
+            <a:off x="701640" y="380880"/>
             <a:ext cx="10505160" cy="698412"/>
           </a:xfrm>
           <a:prstGeom prst="rect">
@@ -9375,7 +9170,17 @@
                 <a:latin typeface="Arial"/>
                 <a:ea typeface="ＭＳ Ｐゴシック"/>
               </a:rPr>
-              <a:t>/var/log/syslog </a:t>
+              <a:t>iptables </a:t>
+            </a:r>
+            <a:r>
+              <a:rPr lang="zh-CN" altLang="en-US" sz="3600" b="1" strike="noStrike" spc="-100" dirty="0">
+                <a:solidFill>
+                  <a:srgbClr val="0065BD"/>
+                </a:solidFill>
+                <a:latin typeface="Arial"/>
+                <a:ea typeface="ＭＳ Ｐゴシック"/>
+              </a:rPr>
+              <a:t>（</a:t>
             </a:r>
             <a:r>
               <a:rPr lang="en-US" altLang="zh-CN" sz="3600" b="1" strike="noStrike" spc="-100" dirty="0">
@@ -9385,7 +9190,17 @@
                 <a:latin typeface="Arial"/>
                 <a:ea typeface="ＭＳ Ｐゴシック"/>
               </a:rPr>
-              <a:t>that shows the auth process</a:t>
+              <a:t>gateway A</a:t>
+            </a:r>
+            <a:r>
+              <a:rPr lang="zh-CN" altLang="en-US" sz="3600" b="1" strike="noStrike" spc="-100" dirty="0">
+                <a:solidFill>
+                  <a:srgbClr val="0065BD"/>
+                </a:solidFill>
+                <a:latin typeface="Arial"/>
+                <a:ea typeface="ＭＳ Ｐゴシック"/>
+              </a:rPr>
+              <a:t>）</a:t>
             </a:r>
             <a:endParaRPr lang="en-US" sz="3600" b="0" strike="noStrike" spc="-1" dirty="0">
               <a:solidFill>
@@ -9453,7 +9268,7 @@
                 <a:latin typeface="Arial"/>
                 <a:ea typeface="ＭＳ Ｐゴシック"/>
               </a:rPr>
-              <a:t>6.12.2022</a:t>
+              <a:t>7.12.2022</a:t>
             </a:fld>
             <a:endParaRPr lang="en-GB" sz="900" b="0" strike="noStrike" spc="-1">
               <a:solidFill>
@@ -9534,10 +9349,10 @@
       </p:sp>
       <p:pic>
         <p:nvPicPr>
-          <p:cNvPr id="3" name="Picture 2">
+          <p:cNvPr id="13" name="Picture 12">
             <a:extLst>
               <a:ext uri="{FF2B5EF4-FFF2-40B4-BE49-F238E27FC236}">
-                <a16:creationId xmlns:a16="http://schemas.microsoft.com/office/drawing/2014/main" id="{736509D7-2764-0ADC-A2CA-5DA108A39C9C}"/>
+                <a16:creationId xmlns:a16="http://schemas.microsoft.com/office/drawing/2014/main" id="{DC1DBE7A-407D-35E6-9037-7CD844BD7BD5}"/>
               </a:ext>
             </a:extLst>
           </p:cNvPr>
@@ -9554,38 +9369,8 @@
         </p:blipFill>
         <p:spPr>
           <a:xfrm>
-            <a:off x="2016748" y="616555"/>
-            <a:ext cx="7847351" cy="1209069"/>
-          </a:xfrm>
-          <a:prstGeom prst="rect">
-            <a:avLst/>
-          </a:prstGeom>
-        </p:spPr>
-      </p:pic>
-      <p:pic>
-        <p:nvPicPr>
-          <p:cNvPr id="5" name="Picture 4">
-            <a:extLst>
-              <a:ext uri="{FF2B5EF4-FFF2-40B4-BE49-F238E27FC236}">
-                <a16:creationId xmlns:a16="http://schemas.microsoft.com/office/drawing/2014/main" id="{2940A346-4FC6-55FD-03A9-3B2DB0292EA7}"/>
-              </a:ext>
-            </a:extLst>
-          </p:cNvPr>
-          <p:cNvPicPr>
-            <a:picLocks noChangeAspect="1"/>
-          </p:cNvPicPr>
-          <p:nvPr/>
-        </p:nvPicPr>
-        <p:blipFill>
-          <a:blip r:embed="rId3"/>
-          <a:stretch>
-            <a:fillRect/>
-          </a:stretch>
-        </p:blipFill>
-        <p:spPr>
-          <a:xfrm>
-            <a:off x="2016749" y="1825624"/>
-            <a:ext cx="7847351" cy="3914318"/>
+            <a:off x="567054" y="2166614"/>
+            <a:ext cx="10746741" cy="2524771"/>
           </a:xfrm>
           <a:prstGeom prst="rect">
             <a:avLst/>
@@ -9595,7 +9380,7 @@
     </p:spTree>
     <p:extLst>
       <p:ext uri="{BB962C8B-B14F-4D97-AF65-F5344CB8AC3E}">
-        <p14:creationId xmlns:p14="http://schemas.microsoft.com/office/powerpoint/2010/main" val="438651729"/>
+        <p14:creationId xmlns:p14="http://schemas.microsoft.com/office/powerpoint/2010/main" val="2865584388"/>
       </p:ext>
     </p:extLst>
   </p:cSld>
@@ -9634,7 +9419,7 @@
         </p:nvSpPr>
         <p:spPr>
           <a:xfrm>
-            <a:off x="687845" y="119157"/>
+            <a:off x="701640" y="380880"/>
             <a:ext cx="10505160" cy="698412"/>
           </a:xfrm>
           <a:prstGeom prst="rect">
@@ -9658,14 +9443,44 @@
               <a:buNone/>
             </a:pPr>
             <a:r>
-              <a:rPr lang="en-US" altLang="zh-CN" sz="3600" b="1" strike="noStrike" spc="-100" dirty="0">
+              <a:rPr lang="en-US" sz="3600" b="1" strike="noStrike" spc="-100" dirty="0">
                 <a:solidFill>
                   <a:srgbClr val="0065BD"/>
                 </a:solidFill>
                 <a:latin typeface="Arial"/>
                 <a:ea typeface="ＭＳ Ｐゴシック"/>
               </a:rPr>
-              <a:t>/var/log/syslog that shows the auth process</a:t>
+              <a:t>iptables </a:t>
+            </a:r>
+            <a:r>
+              <a:rPr lang="zh-CN" altLang="en-US" sz="3600" b="1" strike="noStrike" spc="-100" dirty="0">
+                <a:solidFill>
+                  <a:srgbClr val="0065BD"/>
+                </a:solidFill>
+                <a:latin typeface="Arial"/>
+                <a:ea typeface="ＭＳ Ｐゴシック"/>
+              </a:rPr>
+              <a:t>（</a:t>
+            </a:r>
+            <a:r>
+              <a:rPr lang="en-US" altLang="zh-CN" sz="3600" b="1" strike="noStrike" spc="-100" dirty="0">
+                <a:solidFill>
+                  <a:srgbClr val="0065BD"/>
+                </a:solidFill>
+                <a:latin typeface="Arial"/>
+                <a:ea typeface="ＭＳ Ｐゴシック"/>
+              </a:rPr>
+              <a:t>gateway B</a:t>
+            </a:r>
+            <a:r>
+              <a:rPr lang="zh-CN" altLang="en-US" sz="3600" b="1" strike="noStrike" spc="-100" dirty="0">
+                <a:solidFill>
+                  <a:srgbClr val="0065BD"/>
+                </a:solidFill>
+                <a:latin typeface="Arial"/>
+                <a:ea typeface="ＭＳ Ｐゴシック"/>
+              </a:rPr>
+              <a:t>）</a:t>
             </a:r>
             <a:endParaRPr lang="en-US" sz="3600" b="0" strike="noStrike" spc="-1" dirty="0">
               <a:solidFill>
@@ -9733,7 +9548,7 @@
                 <a:latin typeface="Arial"/>
                 <a:ea typeface="ＭＳ Ｐゴシック"/>
               </a:rPr>
-              <a:t>6.12.2022</a:t>
+              <a:t>7.12.2022</a:t>
             </a:fld>
             <a:endParaRPr lang="en-GB" sz="900" b="0" strike="noStrike" spc="-1">
               <a:solidFill>
@@ -9814,10 +9629,10 @@
       </p:sp>
       <p:pic>
         <p:nvPicPr>
-          <p:cNvPr id="4" name="Picture 3">
+          <p:cNvPr id="3" name="Picture 2">
             <a:extLst>
               <a:ext uri="{FF2B5EF4-FFF2-40B4-BE49-F238E27FC236}">
-                <a16:creationId xmlns:a16="http://schemas.microsoft.com/office/drawing/2014/main" id="{CB561BD0-89DF-EB4C-7CEC-8E04686CAB01}"/>
+                <a16:creationId xmlns:a16="http://schemas.microsoft.com/office/drawing/2014/main" id="{2AA9FB81-4411-3B04-14D1-0C4997DE6209}"/>
               </a:ext>
             </a:extLst>
           </p:cNvPr>
@@ -9834,8 +9649,8 @@
         </p:blipFill>
         <p:spPr>
           <a:xfrm>
-            <a:off x="828670" y="583365"/>
-            <a:ext cx="10292450" cy="5160582"/>
+            <a:off x="673739" y="2190170"/>
+            <a:ext cx="10560961" cy="2477659"/>
           </a:xfrm>
           <a:prstGeom prst="rect">
             <a:avLst/>
@@ -9845,7 +9660,7 @@
     </p:spTree>
     <p:extLst>
       <p:ext uri="{BB962C8B-B14F-4D97-AF65-F5344CB8AC3E}">
-        <p14:creationId xmlns:p14="http://schemas.microsoft.com/office/powerpoint/2010/main" val="35294710"/>
+        <p14:creationId xmlns:p14="http://schemas.microsoft.com/office/powerpoint/2010/main" val="1435082813"/>
       </p:ext>
     </p:extLst>
   </p:cSld>

--- a/slides.pptx
+++ b/slides.pptx
@@ -18,7 +18,8 @@
     <p:sldId id="280" r:id="rId12"/>
     <p:sldId id="272" r:id="rId13"/>
     <p:sldId id="271" r:id="rId14"/>
-    <p:sldId id="269" r:id="rId15"/>
+    <p:sldId id="281" r:id="rId15"/>
+    <p:sldId id="269" r:id="rId16"/>
   </p:sldIdLst>
   <p:sldSz cx="11880850" cy="6858000"/>
   <p:notesSz cx="7559675" cy="10691813"/>
@@ -123,6 +124,14 @@
     </p:ext>
   </p:extLst>
 </p:presentation>
+</file>
+
+<file path=ppt/revisionInfo.xml><?xml version="1.0" encoding="utf-8"?>
+<p1510:revInfo xmlns:a="http://schemas.openxmlformats.org/drawingml/2006/main" xmlns:r="http://schemas.openxmlformats.org/officeDocument/2006/relationships" xmlns:p1510="http://schemas.microsoft.com/office/powerpoint/2015/10/main">
+  <p1510:revLst>
+    <p1510:client id="{6A066F64-DFA6-4985-BB87-2411EA70DCA6}" v="30" dt="2022-12-08T11:21:03.772"/>
+  </p1510:revLst>
+</p1510:revInfo>
 </file>
 
 <file path=ppt/slideLayouts/slideLayout1.xml><?xml version="1.0" encoding="utf-8"?>
@@ -6266,7 +6275,7 @@
                 <a:latin typeface="Arial"/>
                 <a:ea typeface="ＭＳ Ｐゴシック"/>
               </a:rPr>
-              <a:t>7.12.2022</a:t>
+              <a:t>8.12.2022</a:t>
             </a:fld>
             <a:endParaRPr lang="en-GB" sz="900" b="0" strike="noStrike" spc="-1">
               <a:solidFill>
@@ -6347,10 +6356,10 @@
       </p:sp>
       <p:pic>
         <p:nvPicPr>
-          <p:cNvPr id="4" name="Picture 3">
+          <p:cNvPr id="2" name="Picture 2" descr="Text&#10;&#10;Description automatically generated">
             <a:extLst>
               <a:ext uri="{FF2B5EF4-FFF2-40B4-BE49-F238E27FC236}">
-                <a16:creationId xmlns:a16="http://schemas.microsoft.com/office/drawing/2014/main" id="{E7BB83D7-7711-BB9A-AD45-60757F962CD9}"/>
+                <a16:creationId xmlns:a16="http://schemas.microsoft.com/office/drawing/2014/main" id="{E63F1C62-E8D1-73A4-6DD4-01C517BC646F}"/>
               </a:ext>
             </a:extLst>
           </p:cNvPr>
@@ -6367,8 +6376,8 @@
         </p:blipFill>
         <p:spPr>
           <a:xfrm>
-            <a:off x="702684" y="2052501"/>
-            <a:ext cx="10475481" cy="2752997"/>
+            <a:off x="779762" y="2124072"/>
+            <a:ext cx="10360565" cy="2610716"/>
           </a:xfrm>
           <a:prstGeom prst="rect">
             <a:avLst/>
@@ -6516,7 +6525,7 @@
                 <a:latin typeface="Arial"/>
                 <a:ea typeface="ＭＳ Ｐゴシック"/>
               </a:rPr>
-              <a:t>7.12.2022</a:t>
+              <a:t>8.12.2022</a:t>
             </a:fld>
             <a:endParaRPr lang="en-GB" sz="900" b="0" strike="noStrike" spc="-1">
               <a:solidFill>
@@ -6826,7 +6835,7 @@
                 <a:latin typeface="Arial"/>
                 <a:ea typeface="ＭＳ Ｐゴシック"/>
               </a:rPr>
-              <a:t>7.12.2022</a:t>
+              <a:t>8.12.2022</a:t>
             </a:fld>
             <a:endParaRPr lang="en-GB" sz="900" b="0" strike="noStrike" spc="-1">
               <a:solidFill>
@@ -6927,7 +6936,7 @@
         </p:blipFill>
         <p:spPr>
           <a:xfrm>
-            <a:off x="3108612" y="766976"/>
+            <a:off x="3108612" y="784851"/>
             <a:ext cx="5691216" cy="1578060"/>
           </a:xfrm>
           <a:prstGeom prst="rect">
@@ -7047,7 +7056,7 @@
         </p:blipFill>
         <p:spPr>
           <a:xfrm>
-            <a:off x="3123206" y="4662601"/>
+            <a:off x="3123206" y="4644726"/>
             <a:ext cx="5687239" cy="747693"/>
           </a:xfrm>
           <a:prstGeom prst="rect">
@@ -7087,6 +7096,256 @@
       </p:grpSpPr>
       <p:sp>
         <p:nvSpPr>
+          <p:cNvPr id="138" name="PlaceHolder 1"/>
+          <p:cNvSpPr>
+            <a:spLocks noGrp="1"/>
+          </p:cNvSpPr>
+          <p:nvPr>
+            <p:ph type="title"/>
+          </p:nvPr>
+        </p:nvSpPr>
+        <p:spPr>
+          <a:xfrm>
+            <a:off x="701640" y="380880"/>
+            <a:ext cx="10505160" cy="698412"/>
+          </a:xfrm>
+          <a:prstGeom prst="rect">
+            <a:avLst/>
+          </a:prstGeom>
+          <a:noFill/>
+          <a:ln w="0">
+            <a:noFill/>
+          </a:ln>
+        </p:spPr>
+        <p:txBody>
+          <a:bodyPr lIns="0" tIns="0" rIns="0" bIns="0" anchor="t">
+            <a:noAutofit/>
+          </a:bodyPr>
+          <a:lstStyle/>
+          <a:p>
+            <a:pPr indent="0">
+              <a:lnSpc>
+                <a:spcPct val="85000"/>
+              </a:lnSpc>
+              <a:buNone/>
+            </a:pPr>
+            <a:r>
+              <a:rPr lang="en-US" sz="3600" b="1" strike="noStrike" spc="-100" dirty="0">
+                <a:solidFill>
+                  <a:srgbClr val="0065BD"/>
+                </a:solidFill>
+                <a:latin typeface="Arial"/>
+                <a:ea typeface="ＭＳ Ｐゴシック"/>
+              </a:rPr>
+              <a:t>Demo</a:t>
+            </a:r>
+            <a:endParaRPr lang="en-US" sz="3600" b="0" strike="noStrike" spc="-1" dirty="0">
+              <a:solidFill>
+                <a:srgbClr val="000000"/>
+              </a:solidFill>
+              <a:latin typeface="Arial"/>
+            </a:endParaRPr>
+          </a:p>
+        </p:txBody>
+      </p:sp>
+      <p:sp>
+        <p:nvSpPr>
+          <p:cNvPr id="140" name="PlaceHolder 3"/>
+          <p:cNvSpPr>
+            <a:spLocks noGrp="1"/>
+          </p:cNvSpPr>
+          <p:nvPr>
+            <p:ph type="dt" idx="24"/>
+          </p:nvPr>
+        </p:nvSpPr>
+        <p:spPr>
+          <a:xfrm>
+            <a:off x="6418800" y="6111720"/>
+            <a:ext cx="4702320" cy="185400"/>
+          </a:xfrm>
+          <a:prstGeom prst="rect">
+            <a:avLst/>
+          </a:prstGeom>
+          <a:noFill/>
+          <a:ln w="0">
+            <a:noFill/>
+          </a:ln>
+        </p:spPr>
+        <p:txBody>
+          <a:bodyPr rIns="0" anchor="ctr">
+            <a:noAutofit/>
+          </a:bodyPr>
+          <a:lstStyle>
+            <a:lvl1pPr indent="0" algn="r">
+              <a:lnSpc>
+                <a:spcPct val="100000"/>
+              </a:lnSpc>
+              <a:buNone/>
+              <a:defRPr lang="fi-FI" sz="900" b="0" strike="noStrike" spc="-1">
+                <a:solidFill>
+                  <a:srgbClr val="8B8B8B"/>
+                </a:solidFill>
+                <a:latin typeface="Arial"/>
+                <a:ea typeface="ＭＳ Ｐゴシック"/>
+              </a:defRPr>
+            </a:lvl1pPr>
+          </a:lstStyle>
+          <a:p>
+            <a:pPr indent="0" algn="r">
+              <a:lnSpc>
+                <a:spcPct val="100000"/>
+              </a:lnSpc>
+              <a:buNone/>
+            </a:pPr>
+            <a:fld id="{76D9D6F8-90AB-433B-A6F7-A114AF302573}" type="datetime1">
+              <a:rPr lang="fi-FI" sz="900" b="0" strike="noStrike" spc="-1">
+                <a:solidFill>
+                  <a:srgbClr val="8B8B8B"/>
+                </a:solidFill>
+                <a:latin typeface="Arial"/>
+                <a:ea typeface="ＭＳ Ｐゴシック"/>
+              </a:rPr>
+              <a:t>8.12.2022</a:t>
+            </a:fld>
+            <a:endParaRPr lang="en-GB" sz="900" b="0" strike="noStrike" spc="-1">
+              <a:solidFill>
+                <a:srgbClr val="000000"/>
+              </a:solidFill>
+              <a:latin typeface="Times New Roman"/>
+            </a:endParaRPr>
+          </a:p>
+        </p:txBody>
+      </p:sp>
+      <p:sp>
+        <p:nvSpPr>
+          <p:cNvPr id="141" name="PlaceHolder 4"/>
+          <p:cNvSpPr>
+            <a:spLocks noGrp="1"/>
+          </p:cNvSpPr>
+          <p:nvPr>
+            <p:ph type="sldNum" idx="25"/>
+          </p:nvPr>
+        </p:nvSpPr>
+        <p:spPr>
+          <a:xfrm>
+            <a:off x="6418800" y="6297480"/>
+            <a:ext cx="4702320" cy="161640"/>
+          </a:xfrm>
+          <a:prstGeom prst="rect">
+            <a:avLst/>
+          </a:prstGeom>
+          <a:noFill/>
+          <a:ln w="0">
+            <a:noFill/>
+          </a:ln>
+        </p:spPr>
+        <p:txBody>
+          <a:bodyPr rIns="0" anchor="ctr">
+            <a:noAutofit/>
+          </a:bodyPr>
+          <a:lstStyle>
+            <a:lvl1pPr indent="0" algn="r">
+              <a:lnSpc>
+                <a:spcPct val="100000"/>
+              </a:lnSpc>
+              <a:buNone/>
+              <a:defRPr lang="fi-FI" sz="900" b="0" strike="noStrike" spc="-1">
+                <a:solidFill>
+                  <a:srgbClr val="8B8B8B"/>
+                </a:solidFill>
+                <a:latin typeface="Arial"/>
+                <a:ea typeface="ＭＳ Ｐゴシック"/>
+              </a:defRPr>
+            </a:lvl1pPr>
+          </a:lstStyle>
+          <a:p>
+            <a:pPr indent="0" algn="r">
+              <a:lnSpc>
+                <a:spcPct val="100000"/>
+              </a:lnSpc>
+              <a:buNone/>
+            </a:pPr>
+            <a:fld id="{76B7A404-D330-40B3-92D3-484EE3208746}" type="slidenum">
+              <a:rPr lang="fi-FI" sz="900" b="0" strike="noStrike" spc="-1">
+                <a:solidFill>
+                  <a:srgbClr val="8B8B8B"/>
+                </a:solidFill>
+                <a:latin typeface="Arial"/>
+                <a:ea typeface="ＭＳ Ｐゴシック"/>
+              </a:rPr>
+              <a:t>13</a:t>
+            </a:fld>
+            <a:endParaRPr lang="en-GB" sz="900" b="0" strike="noStrike" spc="-1">
+              <a:solidFill>
+                <a:srgbClr val="000000"/>
+              </a:solidFill>
+              <a:latin typeface="Times New Roman"/>
+            </a:endParaRPr>
+          </a:p>
+        </p:txBody>
+      </p:sp>
+      <p:pic>
+        <p:nvPicPr>
+          <p:cNvPr id="2" name="Picture 2" descr="Text&#10;&#10;Description automatically generated">
+            <a:extLst>
+              <a:ext uri="{FF2B5EF4-FFF2-40B4-BE49-F238E27FC236}">
+                <a16:creationId xmlns:a16="http://schemas.microsoft.com/office/drawing/2014/main" id="{40E56615-8E27-E2BD-0FC1-2CC88C8E723A}"/>
+              </a:ext>
+            </a:extLst>
+          </p:cNvPr>
+          <p:cNvPicPr>
+            <a:picLocks noChangeAspect="1"/>
+          </p:cNvPicPr>
+          <p:nvPr/>
+        </p:nvPicPr>
+        <p:blipFill>
+          <a:blip r:embed="rId2"/>
+          <a:stretch>
+            <a:fillRect/>
+          </a:stretch>
+        </p:blipFill>
+        <p:spPr>
+          <a:xfrm>
+            <a:off x="1303133" y="844755"/>
+            <a:ext cx="9277610" cy="4855390"/>
+          </a:xfrm>
+          <a:prstGeom prst="rect">
+            <a:avLst/>
+          </a:prstGeom>
+        </p:spPr>
+      </p:pic>
+    </p:spTree>
+    <p:extLst>
+      <p:ext uri="{BB962C8B-B14F-4D97-AF65-F5344CB8AC3E}">
+        <p14:creationId xmlns:p14="http://schemas.microsoft.com/office/powerpoint/2010/main" val="4034601406"/>
+      </p:ext>
+    </p:extLst>
+  </p:cSld>
+  <p:clrMapOvr>
+    <a:masterClrMapping/>
+  </p:clrMapOvr>
+</p:sld>
+</file>
+
+<file path=ppt/slides/slide14.xml><?xml version="1.0" encoding="utf-8"?>
+<p:sld xmlns:a="http://schemas.openxmlformats.org/drawingml/2006/main" xmlns:r="http://schemas.openxmlformats.org/officeDocument/2006/relationships" xmlns:p="http://schemas.openxmlformats.org/presentationml/2006/main">
+  <p:cSld>
+    <p:spTree>
+      <p:nvGrpSpPr>
+        <p:cNvPr id="1" name=""/>
+        <p:cNvGrpSpPr/>
+        <p:nvPr/>
+      </p:nvGrpSpPr>
+      <p:grpSpPr>
+        <a:xfrm>
+          <a:off x="0" y="0"/>
+          <a:ext cx="0" cy="0"/>
+          <a:chOff x="0" y="0"/>
+          <a:chExt cx="0" cy="0"/>
+        </a:xfrm>
+      </p:grpSpPr>
+      <p:sp>
+        <p:nvSpPr>
           <p:cNvPr id="144" name="PlaceHolder 1"/>
           <p:cNvSpPr>
             <a:spLocks noGrp="1"/>
@@ -7322,7 +7581,7 @@
                 <a:latin typeface="Arial"/>
                 <a:ea typeface="ＭＳ Ｐゴシック"/>
               </a:rPr>
-              <a:t>7.12.2022</a:t>
+              <a:t>8.12.2022</a:t>
             </a:fld>
             <a:endParaRPr lang="en-GB" sz="900" b="0" strike="noStrike" spc="-1">
               <a:solidFill>
@@ -7814,7 +8073,7 @@
                 <a:latin typeface="Arial"/>
                 <a:ea typeface="ＭＳ Ｐゴシック"/>
               </a:rPr>
-              <a:t>7.12.2022</a:t>
+              <a:t>8.12.2022</a:t>
             </a:fld>
             <a:endParaRPr lang="en-GB" sz="900" b="0" strike="noStrike" spc="-1">
               <a:solidFill>
@@ -7944,7 +8203,7 @@
         </p:blipFill>
         <p:spPr>
           <a:xfrm>
-            <a:off x="5940424" y="884057"/>
+            <a:off x="5922553" y="884057"/>
             <a:ext cx="5874694" cy="4841826"/>
           </a:xfrm>
           <a:prstGeom prst="rect">
@@ -8138,7 +8397,7 @@
                 <a:latin typeface="Arial"/>
                 <a:ea typeface="ＭＳ Ｐゴシック"/>
               </a:rPr>
-              <a:t>7.12.2022</a:t>
+              <a:t>8.12.2022</a:t>
             </a:fld>
             <a:endParaRPr lang="en-GB" sz="900" b="0" strike="noStrike" spc="-1">
               <a:solidFill>
@@ -8239,7 +8498,7 @@
         </p:blipFill>
         <p:spPr>
           <a:xfrm>
-            <a:off x="7165298" y="1690291"/>
+            <a:off x="7149308" y="1706277"/>
             <a:ext cx="4572000" cy="1618158"/>
           </a:xfrm>
           <a:prstGeom prst="rect">
@@ -8269,7 +8528,7 @@
         </p:blipFill>
         <p:spPr>
           <a:xfrm>
-            <a:off x="7165298" y="3308448"/>
+            <a:off x="7149308" y="3308448"/>
             <a:ext cx="4572000" cy="1641436"/>
           </a:xfrm>
           <a:prstGeom prst="rect">
@@ -8458,7 +8717,7 @@
                 <a:latin typeface="Arial"/>
                 <a:ea typeface="ＭＳ Ｐゴシック"/>
               </a:rPr>
-              <a:t>7.12.2022</a:t>
+              <a:t>8.12.2022</a:t>
             </a:fld>
             <a:endParaRPr lang="en-GB" sz="900" b="0" strike="noStrike" spc="-1">
               <a:solidFill>
@@ -8559,7 +8818,7 @@
         </p:blipFill>
         <p:spPr>
           <a:xfrm>
-            <a:off x="2016748" y="616555"/>
+            <a:off x="2016748" y="632541"/>
             <a:ext cx="7847351" cy="1209069"/>
           </a:xfrm>
           <a:prstGeom prst="rect">
@@ -8738,7 +8997,7 @@
                 <a:latin typeface="Arial"/>
                 <a:ea typeface="ＭＳ Ｐゴシック"/>
               </a:rPr>
-              <a:t>7.12.2022</a:t>
+              <a:t>8.12.2022</a:t>
             </a:fld>
             <a:endParaRPr lang="en-GB" sz="900" b="0" strike="noStrike" spc="-1">
               <a:solidFill>
@@ -8988,7 +9247,7 @@
                 <a:latin typeface="Arial"/>
                 <a:ea typeface="ＭＳ Ｐゴシック"/>
               </a:rPr>
-              <a:t>7.12.2022</a:t>
+              <a:t>8.12.2022</a:t>
             </a:fld>
             <a:endParaRPr lang="en-GB" sz="900" b="0" strike="noStrike" spc="-1">
               <a:solidFill>
@@ -9268,7 +9527,7 @@
                 <a:latin typeface="Arial"/>
                 <a:ea typeface="ＭＳ Ｐゴシック"/>
               </a:rPr>
-              <a:t>7.12.2022</a:t>
+              <a:t>8.12.2022</a:t>
             </a:fld>
             <a:endParaRPr lang="en-GB" sz="900" b="0" strike="noStrike" spc="-1">
               <a:solidFill>
@@ -9548,7 +9807,7 @@
                 <a:latin typeface="Arial"/>
                 <a:ea typeface="ＭＳ Ｐゴシック"/>
               </a:rPr>
-              <a:t>7.12.2022</a:t>
+              <a:t>8.12.2022</a:t>
             </a:fld>
             <a:endParaRPr lang="en-GB" sz="900" b="0" strike="noStrike" spc="-1">
               <a:solidFill>

--- a/slides.pptx
+++ b/slides.pptx
@@ -129,6 +129,7 @@
 <file path=ppt/revisionInfo.xml><?xml version="1.0" encoding="utf-8"?>
 <p1510:revInfo xmlns:a="http://schemas.openxmlformats.org/drawingml/2006/main" xmlns:r="http://schemas.openxmlformats.org/officeDocument/2006/relationships" xmlns:p1510="http://schemas.microsoft.com/office/powerpoint/2015/10/main">
   <p1510:revLst>
+    <p1510:client id="{2B3CB4AC-A154-74B7-2DB4-596E2F7970B1}" v="34" dt="2022-12-08T15:01:28.830"/>
     <p1510:client id="{6A066F64-DFA6-4985-BB87-2411EA70DCA6}" v="30" dt="2022-12-08T11:21:03.772"/>
   </p1510:revLst>
 </p1510:revInfo>
@@ -9628,8 +9629,38 @@
         </p:blipFill>
         <p:spPr>
           <a:xfrm>
-            <a:off x="567054" y="2166614"/>
-            <a:ext cx="10746741" cy="2524771"/>
+            <a:off x="2310005" y="3925074"/>
+            <a:ext cx="7180887" cy="1685506"/>
+          </a:xfrm>
+          <a:prstGeom prst="rect">
+            <a:avLst/>
+          </a:prstGeom>
+        </p:spPr>
+      </p:pic>
+      <p:pic>
+        <p:nvPicPr>
+          <p:cNvPr id="2" name="Picture 2">
+            <a:extLst>
+              <a:ext uri="{FF2B5EF4-FFF2-40B4-BE49-F238E27FC236}">
+                <a16:creationId xmlns:a16="http://schemas.microsoft.com/office/drawing/2014/main" id="{32410713-DB49-1163-C158-92C6667B5D81}"/>
+              </a:ext>
+            </a:extLst>
+          </p:cNvPr>
+          <p:cNvPicPr>
+            <a:picLocks noChangeAspect="1"/>
+          </p:cNvPicPr>
+          <p:nvPr/>
+        </p:nvPicPr>
+        <p:blipFill>
+          <a:blip r:embed="rId3"/>
+          <a:stretch>
+            <a:fillRect/>
+          </a:stretch>
+        </p:blipFill>
+        <p:spPr>
+          <a:xfrm>
+            <a:off x="2313841" y="913935"/>
+            <a:ext cx="7157293" cy="3007898"/>
           </a:xfrm>
           <a:prstGeom prst="rect">
             <a:avLst/>
@@ -9908,8 +9939,38 @@
         </p:blipFill>
         <p:spPr>
           <a:xfrm>
-            <a:off x="673739" y="2190170"/>
-            <a:ext cx="10560961" cy="2477659"/>
+            <a:off x="2344733" y="3956624"/>
+            <a:ext cx="7434844" cy="1742303"/>
+          </a:xfrm>
+          <a:prstGeom prst="rect">
+            <a:avLst/>
+          </a:prstGeom>
+        </p:spPr>
+      </p:pic>
+      <p:pic>
+        <p:nvPicPr>
+          <p:cNvPr id="2" name="Picture 3">
+            <a:extLst>
+              <a:ext uri="{FF2B5EF4-FFF2-40B4-BE49-F238E27FC236}">
+                <a16:creationId xmlns:a16="http://schemas.microsoft.com/office/drawing/2014/main" id="{4641739B-63EE-FF4B-77DB-2B055D025DBF}"/>
+              </a:ext>
+            </a:extLst>
+          </p:cNvPr>
+          <p:cNvPicPr>
+            <a:picLocks noChangeAspect="1"/>
+          </p:cNvPicPr>
+          <p:nvPr/>
+        </p:nvPicPr>
+        <p:blipFill>
+          <a:blip r:embed="rId3"/>
+          <a:stretch>
+            <a:fillRect/>
+          </a:stretch>
+        </p:blipFill>
+        <p:spPr>
+          <a:xfrm>
+            <a:off x="2337826" y="841998"/>
+            <a:ext cx="7437126" cy="3111807"/>
           </a:xfrm>
           <a:prstGeom prst="rect">
             <a:avLst/>
